--- a/Informativo - Email Especialistas.pptx
+++ b/Informativo - Email Especialistas.pptx
@@ -186,7 +186,7 @@
           <a:p>
             <a:fld id="{1D8BD707-D9CF-40AE-B4C6-C98DA3205C09}" type="datetimeFigureOut">
               <a:rPr lang="en-US"/>
-              <a:t>9/18/2024</a:t>
+              <a:t>10/16/2024</a:t>
             </a:fld>
             <a:endParaRPr lang="en-US"/>
           </a:p>
@@ -365,7 +365,7 @@
           <a:p>
             <a:fld id="{1D8BD707-D9CF-40AE-B4C6-C98DA3205C09}" type="datetimeFigureOut">
               <a:rPr lang="en-US"/>
-              <a:t>9/18/2024</a:t>
+              <a:t>10/16/2024</a:t>
             </a:fld>
             <a:endParaRPr lang="en-US"/>
           </a:p>
@@ -579,7 +579,7 @@
           <a:p>
             <a:fld id="{1D8BD707-D9CF-40AE-B4C6-C98DA3205C09}" type="datetimeFigureOut">
               <a:rPr lang="en-US"/>
-              <a:t>9/18/2024</a:t>
+              <a:t>10/16/2024</a:t>
             </a:fld>
             <a:endParaRPr lang="en-US"/>
           </a:p>
@@ -727,7 +727,7 @@
           <a:p>
             <a:fld id="{1D8BD707-D9CF-40AE-B4C6-C98DA3205C09}" type="datetimeFigureOut">
               <a:rPr lang="en-US"/>
-              <a:t>9/18/2024</a:t>
+              <a:t>10/16/2024</a:t>
             </a:fld>
             <a:endParaRPr lang="en-US"/>
           </a:p>
@@ -854,7 +854,7 @@
           <a:p>
             <a:fld id="{1D8BD707-D9CF-40AE-B4C6-C98DA3205C09}" type="datetimeFigureOut">
               <a:rPr lang="en-US"/>
-              <a:t>9/18/2024</a:t>
+              <a:t>10/16/2024</a:t>
             </a:fld>
             <a:endParaRPr lang="en-US"/>
           </a:p>
@@ -1123,7 +1123,7 @@
           <a:p>
             <a:fld id="{1D8BD707-D9CF-40AE-B4C6-C98DA3205C09}" type="datetimeFigureOut">
               <a:rPr lang="en-US"/>
-              <a:t>9/18/2024</a:t>
+              <a:t>10/16/2024</a:t>
             </a:fld>
             <a:endParaRPr lang="en-US"/>
           </a:p>
@@ -1414,7 +1414,7 @@
                 </a:solidFill>
                 <a:latin typeface="League Spartan"/>
               </a:rPr>
-              <a:t>João</a:t>
+              <a:t>João Silva</a:t>
             </a:r>
             <a:r>
               <a:rPr lang="en-US" sz="4000" b="1" dirty="0">
@@ -1451,7 +1451,7 @@
         </p:nvSpPr>
         <p:spPr>
           <a:xfrm>
-            <a:off x="914398" y="4000372"/>
+            <a:off x="914399" y="4137532"/>
             <a:ext cx="5791200" cy="1077218"/>
           </a:xfrm>
           <a:prstGeom prst="rect">
@@ -1525,7 +1525,7 @@
         </p:nvSpPr>
         <p:spPr>
           <a:xfrm>
-            <a:off x="697502" y="4859250"/>
+            <a:off x="876295" y="4769454"/>
             <a:ext cx="5842003" cy="584775"/>
           </a:xfrm>
           <a:prstGeom prst="rect">
@@ -1566,7 +1566,7 @@
         </p:nvSpPr>
         <p:spPr>
           <a:xfrm>
-            <a:off x="666660" y="5469291"/>
+            <a:off x="888997" y="5481387"/>
             <a:ext cx="5791200" cy="523220"/>
           </a:xfrm>
           <a:prstGeom prst="rect">
@@ -1625,7 +1625,7 @@
         </p:nvSpPr>
         <p:spPr>
           <a:xfrm>
-            <a:off x="697502" y="6012549"/>
+            <a:off x="888997" y="6053841"/>
             <a:ext cx="5816600" cy="523220"/>
           </a:xfrm>
           <a:prstGeom prst="rect">
@@ -1675,8 +1675,8 @@
         </p:nvSpPr>
         <p:spPr>
           <a:xfrm>
-            <a:off x="697502" y="6575846"/>
-            <a:ext cx="6160498" cy="523220"/>
+            <a:off x="888999" y="6620938"/>
+            <a:ext cx="6148784" cy="523220"/>
           </a:xfrm>
           <a:prstGeom prst="rect">
             <a:avLst/>
@@ -1752,7 +1752,7 @@
         </p:nvSpPr>
         <p:spPr>
           <a:xfrm>
-            <a:off x="730159" y="7128157"/>
+            <a:off x="888997" y="7128813"/>
             <a:ext cx="5664203" cy="523220"/>
           </a:xfrm>
           <a:prstGeom prst="rect">
@@ -1919,7 +1919,7 @@
                 </a:effectLst>
                 <a:latin typeface="League Spartan" pitchFamily="2" charset="0"/>
               </a:rPr>
-              <a:t>oferta de valor do Santander</a:t>
+              <a:t>oferta de valor da empresa</a:t>
             </a:r>
           </a:p>
         </p:txBody>

--- a/Informativo - Email Especialistas.pptx
+++ b/Informativo - Email Especialistas.pptx
@@ -39,6 +39,1111 @@
     <p1510:client id="{76348C08-DCD9-46AE-A812-83C543E91E93}" v="27" dt="2024-09-13T14:42:17.403"/>
   </p1510:revLst>
 </p1510:revInfo>
+</file>
+
+<file path=ppt/changesInfos/changesInfo1.xml><?xml version="1.0" encoding="utf-8"?>
+<pc:chgInfo xmlns:a="http://schemas.openxmlformats.org/drawingml/2006/main" xmlns:r="http://schemas.openxmlformats.org/officeDocument/2006/relationships" xmlns:ac="http://schemas.microsoft.com/office/drawing/2013/main/command" xmlns:pc="http://schemas.microsoft.com/office/powerpoint/2013/main/command">
+  <pc:docChgLst>
+    <pc:chgData name="Chiara Dias Fornasieri (E)" userId="b881f656-41fe-4737-8208-73e5754cd635" providerId="ADAL" clId="{76348C08-DCD9-46AE-A812-83C543E91E93}"/>
+    <pc:docChg chg="undo custSel delSld modSld">
+      <pc:chgData name="Chiara Dias Fornasieri (E)" userId="b881f656-41fe-4737-8208-73e5754cd635" providerId="ADAL" clId="{76348C08-DCD9-46AE-A812-83C543E91E93}" dt="2024-09-13T14:42:17.403" v="715" actId="164"/>
+      <pc:docMkLst>
+        <pc:docMk/>
+      </pc:docMkLst>
+      <pc:sldChg chg="del">
+        <pc:chgData name="Chiara Dias Fornasieri (E)" userId="b881f656-41fe-4737-8208-73e5754cd635" providerId="ADAL" clId="{76348C08-DCD9-46AE-A812-83C543E91E93}" dt="2024-09-12T12:31:56.310" v="229" actId="2696"/>
+        <pc:sldMkLst>
+          <pc:docMk/>
+          <pc:sldMk cId="0" sldId="256"/>
+        </pc:sldMkLst>
+      </pc:sldChg>
+      <pc:sldChg chg="addSp delSp modSp mod">
+        <pc:chgData name="Chiara Dias Fornasieri (E)" userId="b881f656-41fe-4737-8208-73e5754cd635" providerId="ADAL" clId="{76348C08-DCD9-46AE-A812-83C543E91E93}" dt="2024-09-13T14:42:17.403" v="715" actId="164"/>
+        <pc:sldMkLst>
+          <pc:docMk/>
+          <pc:sldMk cId="0" sldId="257"/>
+        </pc:sldMkLst>
+        <pc:spChg chg="mod ord topLvl">
+          <ac:chgData name="Chiara Dias Fornasieri (E)" userId="b881f656-41fe-4737-8208-73e5754cd635" providerId="ADAL" clId="{76348C08-DCD9-46AE-A812-83C543E91E93}" dt="2024-09-13T14:42:17.403" v="715" actId="164"/>
+          <ac:spMkLst>
+            <pc:docMk/>
+            <pc:sldMk cId="0" sldId="257"/>
+            <ac:spMk id="2" creationId="{00000000-0000-0000-0000-000000000000}"/>
+          </ac:spMkLst>
+        </pc:spChg>
+        <pc:spChg chg="mod topLvl">
+          <ac:chgData name="Chiara Dias Fornasieri (E)" userId="b881f656-41fe-4737-8208-73e5754cd635" providerId="ADAL" clId="{76348C08-DCD9-46AE-A812-83C543E91E93}" dt="2024-09-13T14:42:17.403" v="715" actId="164"/>
+          <ac:spMkLst>
+            <pc:docMk/>
+            <pc:sldMk cId="0" sldId="257"/>
+            <ac:spMk id="34" creationId="{00000000-0000-0000-0000-000000000000}"/>
+          </ac:spMkLst>
+        </pc:spChg>
+        <pc:spChg chg="mod topLvl">
+          <ac:chgData name="Chiara Dias Fornasieri (E)" userId="b881f656-41fe-4737-8208-73e5754cd635" providerId="ADAL" clId="{76348C08-DCD9-46AE-A812-83C543E91E93}" dt="2024-09-13T14:42:17.403" v="715" actId="164"/>
+          <ac:spMkLst>
+            <pc:docMk/>
+            <pc:sldMk cId="0" sldId="257"/>
+            <ac:spMk id="47" creationId="{00000000-0000-0000-0000-000000000000}"/>
+          </ac:spMkLst>
+        </pc:spChg>
+        <pc:spChg chg="mod topLvl">
+          <ac:chgData name="Chiara Dias Fornasieri (E)" userId="b881f656-41fe-4737-8208-73e5754cd635" providerId="ADAL" clId="{76348C08-DCD9-46AE-A812-83C543E91E93}" dt="2024-09-13T14:42:17.403" v="715" actId="164"/>
+          <ac:spMkLst>
+            <pc:docMk/>
+            <pc:sldMk cId="0" sldId="257"/>
+            <ac:spMk id="48" creationId="{00000000-0000-0000-0000-000000000000}"/>
+          </ac:spMkLst>
+        </pc:spChg>
+        <pc:spChg chg="mod topLvl">
+          <ac:chgData name="Chiara Dias Fornasieri (E)" userId="b881f656-41fe-4737-8208-73e5754cd635" providerId="ADAL" clId="{76348C08-DCD9-46AE-A812-83C543E91E93}" dt="2024-09-13T14:42:17.403" v="715" actId="164"/>
+          <ac:spMkLst>
+            <pc:docMk/>
+            <pc:sldMk cId="0" sldId="257"/>
+            <ac:spMk id="74" creationId="{00000000-0000-0000-0000-000000000000}"/>
+          </ac:spMkLst>
+        </pc:spChg>
+        <pc:spChg chg="mod">
+          <ac:chgData name="Chiara Dias Fornasieri (E)" userId="b881f656-41fe-4737-8208-73e5754cd635" providerId="ADAL" clId="{76348C08-DCD9-46AE-A812-83C543E91E93}" dt="2024-09-12T16:57:58.747" v="587" actId="338"/>
+          <ac:spMkLst>
+            <pc:docMk/>
+            <pc:sldMk cId="0" sldId="257"/>
+            <ac:spMk id="91" creationId="{00000000-0000-0000-0000-000000000000}"/>
+          </ac:spMkLst>
+        </pc:spChg>
+        <pc:spChg chg="mod topLvl">
+          <ac:chgData name="Chiara Dias Fornasieri (E)" userId="b881f656-41fe-4737-8208-73e5754cd635" providerId="ADAL" clId="{76348C08-DCD9-46AE-A812-83C543E91E93}" dt="2024-09-13T14:42:17.403" v="715" actId="164"/>
+          <ac:spMkLst>
+            <pc:docMk/>
+            <pc:sldMk cId="0" sldId="257"/>
+            <ac:spMk id="93" creationId="{00000000-0000-0000-0000-000000000000}"/>
+          </ac:spMkLst>
+        </pc:spChg>
+        <pc:spChg chg="mod topLvl">
+          <ac:chgData name="Chiara Dias Fornasieri (E)" userId="b881f656-41fe-4737-8208-73e5754cd635" providerId="ADAL" clId="{76348C08-DCD9-46AE-A812-83C543E91E93}" dt="2024-09-13T14:42:17.403" v="715" actId="164"/>
+          <ac:spMkLst>
+            <pc:docMk/>
+            <pc:sldMk cId="0" sldId="257"/>
+            <ac:spMk id="94" creationId="{00000000-0000-0000-0000-000000000000}"/>
+          </ac:spMkLst>
+        </pc:spChg>
+        <pc:spChg chg="mod topLvl">
+          <ac:chgData name="Chiara Dias Fornasieri (E)" userId="b881f656-41fe-4737-8208-73e5754cd635" providerId="ADAL" clId="{76348C08-DCD9-46AE-A812-83C543E91E93}" dt="2024-09-13T14:42:17.403" v="715" actId="164"/>
+          <ac:spMkLst>
+            <pc:docMk/>
+            <pc:sldMk cId="0" sldId="257"/>
+            <ac:spMk id="95" creationId="{00000000-0000-0000-0000-000000000000}"/>
+          </ac:spMkLst>
+        </pc:spChg>
+        <pc:spChg chg="mod topLvl">
+          <ac:chgData name="Chiara Dias Fornasieri (E)" userId="b881f656-41fe-4737-8208-73e5754cd635" providerId="ADAL" clId="{76348C08-DCD9-46AE-A812-83C543E91E93}" dt="2024-09-13T14:42:17.403" v="715" actId="164"/>
+          <ac:spMkLst>
+            <pc:docMk/>
+            <pc:sldMk cId="0" sldId="257"/>
+            <ac:spMk id="96" creationId="{00000000-0000-0000-0000-000000000000}"/>
+          </ac:spMkLst>
+        </pc:spChg>
+        <pc:spChg chg="mod">
+          <ac:chgData name="Chiara Dias Fornasieri (E)" userId="b881f656-41fe-4737-8208-73e5754cd635" providerId="ADAL" clId="{76348C08-DCD9-46AE-A812-83C543E91E93}" dt="2024-09-12T16:57:58.747" v="587" actId="338"/>
+          <ac:spMkLst>
+            <pc:docMk/>
+            <pc:sldMk cId="0" sldId="257"/>
+            <ac:spMk id="98" creationId="{00000000-0000-0000-0000-000000000000}"/>
+          </ac:spMkLst>
+        </pc:spChg>
+        <pc:spChg chg="mod">
+          <ac:chgData name="Chiara Dias Fornasieri (E)" userId="b881f656-41fe-4737-8208-73e5754cd635" providerId="ADAL" clId="{76348C08-DCD9-46AE-A812-83C543E91E93}" dt="2024-09-12T16:57:58.747" v="587" actId="338"/>
+          <ac:spMkLst>
+            <pc:docMk/>
+            <pc:sldMk cId="0" sldId="257"/>
+            <ac:spMk id="99" creationId="{00000000-0000-0000-0000-000000000000}"/>
+          </ac:spMkLst>
+        </pc:spChg>
+        <pc:spChg chg="del">
+          <ac:chgData name="Chiara Dias Fornasieri (E)" userId="b881f656-41fe-4737-8208-73e5754cd635" providerId="ADAL" clId="{76348C08-DCD9-46AE-A812-83C543E91E93}" dt="2024-09-12T12:26:03.574" v="87" actId="478"/>
+          <ac:spMkLst>
+            <pc:docMk/>
+            <pc:sldMk cId="0" sldId="257"/>
+            <ac:spMk id="100" creationId="{00000000-0000-0000-0000-000000000000}"/>
+          </ac:spMkLst>
+        </pc:spChg>
+        <pc:spChg chg="del">
+          <ac:chgData name="Chiara Dias Fornasieri (E)" userId="b881f656-41fe-4737-8208-73e5754cd635" providerId="ADAL" clId="{76348C08-DCD9-46AE-A812-83C543E91E93}" dt="2024-09-12T12:26:04.839" v="88" actId="478"/>
+          <ac:spMkLst>
+            <pc:docMk/>
+            <pc:sldMk cId="0" sldId="257"/>
+            <ac:spMk id="101" creationId="{00000000-0000-0000-0000-000000000000}"/>
+          </ac:spMkLst>
+        </pc:spChg>
+        <pc:spChg chg="del">
+          <ac:chgData name="Chiara Dias Fornasieri (E)" userId="b881f656-41fe-4737-8208-73e5754cd635" providerId="ADAL" clId="{76348C08-DCD9-46AE-A812-83C543E91E93}" dt="2024-09-12T12:26:06.951" v="90" actId="478"/>
+          <ac:spMkLst>
+            <pc:docMk/>
+            <pc:sldMk cId="0" sldId="257"/>
+            <ac:spMk id="102" creationId="{00000000-0000-0000-0000-000000000000}"/>
+          </ac:spMkLst>
+        </pc:spChg>
+        <pc:spChg chg="del">
+          <ac:chgData name="Chiara Dias Fornasieri (E)" userId="b881f656-41fe-4737-8208-73e5754cd635" providerId="ADAL" clId="{76348C08-DCD9-46AE-A812-83C543E91E93}" dt="2024-09-12T12:26:09.860" v="91" actId="478"/>
+          <ac:spMkLst>
+            <pc:docMk/>
+            <pc:sldMk cId="0" sldId="257"/>
+            <ac:spMk id="103" creationId="{00000000-0000-0000-0000-000000000000}"/>
+          </ac:spMkLst>
+        </pc:spChg>
+        <pc:spChg chg="del">
+          <ac:chgData name="Chiara Dias Fornasieri (E)" userId="b881f656-41fe-4737-8208-73e5754cd635" providerId="ADAL" clId="{76348C08-DCD9-46AE-A812-83C543E91E93}" dt="2024-09-12T12:25:58.733" v="84" actId="478"/>
+          <ac:spMkLst>
+            <pc:docMk/>
+            <pc:sldMk cId="0" sldId="257"/>
+            <ac:spMk id="104" creationId="{00000000-0000-0000-0000-000000000000}"/>
+          </ac:spMkLst>
+        </pc:spChg>
+        <pc:spChg chg="del">
+          <ac:chgData name="Chiara Dias Fornasieri (E)" userId="b881f656-41fe-4737-8208-73e5754cd635" providerId="ADAL" clId="{76348C08-DCD9-46AE-A812-83C543E91E93}" dt="2024-09-12T12:26:12.723" v="92" actId="478"/>
+          <ac:spMkLst>
+            <pc:docMk/>
+            <pc:sldMk cId="0" sldId="257"/>
+            <ac:spMk id="105" creationId="{00000000-0000-0000-0000-000000000000}"/>
+          </ac:spMkLst>
+        </pc:spChg>
+        <pc:spChg chg="del mod">
+          <ac:chgData name="Chiara Dias Fornasieri (E)" userId="b881f656-41fe-4737-8208-73e5754cd635" providerId="ADAL" clId="{76348C08-DCD9-46AE-A812-83C543E91E93}" dt="2024-09-12T12:24:33.280" v="3"/>
+          <ac:spMkLst>
+            <pc:docMk/>
+            <pc:sldMk cId="0" sldId="257"/>
+            <ac:spMk id="106" creationId="{00000000-0000-0000-0000-000000000000}"/>
+          </ac:spMkLst>
+        </pc:spChg>
+        <pc:spChg chg="add mod topLvl">
+          <ac:chgData name="Chiara Dias Fornasieri (E)" userId="b881f656-41fe-4737-8208-73e5754cd635" providerId="ADAL" clId="{76348C08-DCD9-46AE-A812-83C543E91E93}" dt="2024-09-13T14:42:17.403" v="715" actId="164"/>
+          <ac:spMkLst>
+            <pc:docMk/>
+            <pc:sldMk cId="0" sldId="257"/>
+            <ac:spMk id="107" creationId="{A8DAADB6-1921-1B81-C90B-58B9D087EAB3}"/>
+          </ac:spMkLst>
+        </pc:spChg>
+        <pc:spChg chg="mod">
+          <ac:chgData name="Chiara Dias Fornasieri (E)" userId="b881f656-41fe-4737-8208-73e5754cd635" providerId="ADAL" clId="{76348C08-DCD9-46AE-A812-83C543E91E93}" dt="2024-09-12T16:57:58.747" v="587" actId="338"/>
+          <ac:spMkLst>
+            <pc:docMk/>
+            <pc:sldMk cId="0" sldId="257"/>
+            <ac:spMk id="109" creationId="{C8355593-5D8E-C89A-BAFB-82EF525D1E84}"/>
+          </ac:spMkLst>
+        </pc:spChg>
+        <pc:spChg chg="mod">
+          <ac:chgData name="Chiara Dias Fornasieri (E)" userId="b881f656-41fe-4737-8208-73e5754cd635" providerId="ADAL" clId="{76348C08-DCD9-46AE-A812-83C543E91E93}" dt="2024-09-12T16:57:58.747" v="587" actId="338"/>
+          <ac:spMkLst>
+            <pc:docMk/>
+            <pc:sldMk cId="0" sldId="257"/>
+            <ac:spMk id="110" creationId="{2A78A21F-6FD0-444E-89FE-A982071511D1}"/>
+          </ac:spMkLst>
+        </pc:spChg>
+        <pc:spChg chg="mod">
+          <ac:chgData name="Chiara Dias Fornasieri (E)" userId="b881f656-41fe-4737-8208-73e5754cd635" providerId="ADAL" clId="{76348C08-DCD9-46AE-A812-83C543E91E93}" dt="2024-09-12T16:57:58.747" v="587" actId="338"/>
+          <ac:spMkLst>
+            <pc:docMk/>
+            <pc:sldMk cId="0" sldId="257"/>
+            <ac:spMk id="112" creationId="{EA1AB595-D33F-AE60-2471-F6CA593E2DCA}"/>
+          </ac:spMkLst>
+        </pc:spChg>
+        <pc:spChg chg="mod">
+          <ac:chgData name="Chiara Dias Fornasieri (E)" userId="b881f656-41fe-4737-8208-73e5754cd635" providerId="ADAL" clId="{76348C08-DCD9-46AE-A812-83C543E91E93}" dt="2024-09-12T16:57:58.747" v="587" actId="338"/>
+          <ac:spMkLst>
+            <pc:docMk/>
+            <pc:sldMk cId="0" sldId="257"/>
+            <ac:spMk id="113" creationId="{0556C4B2-383B-22E5-8593-E2F1A3823F2A}"/>
+          </ac:spMkLst>
+        </pc:spChg>
+        <pc:spChg chg="mod">
+          <ac:chgData name="Chiara Dias Fornasieri (E)" userId="b881f656-41fe-4737-8208-73e5754cd635" providerId="ADAL" clId="{76348C08-DCD9-46AE-A812-83C543E91E93}" dt="2024-09-12T16:57:58.747" v="587" actId="338"/>
+          <ac:spMkLst>
+            <pc:docMk/>
+            <pc:sldMk cId="0" sldId="257"/>
+            <ac:spMk id="115" creationId="{D8008B3F-FB8C-35E4-ADA3-A70A2E63BD9D}"/>
+          </ac:spMkLst>
+        </pc:spChg>
+        <pc:spChg chg="mod">
+          <ac:chgData name="Chiara Dias Fornasieri (E)" userId="b881f656-41fe-4737-8208-73e5754cd635" providerId="ADAL" clId="{76348C08-DCD9-46AE-A812-83C543E91E93}" dt="2024-09-12T16:57:58.747" v="587" actId="338"/>
+          <ac:spMkLst>
+            <pc:docMk/>
+            <pc:sldMk cId="0" sldId="257"/>
+            <ac:spMk id="116" creationId="{E2C60ECC-26BA-84C9-7E80-30C59633C5AC}"/>
+          </ac:spMkLst>
+        </pc:spChg>
+        <pc:spChg chg="add mod topLvl">
+          <ac:chgData name="Chiara Dias Fornasieri (E)" userId="b881f656-41fe-4737-8208-73e5754cd635" providerId="ADAL" clId="{76348C08-DCD9-46AE-A812-83C543E91E93}" dt="2024-09-13T14:42:17.403" v="715" actId="164"/>
+          <ac:spMkLst>
+            <pc:docMk/>
+            <pc:sldMk cId="0" sldId="257"/>
+            <ac:spMk id="117" creationId="{C06504CE-C186-2E65-A152-AAAE97EBCE52}"/>
+          </ac:spMkLst>
+        </pc:spChg>
+        <pc:spChg chg="add del mod topLvl">
+          <ac:chgData name="Chiara Dias Fornasieri (E)" userId="b881f656-41fe-4737-8208-73e5754cd635" providerId="ADAL" clId="{76348C08-DCD9-46AE-A812-83C543E91E93}" dt="2024-09-13T14:42:17.403" v="715" actId="164"/>
+          <ac:spMkLst>
+            <pc:docMk/>
+            <pc:sldMk cId="0" sldId="257"/>
+            <ac:spMk id="118" creationId="{D7815CC9-210D-CF6A-E7F8-12416E09003D}"/>
+          </ac:spMkLst>
+        </pc:spChg>
+        <pc:spChg chg="add mod topLvl">
+          <ac:chgData name="Chiara Dias Fornasieri (E)" userId="b881f656-41fe-4737-8208-73e5754cd635" providerId="ADAL" clId="{76348C08-DCD9-46AE-A812-83C543E91E93}" dt="2024-09-13T14:42:17.403" v="715" actId="164"/>
+          <ac:spMkLst>
+            <pc:docMk/>
+            <pc:sldMk cId="0" sldId="257"/>
+            <ac:spMk id="127" creationId="{ED7BECF4-9D56-28F9-3D56-086D473B059F}"/>
+          </ac:spMkLst>
+        </pc:spChg>
+        <pc:spChg chg="add mod topLvl">
+          <ac:chgData name="Chiara Dias Fornasieri (E)" userId="b881f656-41fe-4737-8208-73e5754cd635" providerId="ADAL" clId="{76348C08-DCD9-46AE-A812-83C543E91E93}" dt="2024-09-13T14:42:17.403" v="715" actId="164"/>
+          <ac:spMkLst>
+            <pc:docMk/>
+            <pc:sldMk cId="0" sldId="257"/>
+            <ac:spMk id="128" creationId="{B857D2AF-65B5-6F15-15E4-B1AC643C3436}"/>
+          </ac:spMkLst>
+        </pc:spChg>
+        <pc:spChg chg="add mod topLvl">
+          <ac:chgData name="Chiara Dias Fornasieri (E)" userId="b881f656-41fe-4737-8208-73e5754cd635" providerId="ADAL" clId="{76348C08-DCD9-46AE-A812-83C543E91E93}" dt="2024-09-13T14:42:17.403" v="715" actId="164"/>
+          <ac:spMkLst>
+            <pc:docMk/>
+            <pc:sldMk cId="0" sldId="257"/>
+            <ac:spMk id="129" creationId="{4E07CD6E-3864-347F-C29E-AB187715A7E0}"/>
+          </ac:spMkLst>
+        </pc:spChg>
+        <pc:spChg chg="add mod topLvl">
+          <ac:chgData name="Chiara Dias Fornasieri (E)" userId="b881f656-41fe-4737-8208-73e5754cd635" providerId="ADAL" clId="{76348C08-DCD9-46AE-A812-83C543E91E93}" dt="2024-09-13T14:42:17.403" v="715" actId="164"/>
+          <ac:spMkLst>
+            <pc:docMk/>
+            <pc:sldMk cId="0" sldId="257"/>
+            <ac:spMk id="130" creationId="{1F7DA361-6DC6-5CBC-9C43-F5BA17FAD184}"/>
+          </ac:spMkLst>
+        </pc:spChg>
+        <pc:spChg chg="add del mod">
+          <ac:chgData name="Chiara Dias Fornasieri (E)" userId="b881f656-41fe-4737-8208-73e5754cd635" providerId="ADAL" clId="{76348C08-DCD9-46AE-A812-83C543E91E93}" dt="2024-09-12T14:53:45.788" v="383" actId="22"/>
+          <ac:spMkLst>
+            <pc:docMk/>
+            <pc:sldMk cId="0" sldId="257"/>
+            <ac:spMk id="133" creationId="{09376F85-2C61-6E63-D824-A391F6EF083B}"/>
+          </ac:spMkLst>
+        </pc:spChg>
+        <pc:spChg chg="add del mod ord">
+          <ac:chgData name="Chiara Dias Fornasieri (E)" userId="b881f656-41fe-4737-8208-73e5754cd635" providerId="ADAL" clId="{76348C08-DCD9-46AE-A812-83C543E91E93}" dt="2024-09-12T14:58:41.893" v="543" actId="478"/>
+          <ac:spMkLst>
+            <pc:docMk/>
+            <pc:sldMk cId="0" sldId="257"/>
+            <ac:spMk id="134" creationId="{5B1D1CB4-7F9E-FAC9-671E-4FB2233EFE2B}"/>
+          </ac:spMkLst>
+        </pc:spChg>
+        <pc:grpChg chg="mod topLvl">
+          <ac:chgData name="Chiara Dias Fornasieri (E)" userId="b881f656-41fe-4737-8208-73e5754cd635" providerId="ADAL" clId="{76348C08-DCD9-46AE-A812-83C543E91E93}" dt="2024-09-13T14:42:17.403" v="715" actId="164"/>
+          <ac:grpSpMkLst>
+            <pc:docMk/>
+            <pc:sldMk cId="0" sldId="257"/>
+            <ac:grpSpMk id="89" creationId="{00000000-0000-0000-0000-000000000000}"/>
+          </ac:grpSpMkLst>
+        </pc:grpChg>
+        <pc:grpChg chg="add del mod topLvl">
+          <ac:chgData name="Chiara Dias Fornasieri (E)" userId="b881f656-41fe-4737-8208-73e5754cd635" providerId="ADAL" clId="{76348C08-DCD9-46AE-A812-83C543E91E93}" dt="2024-09-13T14:42:17.403" v="715" actId="164"/>
+          <ac:grpSpMkLst>
+            <pc:docMk/>
+            <pc:sldMk cId="0" sldId="257"/>
+            <ac:grpSpMk id="97" creationId="{00000000-0000-0000-0000-000000000000}"/>
+          </ac:grpSpMkLst>
+        </pc:grpChg>
+        <pc:grpChg chg="add mod">
+          <ac:chgData name="Chiara Dias Fornasieri (E)" userId="b881f656-41fe-4737-8208-73e5754cd635" providerId="ADAL" clId="{76348C08-DCD9-46AE-A812-83C543E91E93}" dt="2024-09-13T14:42:17.403" v="715" actId="164"/>
+          <ac:grpSpMkLst>
+            <pc:docMk/>
+            <pc:sldMk cId="0" sldId="257"/>
+            <ac:grpSpMk id="101" creationId="{FED4684F-FEB4-0133-2E21-7B5D7AC957CB}"/>
+          </ac:grpSpMkLst>
+        </pc:grpChg>
+        <pc:grpChg chg="add mod topLvl">
+          <ac:chgData name="Chiara Dias Fornasieri (E)" userId="b881f656-41fe-4737-8208-73e5754cd635" providerId="ADAL" clId="{76348C08-DCD9-46AE-A812-83C543E91E93}" dt="2024-09-13T14:42:17.403" v="715" actId="164"/>
+          <ac:grpSpMkLst>
+            <pc:docMk/>
+            <pc:sldMk cId="0" sldId="257"/>
+            <ac:grpSpMk id="108" creationId="{9B89E3AA-CD79-06FB-9BD4-4DF446CD73B4}"/>
+          </ac:grpSpMkLst>
+        </pc:grpChg>
+        <pc:grpChg chg="add mod topLvl">
+          <ac:chgData name="Chiara Dias Fornasieri (E)" userId="b881f656-41fe-4737-8208-73e5754cd635" providerId="ADAL" clId="{76348C08-DCD9-46AE-A812-83C543E91E93}" dt="2024-09-13T14:42:17.403" v="715" actId="164"/>
+          <ac:grpSpMkLst>
+            <pc:docMk/>
+            <pc:sldMk cId="0" sldId="257"/>
+            <ac:grpSpMk id="111" creationId="{26D05A86-3FF1-8B62-AA2B-1D96EB9BD4BE}"/>
+          </ac:grpSpMkLst>
+        </pc:grpChg>
+        <pc:grpChg chg="add mod topLvl">
+          <ac:chgData name="Chiara Dias Fornasieri (E)" userId="b881f656-41fe-4737-8208-73e5754cd635" providerId="ADAL" clId="{76348C08-DCD9-46AE-A812-83C543E91E93}" dt="2024-09-13T14:42:17.403" v="715" actId="164"/>
+          <ac:grpSpMkLst>
+            <pc:docMk/>
+            <pc:sldMk cId="0" sldId="257"/>
+            <ac:grpSpMk id="114" creationId="{1843F729-C95D-A3C3-CED1-A4BD328763EF}"/>
+          </ac:grpSpMkLst>
+        </pc:grpChg>
+        <pc:grpChg chg="add del mod">
+          <ac:chgData name="Chiara Dias Fornasieri (E)" userId="b881f656-41fe-4737-8208-73e5754cd635" providerId="ADAL" clId="{76348C08-DCD9-46AE-A812-83C543E91E93}" dt="2024-09-12T12:53:18.013" v="294" actId="165"/>
+          <ac:grpSpMkLst>
+            <pc:docMk/>
+            <pc:sldMk cId="0" sldId="257"/>
+            <ac:grpSpMk id="131" creationId="{AA076A2A-3A30-83B5-BA23-2E04FDAA82A9}"/>
+          </ac:grpSpMkLst>
+        </pc:grpChg>
+        <pc:grpChg chg="add mod">
+          <ac:chgData name="Chiara Dias Fornasieri (E)" userId="b881f656-41fe-4737-8208-73e5754cd635" providerId="ADAL" clId="{76348C08-DCD9-46AE-A812-83C543E91E93}" dt="2024-09-12T16:57:58.747" v="587" actId="338"/>
+          <ac:grpSpMkLst>
+            <pc:docMk/>
+            <pc:sldMk cId="0" sldId="257"/>
+            <ac:grpSpMk id="135" creationId="{E65B4BE7-6264-1045-2BB6-4995D93D4D70}"/>
+          </ac:grpSpMkLst>
+        </pc:grpChg>
+        <pc:picChg chg="del">
+          <ac:chgData name="Chiara Dias Fornasieri (E)" userId="b881f656-41fe-4737-8208-73e5754cd635" providerId="ADAL" clId="{76348C08-DCD9-46AE-A812-83C543E91E93}" dt="2024-09-12T12:26:05.895" v="89" actId="478"/>
+          <ac:picMkLst>
+            <pc:docMk/>
+            <pc:sldMk cId="0" sldId="257"/>
+            <ac:picMk id="3" creationId="{00000000-0000-0000-0000-000000000000}"/>
+          </ac:picMkLst>
+        </pc:picChg>
+        <pc:picChg chg="mod topLvl">
+          <ac:chgData name="Chiara Dias Fornasieri (E)" userId="b881f656-41fe-4737-8208-73e5754cd635" providerId="ADAL" clId="{76348C08-DCD9-46AE-A812-83C543E91E93}" dt="2024-09-13T14:42:17.403" v="715" actId="164"/>
+          <ac:picMkLst>
+            <pc:docMk/>
+            <pc:sldMk cId="0" sldId="257"/>
+            <ac:picMk id="4" creationId="{00000000-0000-0000-0000-000000000000}"/>
+          </ac:picMkLst>
+        </pc:picChg>
+        <pc:picChg chg="mod topLvl">
+          <ac:chgData name="Chiara Dias Fornasieri (E)" userId="b881f656-41fe-4737-8208-73e5754cd635" providerId="ADAL" clId="{76348C08-DCD9-46AE-A812-83C543E91E93}" dt="2024-09-13T14:42:17.403" v="715" actId="164"/>
+          <ac:picMkLst>
+            <pc:docMk/>
+            <pc:sldMk cId="0" sldId="257"/>
+            <ac:picMk id="5" creationId="{00000000-0000-0000-0000-000000000000}"/>
+          </ac:picMkLst>
+        </pc:picChg>
+        <pc:picChg chg="mod topLvl">
+          <ac:chgData name="Chiara Dias Fornasieri (E)" userId="b881f656-41fe-4737-8208-73e5754cd635" providerId="ADAL" clId="{76348C08-DCD9-46AE-A812-83C543E91E93}" dt="2024-09-13T14:42:17.403" v="715" actId="164"/>
+          <ac:picMkLst>
+            <pc:docMk/>
+            <pc:sldMk cId="0" sldId="257"/>
+            <ac:picMk id="6" creationId="{00000000-0000-0000-0000-000000000000}"/>
+          </ac:picMkLst>
+        </pc:picChg>
+        <pc:picChg chg="mod topLvl">
+          <ac:chgData name="Chiara Dias Fornasieri (E)" userId="b881f656-41fe-4737-8208-73e5754cd635" providerId="ADAL" clId="{76348C08-DCD9-46AE-A812-83C543E91E93}" dt="2024-09-13T14:42:17.403" v="715" actId="164"/>
+          <ac:picMkLst>
+            <pc:docMk/>
+            <pc:sldMk cId="0" sldId="257"/>
+            <ac:picMk id="7" creationId="{00000000-0000-0000-0000-000000000000}"/>
+          </ac:picMkLst>
+        </pc:picChg>
+        <pc:picChg chg="mod topLvl">
+          <ac:chgData name="Chiara Dias Fornasieri (E)" userId="b881f656-41fe-4737-8208-73e5754cd635" providerId="ADAL" clId="{76348C08-DCD9-46AE-A812-83C543E91E93}" dt="2024-09-13T14:42:17.403" v="715" actId="164"/>
+          <ac:picMkLst>
+            <pc:docMk/>
+            <pc:sldMk cId="0" sldId="257"/>
+            <ac:picMk id="8" creationId="{00000000-0000-0000-0000-000000000000}"/>
+          </ac:picMkLst>
+        </pc:picChg>
+        <pc:picChg chg="mod topLvl">
+          <ac:chgData name="Chiara Dias Fornasieri (E)" userId="b881f656-41fe-4737-8208-73e5754cd635" providerId="ADAL" clId="{76348C08-DCD9-46AE-A812-83C543E91E93}" dt="2024-09-13T14:42:17.403" v="715" actId="164"/>
+          <ac:picMkLst>
+            <pc:docMk/>
+            <pc:sldMk cId="0" sldId="257"/>
+            <ac:picMk id="9" creationId="{00000000-0000-0000-0000-000000000000}"/>
+          </ac:picMkLst>
+        </pc:picChg>
+        <pc:picChg chg="mod topLvl">
+          <ac:chgData name="Chiara Dias Fornasieri (E)" userId="b881f656-41fe-4737-8208-73e5754cd635" providerId="ADAL" clId="{76348C08-DCD9-46AE-A812-83C543E91E93}" dt="2024-09-13T14:42:17.403" v="715" actId="164"/>
+          <ac:picMkLst>
+            <pc:docMk/>
+            <pc:sldMk cId="0" sldId="257"/>
+            <ac:picMk id="10" creationId="{00000000-0000-0000-0000-000000000000}"/>
+          </ac:picMkLst>
+        </pc:picChg>
+        <pc:picChg chg="mod topLvl">
+          <ac:chgData name="Chiara Dias Fornasieri (E)" userId="b881f656-41fe-4737-8208-73e5754cd635" providerId="ADAL" clId="{76348C08-DCD9-46AE-A812-83C543E91E93}" dt="2024-09-13T14:42:17.403" v="715" actId="164"/>
+          <ac:picMkLst>
+            <pc:docMk/>
+            <pc:sldMk cId="0" sldId="257"/>
+            <ac:picMk id="11" creationId="{00000000-0000-0000-0000-000000000000}"/>
+          </ac:picMkLst>
+        </pc:picChg>
+        <pc:picChg chg="mod topLvl">
+          <ac:chgData name="Chiara Dias Fornasieri (E)" userId="b881f656-41fe-4737-8208-73e5754cd635" providerId="ADAL" clId="{76348C08-DCD9-46AE-A812-83C543E91E93}" dt="2024-09-13T14:42:17.403" v="715" actId="164"/>
+          <ac:picMkLst>
+            <pc:docMk/>
+            <pc:sldMk cId="0" sldId="257"/>
+            <ac:picMk id="12" creationId="{00000000-0000-0000-0000-000000000000}"/>
+          </ac:picMkLst>
+        </pc:picChg>
+        <pc:picChg chg="mod topLvl">
+          <ac:chgData name="Chiara Dias Fornasieri (E)" userId="b881f656-41fe-4737-8208-73e5754cd635" providerId="ADAL" clId="{76348C08-DCD9-46AE-A812-83C543E91E93}" dt="2024-09-13T14:42:17.403" v="715" actId="164"/>
+          <ac:picMkLst>
+            <pc:docMk/>
+            <pc:sldMk cId="0" sldId="257"/>
+            <ac:picMk id="13" creationId="{00000000-0000-0000-0000-000000000000}"/>
+          </ac:picMkLst>
+        </pc:picChg>
+        <pc:picChg chg="mod topLvl">
+          <ac:chgData name="Chiara Dias Fornasieri (E)" userId="b881f656-41fe-4737-8208-73e5754cd635" providerId="ADAL" clId="{76348C08-DCD9-46AE-A812-83C543E91E93}" dt="2024-09-13T14:42:17.403" v="715" actId="164"/>
+          <ac:picMkLst>
+            <pc:docMk/>
+            <pc:sldMk cId="0" sldId="257"/>
+            <ac:picMk id="14" creationId="{00000000-0000-0000-0000-000000000000}"/>
+          </ac:picMkLst>
+        </pc:picChg>
+        <pc:picChg chg="mod topLvl">
+          <ac:chgData name="Chiara Dias Fornasieri (E)" userId="b881f656-41fe-4737-8208-73e5754cd635" providerId="ADAL" clId="{76348C08-DCD9-46AE-A812-83C543E91E93}" dt="2024-09-13T14:42:17.403" v="715" actId="164"/>
+          <ac:picMkLst>
+            <pc:docMk/>
+            <pc:sldMk cId="0" sldId="257"/>
+            <ac:picMk id="15" creationId="{00000000-0000-0000-0000-000000000000}"/>
+          </ac:picMkLst>
+        </pc:picChg>
+        <pc:picChg chg="mod topLvl">
+          <ac:chgData name="Chiara Dias Fornasieri (E)" userId="b881f656-41fe-4737-8208-73e5754cd635" providerId="ADAL" clId="{76348C08-DCD9-46AE-A812-83C543E91E93}" dt="2024-09-13T14:42:17.403" v="715" actId="164"/>
+          <ac:picMkLst>
+            <pc:docMk/>
+            <pc:sldMk cId="0" sldId="257"/>
+            <ac:picMk id="16" creationId="{00000000-0000-0000-0000-000000000000}"/>
+          </ac:picMkLst>
+        </pc:picChg>
+        <pc:picChg chg="mod topLvl">
+          <ac:chgData name="Chiara Dias Fornasieri (E)" userId="b881f656-41fe-4737-8208-73e5754cd635" providerId="ADAL" clId="{76348C08-DCD9-46AE-A812-83C543E91E93}" dt="2024-09-13T14:42:17.403" v="715" actId="164"/>
+          <ac:picMkLst>
+            <pc:docMk/>
+            <pc:sldMk cId="0" sldId="257"/>
+            <ac:picMk id="17" creationId="{00000000-0000-0000-0000-000000000000}"/>
+          </ac:picMkLst>
+        </pc:picChg>
+        <pc:picChg chg="mod topLvl">
+          <ac:chgData name="Chiara Dias Fornasieri (E)" userId="b881f656-41fe-4737-8208-73e5754cd635" providerId="ADAL" clId="{76348C08-DCD9-46AE-A812-83C543E91E93}" dt="2024-09-13T14:42:17.403" v="715" actId="164"/>
+          <ac:picMkLst>
+            <pc:docMk/>
+            <pc:sldMk cId="0" sldId="257"/>
+            <ac:picMk id="18" creationId="{00000000-0000-0000-0000-000000000000}"/>
+          </ac:picMkLst>
+        </pc:picChg>
+        <pc:picChg chg="mod topLvl">
+          <ac:chgData name="Chiara Dias Fornasieri (E)" userId="b881f656-41fe-4737-8208-73e5754cd635" providerId="ADAL" clId="{76348C08-DCD9-46AE-A812-83C543E91E93}" dt="2024-09-13T14:42:17.403" v="715" actId="164"/>
+          <ac:picMkLst>
+            <pc:docMk/>
+            <pc:sldMk cId="0" sldId="257"/>
+            <ac:picMk id="19" creationId="{00000000-0000-0000-0000-000000000000}"/>
+          </ac:picMkLst>
+        </pc:picChg>
+        <pc:picChg chg="mod topLvl">
+          <ac:chgData name="Chiara Dias Fornasieri (E)" userId="b881f656-41fe-4737-8208-73e5754cd635" providerId="ADAL" clId="{76348C08-DCD9-46AE-A812-83C543E91E93}" dt="2024-09-13T14:42:17.403" v="715" actId="164"/>
+          <ac:picMkLst>
+            <pc:docMk/>
+            <pc:sldMk cId="0" sldId="257"/>
+            <ac:picMk id="20" creationId="{00000000-0000-0000-0000-000000000000}"/>
+          </ac:picMkLst>
+        </pc:picChg>
+        <pc:picChg chg="mod topLvl">
+          <ac:chgData name="Chiara Dias Fornasieri (E)" userId="b881f656-41fe-4737-8208-73e5754cd635" providerId="ADAL" clId="{76348C08-DCD9-46AE-A812-83C543E91E93}" dt="2024-09-13T14:42:17.403" v="715" actId="164"/>
+          <ac:picMkLst>
+            <pc:docMk/>
+            <pc:sldMk cId="0" sldId="257"/>
+            <ac:picMk id="21" creationId="{00000000-0000-0000-0000-000000000000}"/>
+          </ac:picMkLst>
+        </pc:picChg>
+        <pc:picChg chg="mod topLvl">
+          <ac:chgData name="Chiara Dias Fornasieri (E)" userId="b881f656-41fe-4737-8208-73e5754cd635" providerId="ADAL" clId="{76348C08-DCD9-46AE-A812-83C543E91E93}" dt="2024-09-13T14:42:17.403" v="715" actId="164"/>
+          <ac:picMkLst>
+            <pc:docMk/>
+            <pc:sldMk cId="0" sldId="257"/>
+            <ac:picMk id="22" creationId="{00000000-0000-0000-0000-000000000000}"/>
+          </ac:picMkLst>
+        </pc:picChg>
+        <pc:picChg chg="mod topLvl">
+          <ac:chgData name="Chiara Dias Fornasieri (E)" userId="b881f656-41fe-4737-8208-73e5754cd635" providerId="ADAL" clId="{76348C08-DCD9-46AE-A812-83C543E91E93}" dt="2024-09-13T14:42:17.403" v="715" actId="164"/>
+          <ac:picMkLst>
+            <pc:docMk/>
+            <pc:sldMk cId="0" sldId="257"/>
+            <ac:picMk id="23" creationId="{00000000-0000-0000-0000-000000000000}"/>
+          </ac:picMkLst>
+        </pc:picChg>
+        <pc:picChg chg="mod topLvl">
+          <ac:chgData name="Chiara Dias Fornasieri (E)" userId="b881f656-41fe-4737-8208-73e5754cd635" providerId="ADAL" clId="{76348C08-DCD9-46AE-A812-83C543E91E93}" dt="2024-09-13T14:42:17.403" v="715" actId="164"/>
+          <ac:picMkLst>
+            <pc:docMk/>
+            <pc:sldMk cId="0" sldId="257"/>
+            <ac:picMk id="24" creationId="{00000000-0000-0000-0000-000000000000}"/>
+          </ac:picMkLst>
+        </pc:picChg>
+        <pc:picChg chg="mod topLvl">
+          <ac:chgData name="Chiara Dias Fornasieri (E)" userId="b881f656-41fe-4737-8208-73e5754cd635" providerId="ADAL" clId="{76348C08-DCD9-46AE-A812-83C543E91E93}" dt="2024-09-13T14:42:17.403" v="715" actId="164"/>
+          <ac:picMkLst>
+            <pc:docMk/>
+            <pc:sldMk cId="0" sldId="257"/>
+            <ac:picMk id="25" creationId="{00000000-0000-0000-0000-000000000000}"/>
+          </ac:picMkLst>
+        </pc:picChg>
+        <pc:picChg chg="mod topLvl">
+          <ac:chgData name="Chiara Dias Fornasieri (E)" userId="b881f656-41fe-4737-8208-73e5754cd635" providerId="ADAL" clId="{76348C08-DCD9-46AE-A812-83C543E91E93}" dt="2024-09-13T14:42:17.403" v="715" actId="164"/>
+          <ac:picMkLst>
+            <pc:docMk/>
+            <pc:sldMk cId="0" sldId="257"/>
+            <ac:picMk id="26" creationId="{00000000-0000-0000-0000-000000000000}"/>
+          </ac:picMkLst>
+        </pc:picChg>
+        <pc:picChg chg="mod topLvl">
+          <ac:chgData name="Chiara Dias Fornasieri (E)" userId="b881f656-41fe-4737-8208-73e5754cd635" providerId="ADAL" clId="{76348C08-DCD9-46AE-A812-83C543E91E93}" dt="2024-09-13T14:42:17.403" v="715" actId="164"/>
+          <ac:picMkLst>
+            <pc:docMk/>
+            <pc:sldMk cId="0" sldId="257"/>
+            <ac:picMk id="27" creationId="{00000000-0000-0000-0000-000000000000}"/>
+          </ac:picMkLst>
+        </pc:picChg>
+        <pc:picChg chg="mod topLvl">
+          <ac:chgData name="Chiara Dias Fornasieri (E)" userId="b881f656-41fe-4737-8208-73e5754cd635" providerId="ADAL" clId="{76348C08-DCD9-46AE-A812-83C543E91E93}" dt="2024-09-13T14:42:17.403" v="715" actId="164"/>
+          <ac:picMkLst>
+            <pc:docMk/>
+            <pc:sldMk cId="0" sldId="257"/>
+            <ac:picMk id="28" creationId="{00000000-0000-0000-0000-000000000000}"/>
+          </ac:picMkLst>
+        </pc:picChg>
+        <pc:picChg chg="mod topLvl">
+          <ac:chgData name="Chiara Dias Fornasieri (E)" userId="b881f656-41fe-4737-8208-73e5754cd635" providerId="ADAL" clId="{76348C08-DCD9-46AE-A812-83C543E91E93}" dt="2024-09-13T14:42:17.403" v="715" actId="164"/>
+          <ac:picMkLst>
+            <pc:docMk/>
+            <pc:sldMk cId="0" sldId="257"/>
+            <ac:picMk id="29" creationId="{00000000-0000-0000-0000-000000000000}"/>
+          </ac:picMkLst>
+        </pc:picChg>
+        <pc:picChg chg="mod topLvl">
+          <ac:chgData name="Chiara Dias Fornasieri (E)" userId="b881f656-41fe-4737-8208-73e5754cd635" providerId="ADAL" clId="{76348C08-DCD9-46AE-A812-83C543E91E93}" dt="2024-09-13T14:42:17.403" v="715" actId="164"/>
+          <ac:picMkLst>
+            <pc:docMk/>
+            <pc:sldMk cId="0" sldId="257"/>
+            <ac:picMk id="30" creationId="{00000000-0000-0000-0000-000000000000}"/>
+          </ac:picMkLst>
+        </pc:picChg>
+        <pc:picChg chg="mod topLvl">
+          <ac:chgData name="Chiara Dias Fornasieri (E)" userId="b881f656-41fe-4737-8208-73e5754cd635" providerId="ADAL" clId="{76348C08-DCD9-46AE-A812-83C543E91E93}" dt="2024-09-13T14:42:17.403" v="715" actId="164"/>
+          <ac:picMkLst>
+            <pc:docMk/>
+            <pc:sldMk cId="0" sldId="257"/>
+            <ac:picMk id="31" creationId="{00000000-0000-0000-0000-000000000000}"/>
+          </ac:picMkLst>
+        </pc:picChg>
+        <pc:picChg chg="mod topLvl">
+          <ac:chgData name="Chiara Dias Fornasieri (E)" userId="b881f656-41fe-4737-8208-73e5754cd635" providerId="ADAL" clId="{76348C08-DCD9-46AE-A812-83C543E91E93}" dt="2024-09-13T14:42:17.403" v="715" actId="164"/>
+          <ac:picMkLst>
+            <pc:docMk/>
+            <pc:sldMk cId="0" sldId="257"/>
+            <ac:picMk id="32" creationId="{00000000-0000-0000-0000-000000000000}"/>
+          </ac:picMkLst>
+        </pc:picChg>
+        <pc:picChg chg="mod topLvl">
+          <ac:chgData name="Chiara Dias Fornasieri (E)" userId="b881f656-41fe-4737-8208-73e5754cd635" providerId="ADAL" clId="{76348C08-DCD9-46AE-A812-83C543E91E93}" dt="2024-09-13T14:42:17.403" v="715" actId="164"/>
+          <ac:picMkLst>
+            <pc:docMk/>
+            <pc:sldMk cId="0" sldId="257"/>
+            <ac:picMk id="33" creationId="{00000000-0000-0000-0000-000000000000}"/>
+          </ac:picMkLst>
+        </pc:picChg>
+        <pc:picChg chg="mod topLvl">
+          <ac:chgData name="Chiara Dias Fornasieri (E)" userId="b881f656-41fe-4737-8208-73e5754cd635" providerId="ADAL" clId="{76348C08-DCD9-46AE-A812-83C543E91E93}" dt="2024-09-13T14:42:17.403" v="715" actId="164"/>
+          <ac:picMkLst>
+            <pc:docMk/>
+            <pc:sldMk cId="0" sldId="257"/>
+            <ac:picMk id="35" creationId="{00000000-0000-0000-0000-000000000000}"/>
+          </ac:picMkLst>
+        </pc:picChg>
+        <pc:picChg chg="mod topLvl">
+          <ac:chgData name="Chiara Dias Fornasieri (E)" userId="b881f656-41fe-4737-8208-73e5754cd635" providerId="ADAL" clId="{76348C08-DCD9-46AE-A812-83C543E91E93}" dt="2024-09-13T14:42:17.403" v="715" actId="164"/>
+          <ac:picMkLst>
+            <pc:docMk/>
+            <pc:sldMk cId="0" sldId="257"/>
+            <ac:picMk id="36" creationId="{00000000-0000-0000-0000-000000000000}"/>
+          </ac:picMkLst>
+        </pc:picChg>
+        <pc:picChg chg="mod topLvl">
+          <ac:chgData name="Chiara Dias Fornasieri (E)" userId="b881f656-41fe-4737-8208-73e5754cd635" providerId="ADAL" clId="{76348C08-DCD9-46AE-A812-83C543E91E93}" dt="2024-09-13T14:42:17.403" v="715" actId="164"/>
+          <ac:picMkLst>
+            <pc:docMk/>
+            <pc:sldMk cId="0" sldId="257"/>
+            <ac:picMk id="37" creationId="{00000000-0000-0000-0000-000000000000}"/>
+          </ac:picMkLst>
+        </pc:picChg>
+        <pc:picChg chg="mod topLvl">
+          <ac:chgData name="Chiara Dias Fornasieri (E)" userId="b881f656-41fe-4737-8208-73e5754cd635" providerId="ADAL" clId="{76348C08-DCD9-46AE-A812-83C543E91E93}" dt="2024-09-13T14:42:17.403" v="715" actId="164"/>
+          <ac:picMkLst>
+            <pc:docMk/>
+            <pc:sldMk cId="0" sldId="257"/>
+            <ac:picMk id="38" creationId="{00000000-0000-0000-0000-000000000000}"/>
+          </ac:picMkLst>
+        </pc:picChg>
+        <pc:picChg chg="mod topLvl">
+          <ac:chgData name="Chiara Dias Fornasieri (E)" userId="b881f656-41fe-4737-8208-73e5754cd635" providerId="ADAL" clId="{76348C08-DCD9-46AE-A812-83C543E91E93}" dt="2024-09-13T14:42:17.403" v="715" actId="164"/>
+          <ac:picMkLst>
+            <pc:docMk/>
+            <pc:sldMk cId="0" sldId="257"/>
+            <ac:picMk id="39" creationId="{00000000-0000-0000-0000-000000000000}"/>
+          </ac:picMkLst>
+        </pc:picChg>
+        <pc:picChg chg="mod topLvl">
+          <ac:chgData name="Chiara Dias Fornasieri (E)" userId="b881f656-41fe-4737-8208-73e5754cd635" providerId="ADAL" clId="{76348C08-DCD9-46AE-A812-83C543E91E93}" dt="2024-09-13T14:42:17.403" v="715" actId="164"/>
+          <ac:picMkLst>
+            <pc:docMk/>
+            <pc:sldMk cId="0" sldId="257"/>
+            <ac:picMk id="40" creationId="{00000000-0000-0000-0000-000000000000}"/>
+          </ac:picMkLst>
+        </pc:picChg>
+        <pc:picChg chg="mod topLvl">
+          <ac:chgData name="Chiara Dias Fornasieri (E)" userId="b881f656-41fe-4737-8208-73e5754cd635" providerId="ADAL" clId="{76348C08-DCD9-46AE-A812-83C543E91E93}" dt="2024-09-13T14:42:17.403" v="715" actId="164"/>
+          <ac:picMkLst>
+            <pc:docMk/>
+            <pc:sldMk cId="0" sldId="257"/>
+            <ac:picMk id="41" creationId="{00000000-0000-0000-0000-000000000000}"/>
+          </ac:picMkLst>
+        </pc:picChg>
+        <pc:picChg chg="mod topLvl">
+          <ac:chgData name="Chiara Dias Fornasieri (E)" userId="b881f656-41fe-4737-8208-73e5754cd635" providerId="ADAL" clId="{76348C08-DCD9-46AE-A812-83C543E91E93}" dt="2024-09-13T14:42:17.403" v="715" actId="164"/>
+          <ac:picMkLst>
+            <pc:docMk/>
+            <pc:sldMk cId="0" sldId="257"/>
+            <ac:picMk id="42" creationId="{00000000-0000-0000-0000-000000000000}"/>
+          </ac:picMkLst>
+        </pc:picChg>
+        <pc:picChg chg="mod topLvl">
+          <ac:chgData name="Chiara Dias Fornasieri (E)" userId="b881f656-41fe-4737-8208-73e5754cd635" providerId="ADAL" clId="{76348C08-DCD9-46AE-A812-83C543E91E93}" dt="2024-09-13T14:42:17.403" v="715" actId="164"/>
+          <ac:picMkLst>
+            <pc:docMk/>
+            <pc:sldMk cId="0" sldId="257"/>
+            <ac:picMk id="43" creationId="{00000000-0000-0000-0000-000000000000}"/>
+          </ac:picMkLst>
+        </pc:picChg>
+        <pc:picChg chg="mod topLvl">
+          <ac:chgData name="Chiara Dias Fornasieri (E)" userId="b881f656-41fe-4737-8208-73e5754cd635" providerId="ADAL" clId="{76348C08-DCD9-46AE-A812-83C543E91E93}" dt="2024-09-13T14:42:17.403" v="715" actId="164"/>
+          <ac:picMkLst>
+            <pc:docMk/>
+            <pc:sldMk cId="0" sldId="257"/>
+            <ac:picMk id="44" creationId="{00000000-0000-0000-0000-000000000000}"/>
+          </ac:picMkLst>
+        </pc:picChg>
+        <pc:picChg chg="mod topLvl">
+          <ac:chgData name="Chiara Dias Fornasieri (E)" userId="b881f656-41fe-4737-8208-73e5754cd635" providerId="ADAL" clId="{76348C08-DCD9-46AE-A812-83C543E91E93}" dt="2024-09-13T14:42:17.403" v="715" actId="164"/>
+          <ac:picMkLst>
+            <pc:docMk/>
+            <pc:sldMk cId="0" sldId="257"/>
+            <ac:picMk id="45" creationId="{00000000-0000-0000-0000-000000000000}"/>
+          </ac:picMkLst>
+        </pc:picChg>
+        <pc:picChg chg="mod topLvl">
+          <ac:chgData name="Chiara Dias Fornasieri (E)" userId="b881f656-41fe-4737-8208-73e5754cd635" providerId="ADAL" clId="{76348C08-DCD9-46AE-A812-83C543E91E93}" dt="2024-09-13T14:42:17.403" v="715" actId="164"/>
+          <ac:picMkLst>
+            <pc:docMk/>
+            <pc:sldMk cId="0" sldId="257"/>
+            <ac:picMk id="46" creationId="{00000000-0000-0000-0000-000000000000}"/>
+          </ac:picMkLst>
+        </pc:picChg>
+        <pc:picChg chg="mod topLvl">
+          <ac:chgData name="Chiara Dias Fornasieri (E)" userId="b881f656-41fe-4737-8208-73e5754cd635" providerId="ADAL" clId="{76348C08-DCD9-46AE-A812-83C543E91E93}" dt="2024-09-13T14:42:17.403" v="715" actId="164"/>
+          <ac:picMkLst>
+            <pc:docMk/>
+            <pc:sldMk cId="0" sldId="257"/>
+            <ac:picMk id="49" creationId="{00000000-0000-0000-0000-000000000000}"/>
+          </ac:picMkLst>
+        </pc:picChg>
+        <pc:picChg chg="mod topLvl">
+          <ac:chgData name="Chiara Dias Fornasieri (E)" userId="b881f656-41fe-4737-8208-73e5754cd635" providerId="ADAL" clId="{76348C08-DCD9-46AE-A812-83C543E91E93}" dt="2024-09-13T14:42:17.403" v="715" actId="164"/>
+          <ac:picMkLst>
+            <pc:docMk/>
+            <pc:sldMk cId="0" sldId="257"/>
+            <ac:picMk id="50" creationId="{00000000-0000-0000-0000-000000000000}"/>
+          </ac:picMkLst>
+        </pc:picChg>
+        <pc:picChg chg="mod topLvl">
+          <ac:chgData name="Chiara Dias Fornasieri (E)" userId="b881f656-41fe-4737-8208-73e5754cd635" providerId="ADAL" clId="{76348C08-DCD9-46AE-A812-83C543E91E93}" dt="2024-09-13T14:42:17.403" v="715" actId="164"/>
+          <ac:picMkLst>
+            <pc:docMk/>
+            <pc:sldMk cId="0" sldId="257"/>
+            <ac:picMk id="51" creationId="{00000000-0000-0000-0000-000000000000}"/>
+          </ac:picMkLst>
+        </pc:picChg>
+        <pc:picChg chg="mod topLvl">
+          <ac:chgData name="Chiara Dias Fornasieri (E)" userId="b881f656-41fe-4737-8208-73e5754cd635" providerId="ADAL" clId="{76348C08-DCD9-46AE-A812-83C543E91E93}" dt="2024-09-13T14:42:17.403" v="715" actId="164"/>
+          <ac:picMkLst>
+            <pc:docMk/>
+            <pc:sldMk cId="0" sldId="257"/>
+            <ac:picMk id="52" creationId="{00000000-0000-0000-0000-000000000000}"/>
+          </ac:picMkLst>
+        </pc:picChg>
+        <pc:picChg chg="mod topLvl">
+          <ac:chgData name="Chiara Dias Fornasieri (E)" userId="b881f656-41fe-4737-8208-73e5754cd635" providerId="ADAL" clId="{76348C08-DCD9-46AE-A812-83C543E91E93}" dt="2024-09-13T14:42:17.403" v="715" actId="164"/>
+          <ac:picMkLst>
+            <pc:docMk/>
+            <pc:sldMk cId="0" sldId="257"/>
+            <ac:picMk id="53" creationId="{00000000-0000-0000-0000-000000000000}"/>
+          </ac:picMkLst>
+        </pc:picChg>
+        <pc:picChg chg="mod topLvl">
+          <ac:chgData name="Chiara Dias Fornasieri (E)" userId="b881f656-41fe-4737-8208-73e5754cd635" providerId="ADAL" clId="{76348C08-DCD9-46AE-A812-83C543E91E93}" dt="2024-09-13T14:42:17.403" v="715" actId="164"/>
+          <ac:picMkLst>
+            <pc:docMk/>
+            <pc:sldMk cId="0" sldId="257"/>
+            <ac:picMk id="54" creationId="{00000000-0000-0000-0000-000000000000}"/>
+          </ac:picMkLst>
+        </pc:picChg>
+        <pc:picChg chg="mod topLvl">
+          <ac:chgData name="Chiara Dias Fornasieri (E)" userId="b881f656-41fe-4737-8208-73e5754cd635" providerId="ADAL" clId="{76348C08-DCD9-46AE-A812-83C543E91E93}" dt="2024-09-13T14:42:17.403" v="715" actId="164"/>
+          <ac:picMkLst>
+            <pc:docMk/>
+            <pc:sldMk cId="0" sldId="257"/>
+            <ac:picMk id="55" creationId="{00000000-0000-0000-0000-000000000000}"/>
+          </ac:picMkLst>
+        </pc:picChg>
+        <pc:picChg chg="mod topLvl">
+          <ac:chgData name="Chiara Dias Fornasieri (E)" userId="b881f656-41fe-4737-8208-73e5754cd635" providerId="ADAL" clId="{76348C08-DCD9-46AE-A812-83C543E91E93}" dt="2024-09-13T14:42:17.403" v="715" actId="164"/>
+          <ac:picMkLst>
+            <pc:docMk/>
+            <pc:sldMk cId="0" sldId="257"/>
+            <ac:picMk id="56" creationId="{00000000-0000-0000-0000-000000000000}"/>
+          </ac:picMkLst>
+        </pc:picChg>
+        <pc:picChg chg="mod topLvl">
+          <ac:chgData name="Chiara Dias Fornasieri (E)" userId="b881f656-41fe-4737-8208-73e5754cd635" providerId="ADAL" clId="{76348C08-DCD9-46AE-A812-83C543E91E93}" dt="2024-09-13T14:42:17.403" v="715" actId="164"/>
+          <ac:picMkLst>
+            <pc:docMk/>
+            <pc:sldMk cId="0" sldId="257"/>
+            <ac:picMk id="57" creationId="{00000000-0000-0000-0000-000000000000}"/>
+          </ac:picMkLst>
+        </pc:picChg>
+        <pc:picChg chg="mod topLvl">
+          <ac:chgData name="Chiara Dias Fornasieri (E)" userId="b881f656-41fe-4737-8208-73e5754cd635" providerId="ADAL" clId="{76348C08-DCD9-46AE-A812-83C543E91E93}" dt="2024-09-13T14:42:17.403" v="715" actId="164"/>
+          <ac:picMkLst>
+            <pc:docMk/>
+            <pc:sldMk cId="0" sldId="257"/>
+            <ac:picMk id="58" creationId="{00000000-0000-0000-0000-000000000000}"/>
+          </ac:picMkLst>
+        </pc:picChg>
+        <pc:picChg chg="mod topLvl">
+          <ac:chgData name="Chiara Dias Fornasieri (E)" userId="b881f656-41fe-4737-8208-73e5754cd635" providerId="ADAL" clId="{76348C08-DCD9-46AE-A812-83C543E91E93}" dt="2024-09-13T14:42:17.403" v="715" actId="164"/>
+          <ac:picMkLst>
+            <pc:docMk/>
+            <pc:sldMk cId="0" sldId="257"/>
+            <ac:picMk id="59" creationId="{00000000-0000-0000-0000-000000000000}"/>
+          </ac:picMkLst>
+        </pc:picChg>
+        <pc:picChg chg="mod topLvl">
+          <ac:chgData name="Chiara Dias Fornasieri (E)" userId="b881f656-41fe-4737-8208-73e5754cd635" providerId="ADAL" clId="{76348C08-DCD9-46AE-A812-83C543E91E93}" dt="2024-09-13T14:42:17.403" v="715" actId="164"/>
+          <ac:picMkLst>
+            <pc:docMk/>
+            <pc:sldMk cId="0" sldId="257"/>
+            <ac:picMk id="60" creationId="{00000000-0000-0000-0000-000000000000}"/>
+          </ac:picMkLst>
+        </pc:picChg>
+        <pc:picChg chg="mod topLvl">
+          <ac:chgData name="Chiara Dias Fornasieri (E)" userId="b881f656-41fe-4737-8208-73e5754cd635" providerId="ADAL" clId="{76348C08-DCD9-46AE-A812-83C543E91E93}" dt="2024-09-13T14:42:17.403" v="715" actId="164"/>
+          <ac:picMkLst>
+            <pc:docMk/>
+            <pc:sldMk cId="0" sldId="257"/>
+            <ac:picMk id="61" creationId="{00000000-0000-0000-0000-000000000000}"/>
+          </ac:picMkLst>
+        </pc:picChg>
+        <pc:picChg chg="mod topLvl">
+          <ac:chgData name="Chiara Dias Fornasieri (E)" userId="b881f656-41fe-4737-8208-73e5754cd635" providerId="ADAL" clId="{76348C08-DCD9-46AE-A812-83C543E91E93}" dt="2024-09-13T14:42:17.403" v="715" actId="164"/>
+          <ac:picMkLst>
+            <pc:docMk/>
+            <pc:sldMk cId="0" sldId="257"/>
+            <ac:picMk id="62" creationId="{00000000-0000-0000-0000-000000000000}"/>
+          </ac:picMkLst>
+        </pc:picChg>
+        <pc:picChg chg="mod topLvl">
+          <ac:chgData name="Chiara Dias Fornasieri (E)" userId="b881f656-41fe-4737-8208-73e5754cd635" providerId="ADAL" clId="{76348C08-DCD9-46AE-A812-83C543E91E93}" dt="2024-09-13T14:42:17.403" v="715" actId="164"/>
+          <ac:picMkLst>
+            <pc:docMk/>
+            <pc:sldMk cId="0" sldId="257"/>
+            <ac:picMk id="63" creationId="{00000000-0000-0000-0000-000000000000}"/>
+          </ac:picMkLst>
+        </pc:picChg>
+        <pc:picChg chg="mod topLvl">
+          <ac:chgData name="Chiara Dias Fornasieri (E)" userId="b881f656-41fe-4737-8208-73e5754cd635" providerId="ADAL" clId="{76348C08-DCD9-46AE-A812-83C543E91E93}" dt="2024-09-13T14:42:17.403" v="715" actId="164"/>
+          <ac:picMkLst>
+            <pc:docMk/>
+            <pc:sldMk cId="0" sldId="257"/>
+            <ac:picMk id="64" creationId="{00000000-0000-0000-0000-000000000000}"/>
+          </ac:picMkLst>
+        </pc:picChg>
+        <pc:picChg chg="mod topLvl">
+          <ac:chgData name="Chiara Dias Fornasieri (E)" userId="b881f656-41fe-4737-8208-73e5754cd635" providerId="ADAL" clId="{76348C08-DCD9-46AE-A812-83C543E91E93}" dt="2024-09-13T14:42:17.403" v="715" actId="164"/>
+          <ac:picMkLst>
+            <pc:docMk/>
+            <pc:sldMk cId="0" sldId="257"/>
+            <ac:picMk id="65" creationId="{00000000-0000-0000-0000-000000000000}"/>
+          </ac:picMkLst>
+        </pc:picChg>
+        <pc:picChg chg="mod topLvl">
+          <ac:chgData name="Chiara Dias Fornasieri (E)" userId="b881f656-41fe-4737-8208-73e5754cd635" providerId="ADAL" clId="{76348C08-DCD9-46AE-A812-83C543E91E93}" dt="2024-09-13T14:42:17.403" v="715" actId="164"/>
+          <ac:picMkLst>
+            <pc:docMk/>
+            <pc:sldMk cId="0" sldId="257"/>
+            <ac:picMk id="66" creationId="{00000000-0000-0000-0000-000000000000}"/>
+          </ac:picMkLst>
+        </pc:picChg>
+        <pc:picChg chg="mod topLvl">
+          <ac:chgData name="Chiara Dias Fornasieri (E)" userId="b881f656-41fe-4737-8208-73e5754cd635" providerId="ADAL" clId="{76348C08-DCD9-46AE-A812-83C543E91E93}" dt="2024-09-13T14:42:17.403" v="715" actId="164"/>
+          <ac:picMkLst>
+            <pc:docMk/>
+            <pc:sldMk cId="0" sldId="257"/>
+            <ac:picMk id="67" creationId="{00000000-0000-0000-0000-000000000000}"/>
+          </ac:picMkLst>
+        </pc:picChg>
+        <pc:picChg chg="mod topLvl">
+          <ac:chgData name="Chiara Dias Fornasieri (E)" userId="b881f656-41fe-4737-8208-73e5754cd635" providerId="ADAL" clId="{76348C08-DCD9-46AE-A812-83C543E91E93}" dt="2024-09-13T14:42:17.403" v="715" actId="164"/>
+          <ac:picMkLst>
+            <pc:docMk/>
+            <pc:sldMk cId="0" sldId="257"/>
+            <ac:picMk id="68" creationId="{00000000-0000-0000-0000-000000000000}"/>
+          </ac:picMkLst>
+        </pc:picChg>
+        <pc:picChg chg="mod topLvl">
+          <ac:chgData name="Chiara Dias Fornasieri (E)" userId="b881f656-41fe-4737-8208-73e5754cd635" providerId="ADAL" clId="{76348C08-DCD9-46AE-A812-83C543E91E93}" dt="2024-09-13T14:42:17.403" v="715" actId="164"/>
+          <ac:picMkLst>
+            <pc:docMk/>
+            <pc:sldMk cId="0" sldId="257"/>
+            <ac:picMk id="69" creationId="{00000000-0000-0000-0000-000000000000}"/>
+          </ac:picMkLst>
+        </pc:picChg>
+        <pc:picChg chg="mod topLvl">
+          <ac:chgData name="Chiara Dias Fornasieri (E)" userId="b881f656-41fe-4737-8208-73e5754cd635" providerId="ADAL" clId="{76348C08-DCD9-46AE-A812-83C543E91E93}" dt="2024-09-13T14:42:17.403" v="715" actId="164"/>
+          <ac:picMkLst>
+            <pc:docMk/>
+            <pc:sldMk cId="0" sldId="257"/>
+            <ac:picMk id="70" creationId="{00000000-0000-0000-0000-000000000000}"/>
+          </ac:picMkLst>
+        </pc:picChg>
+        <pc:picChg chg="mod topLvl">
+          <ac:chgData name="Chiara Dias Fornasieri (E)" userId="b881f656-41fe-4737-8208-73e5754cd635" providerId="ADAL" clId="{76348C08-DCD9-46AE-A812-83C543E91E93}" dt="2024-09-13T14:42:17.403" v="715" actId="164"/>
+          <ac:picMkLst>
+            <pc:docMk/>
+            <pc:sldMk cId="0" sldId="257"/>
+            <ac:picMk id="71" creationId="{00000000-0000-0000-0000-000000000000}"/>
+          </ac:picMkLst>
+        </pc:picChg>
+        <pc:picChg chg="mod topLvl">
+          <ac:chgData name="Chiara Dias Fornasieri (E)" userId="b881f656-41fe-4737-8208-73e5754cd635" providerId="ADAL" clId="{76348C08-DCD9-46AE-A812-83C543E91E93}" dt="2024-09-13T14:42:17.403" v="715" actId="164"/>
+          <ac:picMkLst>
+            <pc:docMk/>
+            <pc:sldMk cId="0" sldId="257"/>
+            <ac:picMk id="72" creationId="{00000000-0000-0000-0000-000000000000}"/>
+          </ac:picMkLst>
+        </pc:picChg>
+        <pc:picChg chg="mod topLvl">
+          <ac:chgData name="Chiara Dias Fornasieri (E)" userId="b881f656-41fe-4737-8208-73e5754cd635" providerId="ADAL" clId="{76348C08-DCD9-46AE-A812-83C543E91E93}" dt="2024-09-13T14:42:17.403" v="715" actId="164"/>
+          <ac:picMkLst>
+            <pc:docMk/>
+            <pc:sldMk cId="0" sldId="257"/>
+            <ac:picMk id="73" creationId="{00000000-0000-0000-0000-000000000000}"/>
+          </ac:picMkLst>
+        </pc:picChg>
+        <pc:picChg chg="mod topLvl">
+          <ac:chgData name="Chiara Dias Fornasieri (E)" userId="b881f656-41fe-4737-8208-73e5754cd635" providerId="ADAL" clId="{76348C08-DCD9-46AE-A812-83C543E91E93}" dt="2024-09-13T14:42:17.403" v="715" actId="164"/>
+          <ac:picMkLst>
+            <pc:docMk/>
+            <pc:sldMk cId="0" sldId="257"/>
+            <ac:picMk id="75" creationId="{00000000-0000-0000-0000-000000000000}"/>
+          </ac:picMkLst>
+        </pc:picChg>
+        <pc:picChg chg="mod topLvl">
+          <ac:chgData name="Chiara Dias Fornasieri (E)" userId="b881f656-41fe-4737-8208-73e5754cd635" providerId="ADAL" clId="{76348C08-DCD9-46AE-A812-83C543E91E93}" dt="2024-09-13T14:42:17.403" v="715" actId="164"/>
+          <ac:picMkLst>
+            <pc:docMk/>
+            <pc:sldMk cId="0" sldId="257"/>
+            <ac:picMk id="76" creationId="{00000000-0000-0000-0000-000000000000}"/>
+          </ac:picMkLst>
+        </pc:picChg>
+        <pc:picChg chg="mod topLvl">
+          <ac:chgData name="Chiara Dias Fornasieri (E)" userId="b881f656-41fe-4737-8208-73e5754cd635" providerId="ADAL" clId="{76348C08-DCD9-46AE-A812-83C543E91E93}" dt="2024-09-13T14:42:17.403" v="715" actId="164"/>
+          <ac:picMkLst>
+            <pc:docMk/>
+            <pc:sldMk cId="0" sldId="257"/>
+            <ac:picMk id="77" creationId="{00000000-0000-0000-0000-000000000000}"/>
+          </ac:picMkLst>
+        </pc:picChg>
+        <pc:picChg chg="mod topLvl">
+          <ac:chgData name="Chiara Dias Fornasieri (E)" userId="b881f656-41fe-4737-8208-73e5754cd635" providerId="ADAL" clId="{76348C08-DCD9-46AE-A812-83C543E91E93}" dt="2024-09-13T14:42:17.403" v="715" actId="164"/>
+          <ac:picMkLst>
+            <pc:docMk/>
+            <pc:sldMk cId="0" sldId="257"/>
+            <ac:picMk id="78" creationId="{00000000-0000-0000-0000-000000000000}"/>
+          </ac:picMkLst>
+        </pc:picChg>
+        <pc:picChg chg="mod topLvl">
+          <ac:chgData name="Chiara Dias Fornasieri (E)" userId="b881f656-41fe-4737-8208-73e5754cd635" providerId="ADAL" clId="{76348C08-DCD9-46AE-A812-83C543E91E93}" dt="2024-09-13T14:42:17.403" v="715" actId="164"/>
+          <ac:picMkLst>
+            <pc:docMk/>
+            <pc:sldMk cId="0" sldId="257"/>
+            <ac:picMk id="79" creationId="{00000000-0000-0000-0000-000000000000}"/>
+          </ac:picMkLst>
+        </pc:picChg>
+        <pc:picChg chg="mod topLvl">
+          <ac:chgData name="Chiara Dias Fornasieri (E)" userId="b881f656-41fe-4737-8208-73e5754cd635" providerId="ADAL" clId="{76348C08-DCD9-46AE-A812-83C543E91E93}" dt="2024-09-13T14:42:17.403" v="715" actId="164"/>
+          <ac:picMkLst>
+            <pc:docMk/>
+            <pc:sldMk cId="0" sldId="257"/>
+            <ac:picMk id="80" creationId="{00000000-0000-0000-0000-000000000000}"/>
+          </ac:picMkLst>
+        </pc:picChg>
+        <pc:picChg chg="mod topLvl">
+          <ac:chgData name="Chiara Dias Fornasieri (E)" userId="b881f656-41fe-4737-8208-73e5754cd635" providerId="ADAL" clId="{76348C08-DCD9-46AE-A812-83C543E91E93}" dt="2024-09-13T14:42:17.403" v="715" actId="164"/>
+          <ac:picMkLst>
+            <pc:docMk/>
+            <pc:sldMk cId="0" sldId="257"/>
+            <ac:picMk id="81" creationId="{00000000-0000-0000-0000-000000000000}"/>
+          </ac:picMkLst>
+        </pc:picChg>
+        <pc:picChg chg="mod topLvl">
+          <ac:chgData name="Chiara Dias Fornasieri (E)" userId="b881f656-41fe-4737-8208-73e5754cd635" providerId="ADAL" clId="{76348C08-DCD9-46AE-A812-83C543E91E93}" dt="2024-09-13T14:42:17.403" v="715" actId="164"/>
+          <ac:picMkLst>
+            <pc:docMk/>
+            <pc:sldMk cId="0" sldId="257"/>
+            <ac:picMk id="82" creationId="{00000000-0000-0000-0000-000000000000}"/>
+          </ac:picMkLst>
+        </pc:picChg>
+        <pc:picChg chg="mod topLvl">
+          <ac:chgData name="Chiara Dias Fornasieri (E)" userId="b881f656-41fe-4737-8208-73e5754cd635" providerId="ADAL" clId="{76348C08-DCD9-46AE-A812-83C543E91E93}" dt="2024-09-13T14:42:17.403" v="715" actId="164"/>
+          <ac:picMkLst>
+            <pc:docMk/>
+            <pc:sldMk cId="0" sldId="257"/>
+            <ac:picMk id="83" creationId="{00000000-0000-0000-0000-000000000000}"/>
+          </ac:picMkLst>
+        </pc:picChg>
+        <pc:picChg chg="mod topLvl">
+          <ac:chgData name="Chiara Dias Fornasieri (E)" userId="b881f656-41fe-4737-8208-73e5754cd635" providerId="ADAL" clId="{76348C08-DCD9-46AE-A812-83C543E91E93}" dt="2024-09-13T14:42:17.403" v="715" actId="164"/>
+          <ac:picMkLst>
+            <pc:docMk/>
+            <pc:sldMk cId="0" sldId="257"/>
+            <ac:picMk id="84" creationId="{00000000-0000-0000-0000-000000000000}"/>
+          </ac:picMkLst>
+        </pc:picChg>
+        <pc:picChg chg="mod topLvl">
+          <ac:chgData name="Chiara Dias Fornasieri (E)" userId="b881f656-41fe-4737-8208-73e5754cd635" providerId="ADAL" clId="{76348C08-DCD9-46AE-A812-83C543E91E93}" dt="2024-09-13T14:42:17.403" v="715" actId="164"/>
+          <ac:picMkLst>
+            <pc:docMk/>
+            <pc:sldMk cId="0" sldId="257"/>
+            <ac:picMk id="85" creationId="{00000000-0000-0000-0000-000000000000}"/>
+          </ac:picMkLst>
+        </pc:picChg>
+        <pc:picChg chg="mod topLvl">
+          <ac:chgData name="Chiara Dias Fornasieri (E)" userId="b881f656-41fe-4737-8208-73e5754cd635" providerId="ADAL" clId="{76348C08-DCD9-46AE-A812-83C543E91E93}" dt="2024-09-13T14:42:17.403" v="715" actId="164"/>
+          <ac:picMkLst>
+            <pc:docMk/>
+            <pc:sldMk cId="0" sldId="257"/>
+            <ac:picMk id="86" creationId="{00000000-0000-0000-0000-000000000000}"/>
+          </ac:picMkLst>
+        </pc:picChg>
+        <pc:picChg chg="mod topLvl">
+          <ac:chgData name="Chiara Dias Fornasieri (E)" userId="b881f656-41fe-4737-8208-73e5754cd635" providerId="ADAL" clId="{76348C08-DCD9-46AE-A812-83C543E91E93}" dt="2024-09-13T14:42:17.403" v="715" actId="164"/>
+          <ac:picMkLst>
+            <pc:docMk/>
+            <pc:sldMk cId="0" sldId="257"/>
+            <ac:picMk id="87" creationId="{00000000-0000-0000-0000-000000000000}"/>
+          </ac:picMkLst>
+        </pc:picChg>
+        <pc:picChg chg="mod topLvl">
+          <ac:chgData name="Chiara Dias Fornasieri (E)" userId="b881f656-41fe-4737-8208-73e5754cd635" providerId="ADAL" clId="{76348C08-DCD9-46AE-A812-83C543E91E93}" dt="2024-09-13T14:42:17.403" v="715" actId="164"/>
+          <ac:picMkLst>
+            <pc:docMk/>
+            <pc:sldMk cId="0" sldId="257"/>
+            <ac:picMk id="88" creationId="{00000000-0000-0000-0000-000000000000}"/>
+          </ac:picMkLst>
+        </pc:picChg>
+        <pc:picChg chg="mod">
+          <ac:chgData name="Chiara Dias Fornasieri (E)" userId="b881f656-41fe-4737-8208-73e5754cd635" providerId="ADAL" clId="{76348C08-DCD9-46AE-A812-83C543E91E93}" dt="2024-09-12T16:57:58.747" v="587" actId="338"/>
+          <ac:picMkLst>
+            <pc:docMk/>
+            <pc:sldMk cId="0" sldId="257"/>
+            <ac:picMk id="90" creationId="{00000000-0000-0000-0000-000000000000}"/>
+          </ac:picMkLst>
+        </pc:picChg>
+        <pc:picChg chg="mod topLvl">
+          <ac:chgData name="Chiara Dias Fornasieri (E)" userId="b881f656-41fe-4737-8208-73e5754cd635" providerId="ADAL" clId="{76348C08-DCD9-46AE-A812-83C543E91E93}" dt="2024-09-13T14:42:17.403" v="715" actId="164"/>
+          <ac:picMkLst>
+            <pc:docMk/>
+            <pc:sldMk cId="0" sldId="257"/>
+            <ac:picMk id="92" creationId="{00000000-0000-0000-0000-000000000000}"/>
+          </ac:picMkLst>
+        </pc:picChg>
+        <pc:picChg chg="add mod">
+          <ac:chgData name="Chiara Dias Fornasieri (E)" userId="b881f656-41fe-4737-8208-73e5754cd635" providerId="ADAL" clId="{76348C08-DCD9-46AE-A812-83C543E91E93}" dt="2024-09-13T14:42:17.403" v="715" actId="164"/>
+          <ac:picMkLst>
+            <pc:docMk/>
+            <pc:sldMk cId="0" sldId="257"/>
+            <ac:picMk id="100" creationId="{AE1284A0-7CAC-F9A4-2DE1-4FA968345DCD}"/>
+          </ac:picMkLst>
+        </pc:picChg>
+        <pc:picChg chg="add mod topLvl">
+          <ac:chgData name="Chiara Dias Fornasieri (E)" userId="b881f656-41fe-4737-8208-73e5754cd635" providerId="ADAL" clId="{76348C08-DCD9-46AE-A812-83C543E91E93}" dt="2024-09-13T14:42:17.403" v="715" actId="164"/>
+          <ac:picMkLst>
+            <pc:docMk/>
+            <pc:sldMk cId="0" sldId="257"/>
+            <ac:picMk id="120" creationId="{A112068E-6F17-4B47-0AA8-D41FAF82CCB6}"/>
+          </ac:picMkLst>
+        </pc:picChg>
+        <pc:picChg chg="add del mod topLvl">
+          <ac:chgData name="Chiara Dias Fornasieri (E)" userId="b881f656-41fe-4737-8208-73e5754cd635" providerId="ADAL" clId="{76348C08-DCD9-46AE-A812-83C543E91E93}" dt="2024-09-13T14:39:10.161" v="707" actId="478"/>
+          <ac:picMkLst>
+            <pc:docMk/>
+            <pc:sldMk cId="0" sldId="257"/>
+            <ac:picMk id="122" creationId="{23495FFC-C7CC-A615-0B29-7646F0D290E4}"/>
+          </ac:picMkLst>
+        </pc:picChg>
+        <pc:picChg chg="add mod topLvl">
+          <ac:chgData name="Chiara Dias Fornasieri (E)" userId="b881f656-41fe-4737-8208-73e5754cd635" providerId="ADAL" clId="{76348C08-DCD9-46AE-A812-83C543E91E93}" dt="2024-09-13T14:42:17.403" v="715" actId="164"/>
+          <ac:picMkLst>
+            <pc:docMk/>
+            <pc:sldMk cId="0" sldId="257"/>
+            <ac:picMk id="124" creationId="{664D0EA0-96BA-F7F7-57C7-7CC0130923E9}"/>
+          </ac:picMkLst>
+        </pc:picChg>
+        <pc:picChg chg="add mod topLvl">
+          <ac:chgData name="Chiara Dias Fornasieri (E)" userId="b881f656-41fe-4737-8208-73e5754cd635" providerId="ADAL" clId="{76348C08-DCD9-46AE-A812-83C543E91E93}" dt="2024-09-13T14:42:17.403" v="715" actId="164"/>
+          <ac:picMkLst>
+            <pc:docMk/>
+            <pc:sldMk cId="0" sldId="257"/>
+            <ac:picMk id="126" creationId="{2DA84668-506D-F4A4-00AB-67C06C14A762}"/>
+          </ac:picMkLst>
+        </pc:picChg>
+        <pc:picChg chg="add del mod">
+          <ac:chgData name="Chiara Dias Fornasieri (E)" userId="b881f656-41fe-4737-8208-73e5754cd635" providerId="ADAL" clId="{76348C08-DCD9-46AE-A812-83C543E91E93}" dt="2024-09-12T12:52:26.127" v="293" actId="478"/>
+          <ac:picMkLst>
+            <pc:docMk/>
+            <pc:sldMk cId="0" sldId="257"/>
+            <ac:picMk id="1026" creationId="{8087D9C5-F8A5-6599-5120-3A4CFC9A5201}"/>
+          </ac:picMkLst>
+        </pc:picChg>
+      </pc:sldChg>
+      <pc:sldChg chg="del">
+        <pc:chgData name="Chiara Dias Fornasieri (E)" userId="b881f656-41fe-4737-8208-73e5754cd635" providerId="ADAL" clId="{76348C08-DCD9-46AE-A812-83C543E91E93}" dt="2024-09-12T12:32:03.669" v="232" actId="2696"/>
+        <pc:sldMkLst>
+          <pc:docMk/>
+          <pc:sldMk cId="0" sldId="258"/>
+        </pc:sldMkLst>
+      </pc:sldChg>
+      <pc:sldChg chg="del">
+        <pc:chgData name="Chiara Dias Fornasieri (E)" userId="b881f656-41fe-4737-8208-73e5754cd635" providerId="ADAL" clId="{76348C08-DCD9-46AE-A812-83C543E91E93}" dt="2024-09-12T12:31:59.888" v="230" actId="2696"/>
+        <pc:sldMkLst>
+          <pc:docMk/>
+          <pc:sldMk cId="0" sldId="259"/>
+        </pc:sldMkLst>
+      </pc:sldChg>
+      <pc:sldChg chg="del">
+        <pc:chgData name="Chiara Dias Fornasieri (E)" userId="b881f656-41fe-4737-8208-73e5754cd635" providerId="ADAL" clId="{76348C08-DCD9-46AE-A812-83C543E91E93}" dt="2024-09-12T12:32:01.944" v="231" actId="2696"/>
+        <pc:sldMkLst>
+          <pc:docMk/>
+          <pc:sldMk cId="0" sldId="260"/>
+        </pc:sldMkLst>
+      </pc:sldChg>
+    </pc:docChg>
+  </pc:docChgLst>
+</pc:chgInfo>
 </file>
 
 <file path=ppt/slideLayouts/slideLayout1.xml><?xml version="1.0" encoding="utf-8"?>
@@ -1342,715 +2447,4233 @@
           <a:chExt cx="0" cy="0"/>
         </a:xfrm>
       </p:grpSpPr>
-      <p:pic>
-        <p:nvPicPr>
-          <p:cNvPr id="104" name="Picture 103">
+      <p:grpSp>
+        <p:nvGrpSpPr>
+          <p:cNvPr id="101" name="Agrupar 100">
             <a:extLst>
               <a:ext uri="{FF2B5EF4-FFF2-40B4-BE49-F238E27FC236}">
-                <a16:creationId xmlns:a16="http://schemas.microsoft.com/office/drawing/2014/main" id="{2636F046-8D74-DF9E-9115-3B621DAC3B30}"/>
+                <a16:creationId xmlns:a16="http://schemas.microsoft.com/office/drawing/2014/main" id="{FED4684F-FEB4-0133-2E21-7B5D7AC957CB}"/>
               </a:ext>
             </a:extLst>
           </p:cNvPr>
-          <p:cNvPicPr>
-            <a:picLocks noChangeAspect="1"/>
-          </p:cNvPicPr>
+          <p:cNvGrpSpPr/>
           <p:nvPr/>
-        </p:nvPicPr>
-        <p:blipFill>
-          <a:blip r:embed="rId2">
-            <a:extLst>
-              <a:ext uri="{28A0092B-C50C-407E-A947-70E740481C1C}">
-                <a14:useLocalDpi xmlns:a14="http://schemas.microsoft.com/office/drawing/2010/main" val="0"/>
-              </a:ext>
-            </a:extLst>
-          </a:blip>
-          <a:stretch>
-            <a:fillRect/>
-          </a:stretch>
-        </p:blipFill>
-        <p:spPr>
+        </p:nvGrpSpPr>
+        <p:grpSpPr>
           <a:xfrm>
-            <a:off x="-2" y="0"/>
-            <a:ext cx="7620000" cy="19050000"/>
+            <a:off x="-42253" y="-42068"/>
+            <a:ext cx="7662253" cy="19957698"/>
+            <a:chOff x="-25174" y="-907698"/>
+            <a:chExt cx="7678376" cy="19957698"/>
           </a:xfrm>
-          <a:prstGeom prst="rect">
-            <a:avLst/>
-          </a:prstGeom>
-        </p:spPr>
-      </p:pic>
+        </p:grpSpPr>
+        <p:sp>
+          <p:nvSpPr>
+            <p:cNvPr id="2" name="object 2"/>
+            <p:cNvSpPr/>
+            <p:nvPr/>
+          </p:nvSpPr>
+          <p:spPr>
+            <a:xfrm>
+              <a:off x="-14428" y="-907698"/>
+              <a:ext cx="7620000" cy="19050000"/>
+            </a:xfrm>
+            <a:custGeom>
+              <a:avLst/>
+              <a:gdLst/>
+              <a:ahLst/>
+              <a:cxnLst/>
+              <a:rect l="l" t="t" r="r" b="b"/>
+              <a:pathLst>
+                <a:path w="7620000" h="19050000">
+                  <a:moveTo>
+                    <a:pt x="7619999" y="19049998"/>
+                  </a:moveTo>
+                  <a:lnTo>
+                    <a:pt x="0" y="19049998"/>
+                  </a:lnTo>
+                  <a:lnTo>
+                    <a:pt x="0" y="0"/>
+                  </a:lnTo>
+                  <a:lnTo>
+                    <a:pt x="7619999" y="0"/>
+                  </a:lnTo>
+                  <a:lnTo>
+                    <a:pt x="7619999" y="19049998"/>
+                  </a:lnTo>
+                  <a:close/>
+                </a:path>
+              </a:pathLst>
+            </a:custGeom>
+            <a:solidFill>
+              <a:srgbClr val="FEFAF5"/>
+            </a:solidFill>
+          </p:spPr>
+          <p:txBody>
+            <a:bodyPr wrap="square" lIns="0" tIns="0" rIns="0" bIns="0" rtlCol="0"/>
+            <a:lstStyle/>
+            <a:p>
+              <a:endParaRPr dirty="0"/>
+            </a:p>
+          </p:txBody>
+        </p:sp>
+        <p:pic>
+          <p:nvPicPr>
+            <p:cNvPr id="4" name="object 4"/>
+            <p:cNvPicPr/>
+            <p:nvPr/>
+          </p:nvPicPr>
+          <p:blipFill>
+            <a:blip r:embed="rId2" cstate="print"/>
+            <a:stretch>
+              <a:fillRect/>
+            </a:stretch>
+          </p:blipFill>
+          <p:spPr>
+            <a:xfrm>
+              <a:off x="5542167" y="6314636"/>
+              <a:ext cx="108705" cy="108699"/>
+            </a:xfrm>
+            <a:prstGeom prst="rect">
+              <a:avLst/>
+            </a:prstGeom>
+          </p:spPr>
+        </p:pic>
+        <p:pic>
+          <p:nvPicPr>
+            <p:cNvPr id="5" name="object 5"/>
+            <p:cNvPicPr/>
+            <p:nvPr/>
+          </p:nvPicPr>
+          <p:blipFill>
+            <a:blip r:embed="rId3" cstate="print"/>
+            <a:stretch>
+              <a:fillRect/>
+            </a:stretch>
+          </p:blipFill>
+          <p:spPr>
+            <a:xfrm>
+              <a:off x="5426837" y="4803820"/>
+              <a:ext cx="108712" cy="108705"/>
+            </a:xfrm>
+            <a:prstGeom prst="rect">
+              <a:avLst/>
+            </a:prstGeom>
+          </p:spPr>
+        </p:pic>
+        <p:pic>
+          <p:nvPicPr>
+            <p:cNvPr id="6" name="object 6"/>
+            <p:cNvPicPr/>
+            <p:nvPr/>
+          </p:nvPicPr>
+          <p:blipFill>
+            <a:blip r:embed="rId4" cstate="print"/>
+            <a:stretch>
+              <a:fillRect/>
+            </a:stretch>
+          </p:blipFill>
+          <p:spPr>
+            <a:xfrm>
+              <a:off x="4423678" y="4793737"/>
+              <a:ext cx="108662" cy="108705"/>
+            </a:xfrm>
+            <a:prstGeom prst="rect">
+              <a:avLst/>
+            </a:prstGeom>
+          </p:spPr>
+        </p:pic>
+        <p:pic>
+          <p:nvPicPr>
+            <p:cNvPr id="7" name="object 7"/>
+            <p:cNvPicPr/>
+            <p:nvPr/>
+          </p:nvPicPr>
+          <p:blipFill>
+            <a:blip r:embed="rId5" cstate="print"/>
+            <a:stretch>
+              <a:fillRect/>
+            </a:stretch>
+          </p:blipFill>
+          <p:spPr>
+            <a:xfrm>
+              <a:off x="4787346" y="4435181"/>
+              <a:ext cx="108699" cy="108711"/>
+            </a:xfrm>
+            <a:prstGeom prst="rect">
+              <a:avLst/>
+            </a:prstGeom>
+          </p:spPr>
+        </p:pic>
+        <p:pic>
+          <p:nvPicPr>
+            <p:cNvPr id="8" name="object 8"/>
+            <p:cNvPicPr/>
+            <p:nvPr/>
+          </p:nvPicPr>
+          <p:blipFill>
+            <a:blip r:embed="rId6" cstate="print"/>
+            <a:stretch>
+              <a:fillRect/>
+            </a:stretch>
+          </p:blipFill>
+          <p:spPr>
+            <a:xfrm>
+              <a:off x="4485912" y="5086040"/>
+              <a:ext cx="108662" cy="108699"/>
+            </a:xfrm>
+            <a:prstGeom prst="rect">
+              <a:avLst/>
+            </a:prstGeom>
+          </p:spPr>
+        </p:pic>
+        <p:pic>
+          <p:nvPicPr>
+            <p:cNvPr id="9" name="object 9"/>
+            <p:cNvPicPr/>
+            <p:nvPr/>
+          </p:nvPicPr>
+          <p:blipFill>
+            <a:blip r:embed="rId7" cstate="print"/>
+            <a:stretch>
+              <a:fillRect/>
+            </a:stretch>
+          </p:blipFill>
+          <p:spPr>
+            <a:xfrm>
+              <a:off x="5455005" y="5297749"/>
+              <a:ext cx="108705" cy="108705"/>
+            </a:xfrm>
+            <a:prstGeom prst="rect">
+              <a:avLst/>
+            </a:prstGeom>
+          </p:spPr>
+        </p:pic>
+        <p:pic>
+          <p:nvPicPr>
+            <p:cNvPr id="10" name="object 10"/>
+            <p:cNvPicPr/>
+            <p:nvPr/>
+          </p:nvPicPr>
+          <p:blipFill>
+            <a:blip r:embed="rId8" cstate="print"/>
+            <a:stretch>
+              <a:fillRect/>
+            </a:stretch>
+          </p:blipFill>
+          <p:spPr>
+            <a:xfrm>
+              <a:off x="4796440" y="6079650"/>
+              <a:ext cx="108705" cy="108699"/>
+            </a:xfrm>
+            <a:prstGeom prst="rect">
+              <a:avLst/>
+            </a:prstGeom>
+          </p:spPr>
+        </p:pic>
+        <p:pic>
+          <p:nvPicPr>
+            <p:cNvPr id="11" name="object 11"/>
+            <p:cNvPicPr/>
+            <p:nvPr/>
+          </p:nvPicPr>
+          <p:blipFill>
+            <a:blip r:embed="rId9" cstate="print"/>
+            <a:stretch>
+              <a:fillRect/>
+            </a:stretch>
+          </p:blipFill>
+          <p:spPr>
+            <a:xfrm>
+              <a:off x="4019357" y="5581395"/>
+              <a:ext cx="108662" cy="108705"/>
+            </a:xfrm>
+            <a:prstGeom prst="rect">
+              <a:avLst/>
+            </a:prstGeom>
+          </p:spPr>
+        </p:pic>
+        <p:pic>
+          <p:nvPicPr>
+            <p:cNvPr id="12" name="object 12"/>
+            <p:cNvPicPr/>
+            <p:nvPr/>
+          </p:nvPicPr>
+          <p:blipFill>
+            <a:blip r:embed="rId10" cstate="print"/>
+            <a:stretch>
+              <a:fillRect/>
+            </a:stretch>
+          </p:blipFill>
+          <p:spPr>
+            <a:xfrm>
+              <a:off x="4728271" y="6482841"/>
+              <a:ext cx="108699" cy="108705"/>
+            </a:xfrm>
+            <a:prstGeom prst="rect">
+              <a:avLst/>
+            </a:prstGeom>
+          </p:spPr>
+        </p:pic>
+        <p:pic>
+          <p:nvPicPr>
+            <p:cNvPr id="13" name="object 13"/>
+            <p:cNvPicPr/>
+            <p:nvPr/>
+          </p:nvPicPr>
+          <p:blipFill>
+            <a:blip r:embed="rId11" cstate="print"/>
+            <a:stretch>
+              <a:fillRect/>
+            </a:stretch>
+          </p:blipFill>
+          <p:spPr>
+            <a:xfrm>
+              <a:off x="3820767" y="6095479"/>
+              <a:ext cx="108705" cy="108712"/>
+            </a:xfrm>
+            <a:prstGeom prst="rect">
+              <a:avLst/>
+            </a:prstGeom>
+          </p:spPr>
+        </p:pic>
+        <p:pic>
+          <p:nvPicPr>
+            <p:cNvPr id="14" name="object 14"/>
+            <p:cNvPicPr/>
+            <p:nvPr/>
+          </p:nvPicPr>
+          <p:blipFill>
+            <a:blip r:embed="rId12" cstate="print"/>
+            <a:stretch>
+              <a:fillRect/>
+            </a:stretch>
+          </p:blipFill>
+          <p:spPr>
+            <a:xfrm>
+              <a:off x="3308440" y="5846643"/>
+              <a:ext cx="108712" cy="108705"/>
+            </a:xfrm>
+            <a:prstGeom prst="rect">
+              <a:avLst/>
+            </a:prstGeom>
+          </p:spPr>
+        </p:pic>
+        <p:pic>
+          <p:nvPicPr>
+            <p:cNvPr id="15" name="object 15"/>
+            <p:cNvPicPr/>
+            <p:nvPr/>
+          </p:nvPicPr>
+          <p:blipFill>
+            <a:blip r:embed="rId13" cstate="print"/>
+            <a:stretch>
+              <a:fillRect/>
+            </a:stretch>
+          </p:blipFill>
+          <p:spPr>
+            <a:xfrm>
+              <a:off x="2187807" y="7829218"/>
+              <a:ext cx="108699" cy="108662"/>
+            </a:xfrm>
+            <a:prstGeom prst="rect">
+              <a:avLst/>
+            </a:prstGeom>
+          </p:spPr>
+        </p:pic>
+        <p:pic>
+          <p:nvPicPr>
+            <p:cNvPr id="16" name="object 16"/>
+            <p:cNvPicPr/>
+            <p:nvPr/>
+          </p:nvPicPr>
+          <p:blipFill>
+            <a:blip r:embed="rId14" cstate="print"/>
+            <a:stretch>
+              <a:fillRect/>
+            </a:stretch>
+          </p:blipFill>
+          <p:spPr>
+            <a:xfrm>
+              <a:off x="1589596" y="7499420"/>
+              <a:ext cx="108705" cy="108712"/>
+            </a:xfrm>
+            <a:prstGeom prst="rect">
+              <a:avLst/>
+            </a:prstGeom>
+          </p:spPr>
+        </p:pic>
+        <p:pic>
+          <p:nvPicPr>
+            <p:cNvPr id="17" name="object 17"/>
+            <p:cNvPicPr/>
+            <p:nvPr/>
+          </p:nvPicPr>
+          <p:blipFill>
+            <a:blip r:embed="rId15" cstate="print"/>
+            <a:stretch>
+              <a:fillRect/>
+            </a:stretch>
+          </p:blipFill>
+          <p:spPr>
+            <a:xfrm>
+              <a:off x="1072064" y="7245674"/>
+              <a:ext cx="108705" cy="108705"/>
+            </a:xfrm>
+            <a:prstGeom prst="rect">
+              <a:avLst/>
+            </a:prstGeom>
+          </p:spPr>
+        </p:pic>
+        <p:pic>
+          <p:nvPicPr>
+            <p:cNvPr id="18" name="object 18"/>
+            <p:cNvPicPr/>
+            <p:nvPr/>
+          </p:nvPicPr>
+          <p:blipFill>
+            <a:blip r:embed="rId16" cstate="print"/>
+            <a:stretch>
+              <a:fillRect/>
+            </a:stretch>
+          </p:blipFill>
+          <p:spPr>
+            <a:xfrm>
+              <a:off x="3182547" y="6662819"/>
+              <a:ext cx="108705" cy="108699"/>
+            </a:xfrm>
+            <a:prstGeom prst="rect">
+              <a:avLst/>
+            </a:prstGeom>
+          </p:spPr>
+        </p:pic>
+        <p:pic>
+          <p:nvPicPr>
+            <p:cNvPr id="19" name="object 19"/>
+            <p:cNvPicPr/>
+            <p:nvPr/>
+          </p:nvPicPr>
+          <p:blipFill>
+            <a:blip r:embed="rId17" cstate="print"/>
+            <a:stretch>
+              <a:fillRect/>
+            </a:stretch>
+          </p:blipFill>
+          <p:spPr>
+            <a:xfrm>
+              <a:off x="2067407" y="6547298"/>
+              <a:ext cx="108712" cy="108699"/>
+            </a:xfrm>
+            <a:prstGeom prst="rect">
+              <a:avLst/>
+            </a:prstGeom>
+          </p:spPr>
+        </p:pic>
+        <p:pic>
+          <p:nvPicPr>
+            <p:cNvPr id="20" name="object 20"/>
+            <p:cNvPicPr/>
+            <p:nvPr/>
+          </p:nvPicPr>
+          <p:blipFill>
+            <a:blip r:embed="rId18" cstate="print"/>
+            <a:stretch>
+              <a:fillRect/>
+            </a:stretch>
+          </p:blipFill>
+          <p:spPr>
+            <a:xfrm>
+              <a:off x="2249634" y="2746059"/>
+              <a:ext cx="108699" cy="108699"/>
+            </a:xfrm>
+            <a:prstGeom prst="rect">
+              <a:avLst/>
+            </a:prstGeom>
+          </p:spPr>
+        </p:pic>
+        <p:pic>
+          <p:nvPicPr>
+            <p:cNvPr id="21" name="object 21"/>
+            <p:cNvPicPr/>
+            <p:nvPr/>
+          </p:nvPicPr>
+          <p:blipFill>
+            <a:blip r:embed="rId19" cstate="print"/>
+            <a:stretch>
+              <a:fillRect/>
+            </a:stretch>
+          </p:blipFill>
+          <p:spPr>
+            <a:xfrm>
+              <a:off x="2759995" y="4161570"/>
+              <a:ext cx="108705" cy="108705"/>
+            </a:xfrm>
+            <a:prstGeom prst="rect">
+              <a:avLst/>
+            </a:prstGeom>
+          </p:spPr>
+        </p:pic>
+        <p:pic>
+          <p:nvPicPr>
+            <p:cNvPr id="22" name="object 22"/>
+            <p:cNvPicPr/>
+            <p:nvPr/>
+          </p:nvPicPr>
+          <p:blipFill>
+            <a:blip r:embed="rId20" cstate="print"/>
+            <a:stretch>
+              <a:fillRect/>
+            </a:stretch>
+          </p:blipFill>
+          <p:spPr>
+            <a:xfrm>
+              <a:off x="1949441" y="4332933"/>
+              <a:ext cx="108699" cy="108699"/>
+            </a:xfrm>
+            <a:prstGeom prst="rect">
+              <a:avLst/>
+            </a:prstGeom>
+          </p:spPr>
+        </p:pic>
+        <p:pic>
+          <p:nvPicPr>
+            <p:cNvPr id="23" name="object 23"/>
+            <p:cNvPicPr/>
+            <p:nvPr/>
+          </p:nvPicPr>
+          <p:blipFill>
+            <a:blip r:embed="rId21" cstate="print"/>
+            <a:stretch>
+              <a:fillRect/>
+            </a:stretch>
+          </p:blipFill>
+          <p:spPr>
+            <a:xfrm>
+              <a:off x="946270" y="4322819"/>
+              <a:ext cx="108699" cy="108699"/>
+            </a:xfrm>
+            <a:prstGeom prst="rect">
+              <a:avLst/>
+            </a:prstGeom>
+          </p:spPr>
+        </p:pic>
+        <p:pic>
+          <p:nvPicPr>
+            <p:cNvPr id="24" name="object 24"/>
+            <p:cNvPicPr/>
+            <p:nvPr/>
+          </p:nvPicPr>
+          <p:blipFill>
+            <a:blip r:embed="rId22" cstate="print"/>
+            <a:stretch>
+              <a:fillRect/>
+            </a:stretch>
+          </p:blipFill>
+          <p:spPr>
+            <a:xfrm>
+              <a:off x="329600" y="5611621"/>
+              <a:ext cx="108718" cy="108699"/>
+            </a:xfrm>
+            <a:prstGeom prst="rect">
+              <a:avLst/>
+            </a:prstGeom>
+          </p:spPr>
+        </p:pic>
+        <p:pic>
+          <p:nvPicPr>
+            <p:cNvPr id="25" name="object 25"/>
+            <p:cNvPicPr/>
+            <p:nvPr/>
+          </p:nvPicPr>
+          <p:blipFill>
+            <a:blip r:embed="rId23" cstate="print"/>
+            <a:stretch>
+              <a:fillRect/>
+            </a:stretch>
+          </p:blipFill>
+          <p:spPr>
+            <a:xfrm>
+              <a:off x="204494" y="4558972"/>
+              <a:ext cx="108699" cy="108699"/>
+            </a:xfrm>
+            <a:prstGeom prst="rect">
+              <a:avLst/>
+            </a:prstGeom>
+          </p:spPr>
+        </p:pic>
+        <p:pic>
+          <p:nvPicPr>
+            <p:cNvPr id="26" name="object 26"/>
+            <p:cNvPicPr/>
+            <p:nvPr/>
+          </p:nvPicPr>
+          <p:blipFill>
+            <a:blip r:embed="rId24" cstate="print"/>
+            <a:stretch>
+              <a:fillRect/>
+            </a:stretch>
+          </p:blipFill>
+          <p:spPr>
+            <a:xfrm>
+              <a:off x="1982672" y="8570772"/>
+              <a:ext cx="108742" cy="108736"/>
+            </a:xfrm>
+            <a:prstGeom prst="rect">
+              <a:avLst/>
+            </a:prstGeom>
+          </p:spPr>
+        </p:pic>
+        <p:pic>
+          <p:nvPicPr>
+            <p:cNvPr id="27" name="object 27"/>
+            <p:cNvPicPr/>
+            <p:nvPr/>
+          </p:nvPicPr>
+          <p:blipFill>
+            <a:blip r:embed="rId25" cstate="print"/>
+            <a:stretch>
+              <a:fillRect/>
+            </a:stretch>
+          </p:blipFill>
+          <p:spPr>
+            <a:xfrm>
+              <a:off x="1539166" y="8386726"/>
+              <a:ext cx="108705" cy="108736"/>
+            </a:xfrm>
+            <a:prstGeom prst="rect">
+              <a:avLst/>
+            </a:prstGeom>
+          </p:spPr>
+        </p:pic>
+        <p:pic>
+          <p:nvPicPr>
+            <p:cNvPr id="28" name="object 28"/>
+            <p:cNvPicPr/>
+            <p:nvPr/>
+          </p:nvPicPr>
+          <p:blipFill>
+            <a:blip r:embed="rId26" cstate="print"/>
+            <a:stretch>
+              <a:fillRect/>
+            </a:stretch>
+          </p:blipFill>
+          <p:spPr>
+            <a:xfrm>
+              <a:off x="703677" y="7833501"/>
+              <a:ext cx="108705" cy="108705"/>
+            </a:xfrm>
+            <a:prstGeom prst="rect">
+              <a:avLst/>
+            </a:prstGeom>
+          </p:spPr>
+        </p:pic>
+        <p:pic>
+          <p:nvPicPr>
+            <p:cNvPr id="29" name="object 29"/>
+            <p:cNvPicPr/>
+            <p:nvPr/>
+          </p:nvPicPr>
+          <p:blipFill>
+            <a:blip r:embed="rId27" cstate="print"/>
+            <a:stretch>
+              <a:fillRect/>
+            </a:stretch>
+          </p:blipFill>
+          <p:spPr>
+            <a:xfrm>
+              <a:off x="1105326" y="8912904"/>
+              <a:ext cx="108724" cy="108705"/>
+            </a:xfrm>
+            <a:prstGeom prst="rect">
+              <a:avLst/>
+            </a:prstGeom>
+          </p:spPr>
+        </p:pic>
+        <p:pic>
+          <p:nvPicPr>
+            <p:cNvPr id="32" name="object 32"/>
+            <p:cNvPicPr/>
+            <p:nvPr/>
+          </p:nvPicPr>
+          <p:blipFill>
+            <a:blip r:embed="rId28" cstate="print"/>
+            <a:stretch>
+              <a:fillRect/>
+            </a:stretch>
+          </p:blipFill>
+          <p:spPr>
+            <a:xfrm>
+              <a:off x="7227873" y="1816464"/>
+              <a:ext cx="108705" cy="108705"/>
+            </a:xfrm>
+            <a:prstGeom prst="rect">
+              <a:avLst/>
+            </a:prstGeom>
+          </p:spPr>
+        </p:pic>
+        <p:pic>
+          <p:nvPicPr>
+            <p:cNvPr id="33" name="object 33"/>
+            <p:cNvPicPr/>
+            <p:nvPr/>
+          </p:nvPicPr>
+          <p:blipFill>
+            <a:blip r:embed="rId29" cstate="print"/>
+            <a:stretch>
+              <a:fillRect/>
+            </a:stretch>
+          </p:blipFill>
+          <p:spPr>
+            <a:xfrm>
+              <a:off x="7290106" y="2108798"/>
+              <a:ext cx="108712" cy="108705"/>
+            </a:xfrm>
+            <a:prstGeom prst="rect">
+              <a:avLst/>
+            </a:prstGeom>
+          </p:spPr>
+        </p:pic>
+        <p:sp>
+          <p:nvSpPr>
+            <p:cNvPr id="34" name="object 34"/>
+            <p:cNvSpPr/>
+            <p:nvPr/>
+          </p:nvSpPr>
+          <p:spPr>
+            <a:xfrm>
+              <a:off x="7600636" y="3116190"/>
+              <a:ext cx="19685" cy="81915"/>
+            </a:xfrm>
+            <a:custGeom>
+              <a:avLst/>
+              <a:gdLst/>
+              <a:ahLst/>
+              <a:cxnLst/>
+              <a:rect l="l" t="t" r="r" b="b"/>
+              <a:pathLst>
+                <a:path w="19684" h="81914">
+                  <a:moveTo>
+                    <a:pt x="19364" y="81596"/>
+                  </a:moveTo>
+                  <a:lnTo>
+                    <a:pt x="17045" y="80159"/>
+                  </a:lnTo>
+                  <a:lnTo>
+                    <a:pt x="4587" y="62526"/>
+                  </a:lnTo>
+                  <a:lnTo>
+                    <a:pt x="0" y="42178"/>
+                  </a:lnTo>
+                  <a:lnTo>
+                    <a:pt x="3358" y="21600"/>
+                  </a:lnTo>
+                  <a:lnTo>
+                    <a:pt x="14734" y="3276"/>
+                  </a:lnTo>
+                  <a:lnTo>
+                    <a:pt x="19364" y="0"/>
+                  </a:lnTo>
+                  <a:lnTo>
+                    <a:pt x="19364" y="38771"/>
+                  </a:lnTo>
+                  <a:lnTo>
+                    <a:pt x="18901" y="41613"/>
+                  </a:lnTo>
+                  <a:lnTo>
+                    <a:pt x="19364" y="43671"/>
+                  </a:lnTo>
+                  <a:lnTo>
+                    <a:pt x="19364" y="81596"/>
+                  </a:lnTo>
+                  <a:close/>
+                </a:path>
+              </a:pathLst>
+            </a:custGeom>
+            <a:solidFill>
+              <a:srgbClr val="F60000"/>
+            </a:solidFill>
+          </p:spPr>
+          <p:txBody>
+            <a:bodyPr wrap="square" lIns="0" tIns="0" rIns="0" bIns="0" rtlCol="0"/>
+            <a:lstStyle/>
+            <a:p>
+              <a:endParaRPr/>
+            </a:p>
+          </p:txBody>
+        </p:sp>
+        <p:pic>
+          <p:nvPicPr>
+            <p:cNvPr id="35" name="object 35"/>
+            <p:cNvPicPr/>
+            <p:nvPr/>
+          </p:nvPicPr>
+          <p:blipFill>
+            <a:blip r:embed="rId30" cstate="print"/>
+            <a:stretch>
+              <a:fillRect/>
+            </a:stretch>
+          </p:blipFill>
+          <p:spPr>
+            <a:xfrm>
+              <a:off x="6823552" y="2604159"/>
+              <a:ext cx="108705" cy="108687"/>
+            </a:xfrm>
+            <a:prstGeom prst="rect">
+              <a:avLst/>
+            </a:prstGeom>
+          </p:spPr>
+        </p:pic>
+        <p:pic>
+          <p:nvPicPr>
+            <p:cNvPr id="36" name="object 36"/>
+            <p:cNvPicPr/>
+            <p:nvPr/>
+          </p:nvPicPr>
+          <p:blipFill>
+            <a:blip r:embed="rId31" cstate="print"/>
+            <a:stretch>
+              <a:fillRect/>
+            </a:stretch>
+          </p:blipFill>
+          <p:spPr>
+            <a:xfrm>
+              <a:off x="7532503" y="3505575"/>
+              <a:ext cx="87496" cy="108699"/>
+            </a:xfrm>
+            <a:prstGeom prst="rect">
+              <a:avLst/>
+            </a:prstGeom>
+          </p:spPr>
+        </p:pic>
+        <p:pic>
+          <p:nvPicPr>
+            <p:cNvPr id="37" name="object 37"/>
+            <p:cNvPicPr/>
+            <p:nvPr/>
+          </p:nvPicPr>
+          <p:blipFill>
+            <a:blip r:embed="rId32" cstate="print"/>
+            <a:stretch>
+              <a:fillRect/>
+            </a:stretch>
+          </p:blipFill>
+          <p:spPr>
+            <a:xfrm>
+              <a:off x="6624967" y="3118212"/>
+              <a:ext cx="108736" cy="108699"/>
+            </a:xfrm>
+            <a:prstGeom prst="rect">
+              <a:avLst/>
+            </a:prstGeom>
+          </p:spPr>
+        </p:pic>
+        <p:pic>
+          <p:nvPicPr>
+            <p:cNvPr id="38" name="object 38"/>
+            <p:cNvPicPr/>
+            <p:nvPr/>
+          </p:nvPicPr>
+          <p:blipFill>
+            <a:blip r:embed="rId33" cstate="print"/>
+            <a:stretch>
+              <a:fillRect/>
+            </a:stretch>
+          </p:blipFill>
+          <p:spPr>
+            <a:xfrm>
+              <a:off x="6112666" y="2869364"/>
+              <a:ext cx="108718" cy="108712"/>
+            </a:xfrm>
+            <a:prstGeom prst="rect">
+              <a:avLst/>
+            </a:prstGeom>
+          </p:spPr>
+        </p:pic>
+        <p:pic>
+          <p:nvPicPr>
+            <p:cNvPr id="39" name="object 39"/>
+            <p:cNvPicPr/>
+            <p:nvPr/>
+          </p:nvPicPr>
+          <p:blipFill>
+            <a:blip r:embed="rId34" cstate="print"/>
+            <a:stretch>
+              <a:fillRect/>
+            </a:stretch>
+          </p:blipFill>
+          <p:spPr>
+            <a:xfrm>
+              <a:off x="6900791" y="3845401"/>
+              <a:ext cx="108736" cy="108699"/>
+            </a:xfrm>
+            <a:prstGeom prst="rect">
+              <a:avLst/>
+            </a:prstGeom>
+          </p:spPr>
+        </p:pic>
+        <p:pic>
+          <p:nvPicPr>
+            <p:cNvPr id="40" name="object 40"/>
+            <p:cNvPicPr/>
+            <p:nvPr/>
+          </p:nvPicPr>
+          <p:blipFill>
+            <a:blip r:embed="rId35" cstate="print"/>
+            <a:stretch>
+              <a:fillRect/>
+            </a:stretch>
+          </p:blipFill>
+          <p:spPr>
+            <a:xfrm>
+              <a:off x="6259370" y="4643425"/>
+              <a:ext cx="108705" cy="108699"/>
+            </a:xfrm>
+            <a:prstGeom prst="rect">
+              <a:avLst/>
+            </a:prstGeom>
+          </p:spPr>
+        </p:pic>
+        <p:pic>
+          <p:nvPicPr>
+            <p:cNvPr id="41" name="object 41"/>
+            <p:cNvPicPr/>
+            <p:nvPr/>
+          </p:nvPicPr>
+          <p:blipFill>
+            <a:blip r:embed="rId36" cstate="print"/>
+            <a:stretch>
+              <a:fillRect/>
+            </a:stretch>
+          </p:blipFill>
+          <p:spPr>
+            <a:xfrm>
+              <a:off x="6380064" y="3822334"/>
+              <a:ext cx="108736" cy="108705"/>
+            </a:xfrm>
+            <a:prstGeom prst="rect">
+              <a:avLst/>
+            </a:prstGeom>
+          </p:spPr>
+        </p:pic>
+        <p:pic>
+          <p:nvPicPr>
+            <p:cNvPr id="42" name="object 42"/>
+            <p:cNvPicPr/>
+            <p:nvPr/>
+          </p:nvPicPr>
+          <p:blipFill>
+            <a:blip r:embed="rId37" cstate="print"/>
+            <a:stretch>
+              <a:fillRect/>
+            </a:stretch>
+          </p:blipFill>
+          <p:spPr>
+            <a:xfrm>
+              <a:off x="5986742" y="3685577"/>
+              <a:ext cx="108705" cy="108699"/>
+            </a:xfrm>
+            <a:prstGeom prst="rect">
+              <a:avLst/>
+            </a:prstGeom>
+          </p:spPr>
+        </p:pic>
+        <p:pic>
+          <p:nvPicPr>
+            <p:cNvPr id="43" name="object 43"/>
+            <p:cNvPicPr/>
+            <p:nvPr/>
+          </p:nvPicPr>
+          <p:blipFill>
+            <a:blip r:embed="rId38" cstate="print"/>
+            <a:stretch>
+              <a:fillRect/>
+            </a:stretch>
+          </p:blipFill>
+          <p:spPr>
+            <a:xfrm>
+              <a:off x="4871615" y="3570057"/>
+              <a:ext cx="108699" cy="108705"/>
+            </a:xfrm>
+            <a:prstGeom prst="rect">
+              <a:avLst/>
+            </a:prstGeom>
+          </p:spPr>
+        </p:pic>
+        <p:pic>
+          <p:nvPicPr>
+            <p:cNvPr id="44" name="object 44"/>
+            <p:cNvPicPr/>
+            <p:nvPr/>
+          </p:nvPicPr>
+          <p:blipFill>
+            <a:blip r:embed="rId39" cstate="print"/>
+            <a:stretch>
+              <a:fillRect/>
+            </a:stretch>
+          </p:blipFill>
+          <p:spPr>
+            <a:xfrm>
+              <a:off x="6365452" y="4275960"/>
+              <a:ext cx="108705" cy="108705"/>
+            </a:xfrm>
+            <a:prstGeom prst="rect">
+              <a:avLst/>
+            </a:prstGeom>
+          </p:spPr>
+        </p:pic>
+        <p:pic>
+          <p:nvPicPr>
+            <p:cNvPr id="45" name="object 45"/>
+            <p:cNvPicPr/>
+            <p:nvPr/>
+          </p:nvPicPr>
+          <p:blipFill>
+            <a:blip r:embed="rId40" cstate="print"/>
+            <a:stretch>
+              <a:fillRect/>
+            </a:stretch>
+          </p:blipFill>
+          <p:spPr>
+            <a:xfrm>
+              <a:off x="3133832" y="2634348"/>
+              <a:ext cx="108705" cy="108705"/>
+            </a:xfrm>
+            <a:prstGeom prst="rect">
+              <a:avLst/>
+            </a:prstGeom>
+          </p:spPr>
+        </p:pic>
+        <p:pic>
+          <p:nvPicPr>
+            <p:cNvPr id="46" name="object 46"/>
+            <p:cNvPicPr/>
+            <p:nvPr/>
+          </p:nvPicPr>
+          <p:blipFill>
+            <a:blip r:embed="rId41" cstate="print"/>
+            <a:stretch>
+              <a:fillRect/>
+            </a:stretch>
+          </p:blipFill>
+          <p:spPr>
+            <a:xfrm>
+              <a:off x="5712947" y="4596179"/>
+              <a:ext cx="108699" cy="108705"/>
+            </a:xfrm>
+            <a:prstGeom prst="rect">
+              <a:avLst/>
+            </a:prstGeom>
+          </p:spPr>
+        </p:pic>
+        <p:pic>
+          <p:nvPicPr>
+            <p:cNvPr id="49" name="object 49"/>
+            <p:cNvPicPr/>
+            <p:nvPr/>
+          </p:nvPicPr>
+          <p:blipFill>
+            <a:blip r:embed="rId42" cstate="print"/>
+            <a:stretch>
+              <a:fillRect/>
+            </a:stretch>
+          </p:blipFill>
+          <p:spPr>
+            <a:xfrm>
+              <a:off x="2349994" y="14764906"/>
+              <a:ext cx="108705" cy="108699"/>
+            </a:xfrm>
+            <a:prstGeom prst="rect">
+              <a:avLst/>
+            </a:prstGeom>
+          </p:spPr>
+        </p:pic>
+        <p:pic>
+          <p:nvPicPr>
+            <p:cNvPr id="50" name="object 50"/>
+            <p:cNvPicPr/>
+            <p:nvPr/>
+          </p:nvPicPr>
+          <p:blipFill>
+            <a:blip r:embed="rId43" cstate="print"/>
+            <a:stretch>
+              <a:fillRect/>
+            </a:stretch>
+          </p:blipFill>
+          <p:spPr>
+            <a:xfrm>
+              <a:off x="2465318" y="16275715"/>
+              <a:ext cx="108712" cy="108705"/>
+            </a:xfrm>
+            <a:prstGeom prst="rect">
+              <a:avLst/>
+            </a:prstGeom>
+          </p:spPr>
+        </p:pic>
+        <p:pic>
+          <p:nvPicPr>
+            <p:cNvPr id="51" name="object 51"/>
+            <p:cNvPicPr/>
+            <p:nvPr/>
+          </p:nvPicPr>
+          <p:blipFill>
+            <a:blip r:embed="rId44" cstate="print"/>
+            <a:stretch>
+              <a:fillRect/>
+            </a:stretch>
+          </p:blipFill>
+          <p:spPr>
+            <a:xfrm>
+              <a:off x="3468526" y="16285799"/>
+              <a:ext cx="108662" cy="108705"/>
+            </a:xfrm>
+            <a:prstGeom prst="rect">
+              <a:avLst/>
+            </a:prstGeom>
+          </p:spPr>
+        </p:pic>
+        <p:pic>
+          <p:nvPicPr>
+            <p:cNvPr id="52" name="object 52"/>
+            <p:cNvPicPr/>
+            <p:nvPr/>
+          </p:nvPicPr>
+          <p:blipFill>
+            <a:blip r:embed="rId45" cstate="print"/>
+            <a:stretch>
+              <a:fillRect/>
+            </a:stretch>
+          </p:blipFill>
+          <p:spPr>
+            <a:xfrm>
+              <a:off x="3104822" y="16644348"/>
+              <a:ext cx="108699" cy="108711"/>
+            </a:xfrm>
+            <a:prstGeom prst="rect">
+              <a:avLst/>
+            </a:prstGeom>
+          </p:spPr>
+        </p:pic>
+        <p:pic>
+          <p:nvPicPr>
+            <p:cNvPr id="53" name="object 53"/>
+            <p:cNvPicPr/>
+            <p:nvPr/>
+          </p:nvPicPr>
+          <p:blipFill>
+            <a:blip r:embed="rId46" cstate="print"/>
+            <a:stretch>
+              <a:fillRect/>
+            </a:stretch>
+          </p:blipFill>
+          <p:spPr>
+            <a:xfrm>
+              <a:off x="3406293" y="15993501"/>
+              <a:ext cx="108662" cy="108699"/>
+            </a:xfrm>
+            <a:prstGeom prst="rect">
+              <a:avLst/>
+            </a:prstGeom>
+          </p:spPr>
+        </p:pic>
+        <p:pic>
+          <p:nvPicPr>
+            <p:cNvPr id="54" name="object 54"/>
+            <p:cNvPicPr/>
+            <p:nvPr/>
+          </p:nvPicPr>
+          <p:blipFill>
+            <a:blip r:embed="rId47" cstate="print"/>
+            <a:stretch>
+              <a:fillRect/>
+            </a:stretch>
+          </p:blipFill>
+          <p:spPr>
+            <a:xfrm>
+              <a:off x="2437157" y="15781785"/>
+              <a:ext cx="108705" cy="108705"/>
+            </a:xfrm>
+            <a:prstGeom prst="rect">
+              <a:avLst/>
+            </a:prstGeom>
+          </p:spPr>
+        </p:pic>
+        <p:pic>
+          <p:nvPicPr>
+            <p:cNvPr id="55" name="object 55"/>
+            <p:cNvPicPr/>
+            <p:nvPr/>
+          </p:nvPicPr>
+          <p:blipFill>
+            <a:blip r:embed="rId48" cstate="print"/>
+            <a:stretch>
+              <a:fillRect/>
+            </a:stretch>
+          </p:blipFill>
+          <p:spPr>
+            <a:xfrm>
+              <a:off x="3872848" y="15498140"/>
+              <a:ext cx="108662" cy="108705"/>
+            </a:xfrm>
+            <a:prstGeom prst="rect">
+              <a:avLst/>
+            </a:prstGeom>
+          </p:spPr>
+        </p:pic>
+        <p:pic>
+          <p:nvPicPr>
+            <p:cNvPr id="56" name="object 56"/>
+            <p:cNvPicPr/>
+            <p:nvPr/>
+          </p:nvPicPr>
+          <p:blipFill>
+            <a:blip r:embed="rId49" cstate="print"/>
+            <a:stretch>
+              <a:fillRect/>
+            </a:stretch>
+          </p:blipFill>
+          <p:spPr>
+            <a:xfrm>
+              <a:off x="3095721" y="14999892"/>
+              <a:ext cx="108705" cy="108699"/>
+            </a:xfrm>
+            <a:prstGeom prst="rect">
+              <a:avLst/>
+            </a:prstGeom>
+          </p:spPr>
+        </p:pic>
+        <p:pic>
+          <p:nvPicPr>
+            <p:cNvPr id="57" name="object 57"/>
+            <p:cNvPicPr/>
+            <p:nvPr/>
+          </p:nvPicPr>
+          <p:blipFill>
+            <a:blip r:embed="rId50" cstate="print"/>
+            <a:stretch>
+              <a:fillRect/>
+            </a:stretch>
+          </p:blipFill>
+          <p:spPr>
+            <a:xfrm>
+              <a:off x="3163897" y="14596695"/>
+              <a:ext cx="108699" cy="108705"/>
+            </a:xfrm>
+            <a:prstGeom prst="rect">
+              <a:avLst/>
+            </a:prstGeom>
+          </p:spPr>
+        </p:pic>
+        <p:pic>
+          <p:nvPicPr>
+            <p:cNvPr id="58" name="object 58"/>
+            <p:cNvPicPr/>
+            <p:nvPr/>
+          </p:nvPicPr>
+          <p:blipFill>
+            <a:blip r:embed="rId51" cstate="print"/>
+            <a:stretch>
+              <a:fillRect/>
+            </a:stretch>
+          </p:blipFill>
+          <p:spPr>
+            <a:xfrm>
+              <a:off x="4071395" y="14984051"/>
+              <a:ext cx="108705" cy="108712"/>
+            </a:xfrm>
+            <a:prstGeom prst="rect">
+              <a:avLst/>
+            </a:prstGeom>
+          </p:spPr>
+        </p:pic>
+        <p:pic>
+          <p:nvPicPr>
+            <p:cNvPr id="59" name="object 59"/>
+            <p:cNvPicPr/>
+            <p:nvPr/>
+          </p:nvPicPr>
+          <p:blipFill>
+            <a:blip r:embed="rId52" cstate="print"/>
+            <a:stretch>
+              <a:fillRect/>
+            </a:stretch>
+          </p:blipFill>
+          <p:spPr>
+            <a:xfrm>
+              <a:off x="4583715" y="15232891"/>
+              <a:ext cx="108712" cy="108705"/>
+            </a:xfrm>
+            <a:prstGeom prst="rect">
+              <a:avLst/>
+            </a:prstGeom>
+          </p:spPr>
+        </p:pic>
+        <p:pic>
+          <p:nvPicPr>
+            <p:cNvPr id="60" name="object 60"/>
+            <p:cNvPicPr/>
+            <p:nvPr/>
+          </p:nvPicPr>
+          <p:blipFill>
+            <a:blip r:embed="rId53" cstate="print"/>
+            <a:stretch>
+              <a:fillRect/>
+            </a:stretch>
+          </p:blipFill>
+          <p:spPr>
+            <a:xfrm>
+              <a:off x="4316298" y="14279929"/>
+              <a:ext cx="108712" cy="108736"/>
+            </a:xfrm>
+            <a:prstGeom prst="rect">
+              <a:avLst/>
+            </a:prstGeom>
+          </p:spPr>
+        </p:pic>
+        <p:pic>
+          <p:nvPicPr>
+            <p:cNvPr id="61" name="object 61"/>
+            <p:cNvPicPr/>
+            <p:nvPr/>
+          </p:nvPicPr>
+          <p:blipFill>
+            <a:blip r:embed="rId54" cstate="print"/>
+            <a:stretch>
+              <a:fillRect/>
+            </a:stretch>
+          </p:blipFill>
+          <p:spPr>
+            <a:xfrm>
+              <a:off x="3795572" y="14256867"/>
+              <a:ext cx="108699" cy="108705"/>
+            </a:xfrm>
+            <a:prstGeom prst="rect">
+              <a:avLst/>
+            </a:prstGeom>
+          </p:spPr>
+        </p:pic>
+        <p:pic>
+          <p:nvPicPr>
+            <p:cNvPr id="62" name="object 62"/>
+            <p:cNvPicPr/>
+            <p:nvPr/>
+          </p:nvPicPr>
+          <p:blipFill>
+            <a:blip r:embed="rId55" cstate="print"/>
+            <a:stretch>
+              <a:fillRect/>
+            </a:stretch>
+          </p:blipFill>
+          <p:spPr>
+            <a:xfrm>
+              <a:off x="4437029" y="13458843"/>
+              <a:ext cx="108662" cy="108705"/>
+            </a:xfrm>
+            <a:prstGeom prst="rect">
+              <a:avLst/>
+            </a:prstGeom>
+          </p:spPr>
+        </p:pic>
+        <p:pic>
+          <p:nvPicPr>
+            <p:cNvPr id="63" name="object 63"/>
+            <p:cNvPicPr/>
+            <p:nvPr/>
+          </p:nvPicPr>
+          <p:blipFill>
+            <a:blip r:embed="rId56" cstate="print"/>
+            <a:stretch>
+              <a:fillRect/>
+            </a:stretch>
+          </p:blipFill>
+          <p:spPr>
+            <a:xfrm>
+              <a:off x="5704361" y="13250360"/>
+              <a:ext cx="108699" cy="108662"/>
+            </a:xfrm>
+            <a:prstGeom prst="rect">
+              <a:avLst/>
+            </a:prstGeom>
+          </p:spPr>
+        </p:pic>
+        <p:pic>
+          <p:nvPicPr>
+            <p:cNvPr id="64" name="object 64"/>
+            <p:cNvPicPr/>
+            <p:nvPr/>
+          </p:nvPicPr>
+          <p:blipFill>
+            <a:blip r:embed="rId57" cstate="print"/>
+            <a:stretch>
+              <a:fillRect/>
+            </a:stretch>
+          </p:blipFill>
+          <p:spPr>
+            <a:xfrm>
+              <a:off x="6302566" y="13580109"/>
+              <a:ext cx="108705" cy="108712"/>
+            </a:xfrm>
+            <a:prstGeom prst="rect">
+              <a:avLst/>
+            </a:prstGeom>
+          </p:spPr>
+        </p:pic>
+        <p:pic>
+          <p:nvPicPr>
+            <p:cNvPr id="65" name="object 65"/>
+            <p:cNvPicPr/>
+            <p:nvPr/>
+          </p:nvPicPr>
+          <p:blipFill>
+            <a:blip r:embed="rId58" cstate="print"/>
+            <a:stretch>
+              <a:fillRect/>
+            </a:stretch>
+          </p:blipFill>
+          <p:spPr>
+            <a:xfrm>
+              <a:off x="6820097" y="13833861"/>
+              <a:ext cx="108705" cy="108705"/>
+            </a:xfrm>
+            <a:prstGeom prst="rect">
+              <a:avLst/>
+            </a:prstGeom>
+          </p:spPr>
+        </p:pic>
+        <p:pic>
+          <p:nvPicPr>
+            <p:cNvPr id="66" name="object 66"/>
+            <p:cNvPicPr/>
+            <p:nvPr/>
+          </p:nvPicPr>
+          <p:blipFill>
+            <a:blip r:embed="rId59" cstate="print"/>
+            <a:stretch>
+              <a:fillRect/>
+            </a:stretch>
+          </p:blipFill>
+          <p:spPr>
+            <a:xfrm>
+              <a:off x="4709614" y="14416723"/>
+              <a:ext cx="108705" cy="108699"/>
+            </a:xfrm>
+            <a:prstGeom prst="rect">
+              <a:avLst/>
+            </a:prstGeom>
+          </p:spPr>
+        </p:pic>
+        <p:pic>
+          <p:nvPicPr>
+            <p:cNvPr id="67" name="object 67"/>
+            <p:cNvPicPr/>
+            <p:nvPr/>
+          </p:nvPicPr>
+          <p:blipFill>
+            <a:blip r:embed="rId60" cstate="print"/>
+            <a:stretch>
+              <a:fillRect/>
+            </a:stretch>
+          </p:blipFill>
+          <p:spPr>
+            <a:xfrm>
+              <a:off x="4330910" y="13826303"/>
+              <a:ext cx="108699" cy="108736"/>
+            </a:xfrm>
+            <a:prstGeom prst="rect">
+              <a:avLst/>
+            </a:prstGeom>
+          </p:spPr>
+        </p:pic>
+        <p:pic>
+          <p:nvPicPr>
+            <p:cNvPr id="68" name="object 68"/>
+            <p:cNvPicPr/>
+            <p:nvPr/>
+          </p:nvPicPr>
+          <p:blipFill>
+            <a:blip r:embed="rId61" cstate="print"/>
+            <a:stretch>
+              <a:fillRect/>
+            </a:stretch>
+          </p:blipFill>
+          <p:spPr>
+            <a:xfrm>
+              <a:off x="5824748" y="14532243"/>
+              <a:ext cx="108712" cy="108699"/>
+            </a:xfrm>
+            <a:prstGeom prst="rect">
+              <a:avLst/>
+            </a:prstGeom>
+          </p:spPr>
+        </p:pic>
+        <p:pic>
+          <p:nvPicPr>
+            <p:cNvPr id="69" name="object 69"/>
+            <p:cNvPicPr/>
+            <p:nvPr/>
+          </p:nvPicPr>
+          <p:blipFill>
+            <a:blip r:embed="rId62" cstate="print"/>
+            <a:stretch>
+              <a:fillRect/>
+            </a:stretch>
+          </p:blipFill>
+          <p:spPr>
+            <a:xfrm>
+              <a:off x="4983416" y="13506084"/>
+              <a:ext cx="108712" cy="108705"/>
+            </a:xfrm>
+            <a:prstGeom prst="rect">
+              <a:avLst/>
+            </a:prstGeom>
+          </p:spPr>
+        </p:pic>
+        <p:pic>
+          <p:nvPicPr>
+            <p:cNvPr id="70" name="object 70"/>
+            <p:cNvPicPr/>
+            <p:nvPr/>
+          </p:nvPicPr>
+          <p:blipFill>
+            <a:blip r:embed="rId63" cstate="print"/>
+            <a:stretch>
+              <a:fillRect/>
+            </a:stretch>
+          </p:blipFill>
+          <p:spPr>
+            <a:xfrm>
+              <a:off x="5642533" y="18333482"/>
+              <a:ext cx="108699" cy="108699"/>
+            </a:xfrm>
+            <a:prstGeom prst="rect">
+              <a:avLst/>
+            </a:prstGeom>
+          </p:spPr>
+        </p:pic>
+        <p:pic>
+          <p:nvPicPr>
+            <p:cNvPr id="71" name="object 71"/>
+            <p:cNvPicPr/>
+            <p:nvPr/>
+          </p:nvPicPr>
+          <p:blipFill>
+            <a:blip r:embed="rId64" cstate="print"/>
+            <a:stretch>
+              <a:fillRect/>
+            </a:stretch>
+          </p:blipFill>
+          <p:spPr>
+            <a:xfrm>
+              <a:off x="5132166" y="16917965"/>
+              <a:ext cx="108705" cy="108705"/>
+            </a:xfrm>
+            <a:prstGeom prst="rect">
+              <a:avLst/>
+            </a:prstGeom>
+          </p:spPr>
+        </p:pic>
+        <p:pic>
+          <p:nvPicPr>
+            <p:cNvPr id="72" name="object 72"/>
+            <p:cNvPicPr/>
+            <p:nvPr/>
+          </p:nvPicPr>
+          <p:blipFill>
+            <a:blip r:embed="rId65" cstate="print"/>
+            <a:stretch>
+              <a:fillRect/>
+            </a:stretch>
+          </p:blipFill>
+          <p:spPr>
+            <a:xfrm>
+              <a:off x="5942726" y="16746608"/>
+              <a:ext cx="108699" cy="108699"/>
+            </a:xfrm>
+            <a:prstGeom prst="rect">
+              <a:avLst/>
+            </a:prstGeom>
+          </p:spPr>
+        </p:pic>
+        <p:pic>
+          <p:nvPicPr>
+            <p:cNvPr id="73" name="object 73"/>
+            <p:cNvPicPr/>
+            <p:nvPr/>
+          </p:nvPicPr>
+          <p:blipFill>
+            <a:blip r:embed="rId66" cstate="print"/>
+            <a:stretch>
+              <a:fillRect/>
+            </a:stretch>
+          </p:blipFill>
+          <p:spPr>
+            <a:xfrm>
+              <a:off x="6945897" y="16756722"/>
+              <a:ext cx="108699" cy="108699"/>
+            </a:xfrm>
+            <a:prstGeom prst="rect">
+              <a:avLst/>
+            </a:prstGeom>
+          </p:spPr>
+        </p:pic>
+        <p:sp>
+          <p:nvSpPr>
+            <p:cNvPr id="74" name="object 74"/>
+            <p:cNvSpPr/>
+            <p:nvPr/>
+          </p:nvSpPr>
+          <p:spPr>
+            <a:xfrm>
+              <a:off x="7562549" y="15467920"/>
+              <a:ext cx="57785" cy="109220"/>
+            </a:xfrm>
+            <a:custGeom>
+              <a:avLst/>
+              <a:gdLst/>
+              <a:ahLst/>
+              <a:cxnLst/>
+              <a:rect l="l" t="t" r="r" b="b"/>
+              <a:pathLst>
+                <a:path w="57784" h="109219">
+                  <a:moveTo>
+                    <a:pt x="57450" y="89353"/>
+                  </a:moveTo>
+                  <a:lnTo>
+                    <a:pt x="57450" y="108369"/>
+                  </a:lnTo>
+                  <a:lnTo>
+                    <a:pt x="55984" y="108699"/>
+                  </a:lnTo>
+                  <a:lnTo>
+                    <a:pt x="35395" y="105341"/>
+                  </a:lnTo>
+                  <a:lnTo>
+                    <a:pt x="17063" y="93964"/>
+                  </a:lnTo>
+                  <a:lnTo>
+                    <a:pt x="14128" y="89817"/>
+                  </a:lnTo>
+                  <a:lnTo>
+                    <a:pt x="55400" y="89817"/>
+                  </a:lnTo>
+                  <a:lnTo>
+                    <a:pt x="57450" y="89353"/>
+                  </a:lnTo>
+                  <a:close/>
+                </a:path>
+                <a:path w="57784" h="109219">
+                  <a:moveTo>
+                    <a:pt x="13627" y="18894"/>
+                  </a:moveTo>
+                  <a:lnTo>
+                    <a:pt x="53299" y="18894"/>
+                  </a:lnTo>
+                  <a:lnTo>
+                    <a:pt x="40016" y="21878"/>
+                  </a:lnTo>
+                  <a:lnTo>
+                    <a:pt x="28517" y="30010"/>
+                  </a:lnTo>
+                  <a:lnTo>
+                    <a:pt x="21081" y="41979"/>
+                  </a:lnTo>
+                  <a:lnTo>
+                    <a:pt x="18876" y="55419"/>
+                  </a:lnTo>
+                  <a:lnTo>
+                    <a:pt x="21860" y="68701"/>
+                  </a:lnTo>
+                  <a:lnTo>
+                    <a:pt x="29992" y="80200"/>
+                  </a:lnTo>
+                  <a:lnTo>
+                    <a:pt x="41961" y="87628"/>
+                  </a:lnTo>
+                  <a:lnTo>
+                    <a:pt x="55400" y="89817"/>
+                  </a:lnTo>
+                  <a:lnTo>
+                    <a:pt x="14128" y="89817"/>
+                  </a:lnTo>
+                  <a:lnTo>
+                    <a:pt x="4584" y="76331"/>
+                  </a:lnTo>
+                  <a:lnTo>
+                    <a:pt x="0" y="55984"/>
+                  </a:lnTo>
+                  <a:lnTo>
+                    <a:pt x="3369" y="35406"/>
+                  </a:lnTo>
+                  <a:lnTo>
+                    <a:pt x="13627" y="18894"/>
+                  </a:lnTo>
+                  <a:close/>
+                </a:path>
+                <a:path w="57784" h="109219">
+                  <a:moveTo>
+                    <a:pt x="52715" y="0"/>
+                  </a:moveTo>
+                  <a:lnTo>
+                    <a:pt x="57450" y="774"/>
+                  </a:lnTo>
+                  <a:lnTo>
+                    <a:pt x="57450" y="19576"/>
+                  </a:lnTo>
+                  <a:lnTo>
+                    <a:pt x="53299" y="18894"/>
+                  </a:lnTo>
+                  <a:lnTo>
+                    <a:pt x="13627" y="18894"/>
+                  </a:lnTo>
+                  <a:lnTo>
+                    <a:pt x="14753" y="17082"/>
+                  </a:lnTo>
+                  <a:lnTo>
+                    <a:pt x="32365" y="4596"/>
+                  </a:lnTo>
+                  <a:lnTo>
+                    <a:pt x="52715" y="0"/>
+                  </a:lnTo>
+                  <a:close/>
+                </a:path>
+              </a:pathLst>
+            </a:custGeom>
+            <a:solidFill>
+              <a:srgbClr val="F60000"/>
+            </a:solidFill>
+          </p:spPr>
+          <p:txBody>
+            <a:bodyPr wrap="square" lIns="0" tIns="0" rIns="0" bIns="0" rtlCol="0"/>
+            <a:lstStyle/>
+            <a:p>
+              <a:endParaRPr/>
+            </a:p>
+          </p:txBody>
+        </p:sp>
+        <p:pic>
+          <p:nvPicPr>
+            <p:cNvPr id="75" name="object 75"/>
+            <p:cNvPicPr/>
+            <p:nvPr/>
+          </p:nvPicPr>
+          <p:blipFill>
+            <a:blip r:embed="rId67" cstate="print"/>
+            <a:stretch>
+              <a:fillRect/>
+            </a:stretch>
+          </p:blipFill>
+          <p:spPr>
+            <a:xfrm>
+              <a:off x="7188484" y="13246034"/>
+              <a:ext cx="108705" cy="108705"/>
+            </a:xfrm>
+            <a:prstGeom prst="rect">
+              <a:avLst/>
+            </a:prstGeom>
+          </p:spPr>
+        </p:pic>
+        <p:pic>
+          <p:nvPicPr>
+            <p:cNvPr id="76" name="object 76"/>
+            <p:cNvPicPr/>
+            <p:nvPr/>
+          </p:nvPicPr>
+          <p:blipFill>
+            <a:blip r:embed="rId68" cstate="print"/>
+            <a:stretch>
+              <a:fillRect/>
+            </a:stretch>
+          </p:blipFill>
+          <p:spPr>
+            <a:xfrm>
+              <a:off x="602049" y="18970738"/>
+              <a:ext cx="108712" cy="79262"/>
+            </a:xfrm>
+            <a:prstGeom prst="rect">
+              <a:avLst/>
+            </a:prstGeom>
+          </p:spPr>
+        </p:pic>
+        <p:pic>
+          <p:nvPicPr>
+            <p:cNvPr id="77" name="object 77"/>
+            <p:cNvPicPr/>
+            <p:nvPr/>
+          </p:nvPicPr>
+          <p:blipFill>
+            <a:blip r:embed="rId69" cstate="print"/>
+            <a:stretch>
+              <a:fillRect/>
+            </a:stretch>
+          </p:blipFill>
+          <p:spPr>
+            <a:xfrm>
+              <a:off x="291520" y="17977158"/>
+              <a:ext cx="108712" cy="108699"/>
+            </a:xfrm>
+            <a:prstGeom prst="rect">
+              <a:avLst/>
+            </a:prstGeom>
+          </p:spPr>
+        </p:pic>
+        <p:pic>
+          <p:nvPicPr>
+            <p:cNvPr id="78" name="object 78"/>
+            <p:cNvPicPr/>
+            <p:nvPr/>
+          </p:nvPicPr>
+          <p:blipFill>
+            <a:blip r:embed="rId70" cstate="print"/>
+            <a:stretch>
+              <a:fillRect/>
+            </a:stretch>
+          </p:blipFill>
+          <p:spPr>
+            <a:xfrm>
+              <a:off x="1068610" y="18475394"/>
+              <a:ext cx="108705" cy="108687"/>
+            </a:xfrm>
+            <a:prstGeom prst="rect">
+              <a:avLst/>
+            </a:prstGeom>
+          </p:spPr>
+        </p:pic>
+        <p:pic>
+          <p:nvPicPr>
+            <p:cNvPr id="79" name="object 79"/>
+            <p:cNvPicPr/>
+            <p:nvPr/>
+          </p:nvPicPr>
+          <p:blipFill>
+            <a:blip r:embed="rId71" cstate="print"/>
+            <a:stretch>
+              <a:fillRect/>
+            </a:stretch>
+          </p:blipFill>
+          <p:spPr>
+            <a:xfrm>
+              <a:off x="359696" y="17573967"/>
+              <a:ext cx="108668" cy="108699"/>
+            </a:xfrm>
+            <a:prstGeom prst="rect">
+              <a:avLst/>
+            </a:prstGeom>
+          </p:spPr>
+        </p:pic>
+        <p:pic>
+          <p:nvPicPr>
+            <p:cNvPr id="80" name="object 80"/>
+            <p:cNvPicPr/>
+            <p:nvPr/>
+          </p:nvPicPr>
+          <p:blipFill>
+            <a:blip r:embed="rId72" cstate="print"/>
+            <a:stretch>
+              <a:fillRect/>
+            </a:stretch>
+          </p:blipFill>
+          <p:spPr>
+            <a:xfrm>
+              <a:off x="1267163" y="17961330"/>
+              <a:ext cx="108736" cy="108699"/>
+            </a:xfrm>
+            <a:prstGeom prst="rect">
+              <a:avLst/>
+            </a:prstGeom>
+          </p:spPr>
+        </p:pic>
+        <p:pic>
+          <p:nvPicPr>
+            <p:cNvPr id="81" name="object 81"/>
+            <p:cNvPicPr/>
+            <p:nvPr/>
+          </p:nvPicPr>
+          <p:blipFill>
+            <a:blip r:embed="rId73" cstate="print"/>
+            <a:stretch>
+              <a:fillRect/>
+            </a:stretch>
+          </p:blipFill>
+          <p:spPr>
+            <a:xfrm>
+              <a:off x="1779484" y="18210164"/>
+              <a:ext cx="108718" cy="108712"/>
+            </a:xfrm>
+            <a:prstGeom prst="rect">
+              <a:avLst/>
+            </a:prstGeom>
+          </p:spPr>
+        </p:pic>
+        <p:pic>
+          <p:nvPicPr>
+            <p:cNvPr id="82" name="object 82"/>
+            <p:cNvPicPr/>
+            <p:nvPr/>
+          </p:nvPicPr>
+          <p:blipFill>
+            <a:blip r:embed="rId74" cstate="print"/>
+            <a:stretch>
+              <a:fillRect/>
+            </a:stretch>
+          </p:blipFill>
+          <p:spPr>
+            <a:xfrm>
+              <a:off x="991340" y="17234140"/>
+              <a:ext cx="108736" cy="108699"/>
+            </a:xfrm>
+            <a:prstGeom prst="rect">
+              <a:avLst/>
+            </a:prstGeom>
+          </p:spPr>
+        </p:pic>
+        <p:pic>
+          <p:nvPicPr>
+            <p:cNvPr id="83" name="object 83"/>
+            <p:cNvPicPr/>
+            <p:nvPr/>
+          </p:nvPicPr>
+          <p:blipFill>
+            <a:blip r:embed="rId75" cstate="print"/>
+            <a:stretch>
+              <a:fillRect/>
+            </a:stretch>
+          </p:blipFill>
+          <p:spPr>
+            <a:xfrm>
+              <a:off x="1512066" y="17257202"/>
+              <a:ext cx="108736" cy="108705"/>
+            </a:xfrm>
+            <a:prstGeom prst="rect">
+              <a:avLst/>
+            </a:prstGeom>
+          </p:spPr>
+        </p:pic>
+        <p:pic>
+          <p:nvPicPr>
+            <p:cNvPr id="84" name="object 84"/>
+            <p:cNvPicPr/>
+            <p:nvPr/>
+          </p:nvPicPr>
+          <p:blipFill>
+            <a:blip r:embed="rId76" cstate="print"/>
+            <a:stretch>
+              <a:fillRect/>
+            </a:stretch>
+          </p:blipFill>
+          <p:spPr>
+            <a:xfrm>
+              <a:off x="1632791" y="16436116"/>
+              <a:ext cx="108705" cy="108699"/>
+            </a:xfrm>
+            <a:prstGeom prst="rect">
+              <a:avLst/>
+            </a:prstGeom>
+          </p:spPr>
+        </p:pic>
+        <p:pic>
+          <p:nvPicPr>
+            <p:cNvPr id="85" name="object 85"/>
+            <p:cNvPicPr/>
+            <p:nvPr/>
+          </p:nvPicPr>
+          <p:blipFill>
+            <a:blip r:embed="rId77" cstate="print"/>
+            <a:stretch>
+              <a:fillRect/>
+            </a:stretch>
+          </p:blipFill>
+          <p:spPr>
+            <a:xfrm>
+              <a:off x="1905419" y="17393964"/>
+              <a:ext cx="108705" cy="108699"/>
+            </a:xfrm>
+            <a:prstGeom prst="rect">
+              <a:avLst/>
+            </a:prstGeom>
+          </p:spPr>
+        </p:pic>
+        <p:pic>
+          <p:nvPicPr>
+            <p:cNvPr id="86" name="object 86"/>
+            <p:cNvPicPr/>
+            <p:nvPr/>
+          </p:nvPicPr>
+          <p:blipFill>
+            <a:blip r:embed="rId78" cstate="print"/>
+            <a:stretch>
+              <a:fillRect/>
+            </a:stretch>
+          </p:blipFill>
+          <p:spPr>
+            <a:xfrm>
+              <a:off x="1526709" y="16803575"/>
+              <a:ext cx="108705" cy="108705"/>
+            </a:xfrm>
+            <a:prstGeom prst="rect">
+              <a:avLst/>
+            </a:prstGeom>
+          </p:spPr>
+        </p:pic>
+        <p:pic>
+          <p:nvPicPr>
+            <p:cNvPr id="87" name="object 87"/>
+            <p:cNvPicPr/>
+            <p:nvPr/>
+          </p:nvPicPr>
+          <p:blipFill>
+            <a:blip r:embed="rId79" cstate="print"/>
+            <a:stretch>
+              <a:fillRect/>
+            </a:stretch>
+          </p:blipFill>
+          <p:spPr>
+            <a:xfrm>
+              <a:off x="3020553" y="17509478"/>
+              <a:ext cx="108699" cy="108705"/>
+            </a:xfrm>
+            <a:prstGeom prst="rect">
+              <a:avLst/>
+            </a:prstGeom>
+          </p:spPr>
+        </p:pic>
+        <p:pic>
+          <p:nvPicPr>
+            <p:cNvPr id="88" name="object 88"/>
+            <p:cNvPicPr/>
+            <p:nvPr/>
+          </p:nvPicPr>
+          <p:blipFill>
+            <a:blip r:embed="rId80" cstate="print"/>
+            <a:stretch>
+              <a:fillRect/>
+            </a:stretch>
+          </p:blipFill>
+          <p:spPr>
+            <a:xfrm>
+              <a:off x="2179221" y="16483356"/>
+              <a:ext cx="108699" cy="108705"/>
+            </a:xfrm>
+            <a:prstGeom prst="rect">
+              <a:avLst/>
+            </a:prstGeom>
+          </p:spPr>
+        </p:pic>
+        <p:pic>
+          <p:nvPicPr>
+            <p:cNvPr id="90" name="object 90"/>
+            <p:cNvPicPr/>
+            <p:nvPr/>
+          </p:nvPicPr>
+          <p:blipFill>
+            <a:blip r:embed="rId81" cstate="print"/>
+            <a:stretch>
+              <a:fillRect/>
+            </a:stretch>
+          </p:blipFill>
+          <p:spPr>
+            <a:xfrm>
+              <a:off x="4758329" y="18445188"/>
+              <a:ext cx="108705" cy="108705"/>
+            </a:xfrm>
+            <a:prstGeom prst="rect">
+              <a:avLst/>
+            </a:prstGeom>
+          </p:spPr>
+        </p:pic>
+        <p:sp>
+          <p:nvSpPr>
+            <p:cNvPr id="95" name="object 95"/>
+            <p:cNvSpPr/>
+            <p:nvPr/>
+          </p:nvSpPr>
+          <p:spPr>
+            <a:xfrm>
+              <a:off x="5990044" y="11741808"/>
+              <a:ext cx="1630045" cy="2628265"/>
+            </a:xfrm>
+            <a:custGeom>
+              <a:avLst/>
+              <a:gdLst/>
+              <a:ahLst/>
+              <a:cxnLst/>
+              <a:rect l="l" t="t" r="r" b="b"/>
+              <a:pathLst>
+                <a:path w="1630045" h="2628265">
+                  <a:moveTo>
+                    <a:pt x="1629943" y="2601925"/>
+                  </a:moveTo>
+                  <a:lnTo>
+                    <a:pt x="1495374" y="2475179"/>
+                  </a:lnTo>
+                  <a:lnTo>
+                    <a:pt x="1491589" y="2237943"/>
+                  </a:lnTo>
+                  <a:lnTo>
+                    <a:pt x="12979" y="845261"/>
+                  </a:lnTo>
+                  <a:lnTo>
+                    <a:pt x="0" y="858977"/>
+                  </a:lnTo>
+                  <a:lnTo>
+                    <a:pt x="1472857" y="2246198"/>
+                  </a:lnTo>
+                  <a:lnTo>
+                    <a:pt x="1476603" y="2483434"/>
+                  </a:lnTo>
+                  <a:lnTo>
+                    <a:pt x="1629943" y="2627871"/>
+                  </a:lnTo>
+                  <a:lnTo>
+                    <a:pt x="1629943" y="2601925"/>
+                  </a:lnTo>
+                  <a:close/>
+                </a:path>
+                <a:path w="1630045" h="2628265">
+                  <a:moveTo>
+                    <a:pt x="1629943" y="2134539"/>
+                  </a:moveTo>
+                  <a:lnTo>
+                    <a:pt x="459867" y="1032459"/>
+                  </a:lnTo>
+                  <a:lnTo>
+                    <a:pt x="446900" y="1046162"/>
+                  </a:lnTo>
+                  <a:lnTo>
+                    <a:pt x="1629943" y="2160511"/>
+                  </a:lnTo>
+                  <a:lnTo>
+                    <a:pt x="1629943" y="2134539"/>
+                  </a:lnTo>
+                  <a:close/>
+                </a:path>
+                <a:path w="1630045" h="2628265">
+                  <a:moveTo>
+                    <a:pt x="1629943" y="1900821"/>
+                  </a:moveTo>
+                  <a:lnTo>
+                    <a:pt x="1292009" y="1582521"/>
+                  </a:lnTo>
+                  <a:lnTo>
+                    <a:pt x="1279029" y="1596288"/>
+                  </a:lnTo>
+                  <a:lnTo>
+                    <a:pt x="1629943" y="1926818"/>
+                  </a:lnTo>
+                  <a:lnTo>
+                    <a:pt x="1629943" y="1900821"/>
+                  </a:lnTo>
+                  <a:close/>
+                </a:path>
+                <a:path w="1630045" h="2628265">
+                  <a:moveTo>
+                    <a:pt x="1629943" y="1667167"/>
+                  </a:moveTo>
+                  <a:lnTo>
+                    <a:pt x="1590395" y="1629918"/>
+                  </a:lnTo>
+                  <a:lnTo>
+                    <a:pt x="1586661" y="1392682"/>
+                  </a:lnTo>
+                  <a:lnTo>
+                    <a:pt x="108051" y="0"/>
+                  </a:lnTo>
+                  <a:lnTo>
+                    <a:pt x="95072" y="13716"/>
+                  </a:lnTo>
+                  <a:lnTo>
+                    <a:pt x="1567878" y="1400937"/>
+                  </a:lnTo>
+                  <a:lnTo>
+                    <a:pt x="1571625" y="1638173"/>
+                  </a:lnTo>
+                  <a:lnTo>
+                    <a:pt x="1629943" y="1693113"/>
+                  </a:lnTo>
+                  <a:lnTo>
+                    <a:pt x="1629943" y="1667167"/>
+                  </a:lnTo>
+                  <a:close/>
+                </a:path>
+              </a:pathLst>
+            </a:custGeom>
+            <a:solidFill>
+              <a:srgbClr val="F60000"/>
+            </a:solidFill>
+          </p:spPr>
+          <p:txBody>
+            <a:bodyPr wrap="square" lIns="0" tIns="0" rIns="0" bIns="0" rtlCol="0"/>
+            <a:lstStyle/>
+            <a:p>
+              <a:endParaRPr/>
+            </a:p>
+          </p:txBody>
+        </p:sp>
+        <p:grpSp>
+          <p:nvGrpSpPr>
+            <p:cNvPr id="97" name="object 97"/>
+            <p:cNvGrpSpPr/>
+            <p:nvPr/>
+          </p:nvGrpSpPr>
+          <p:grpSpPr>
+            <a:xfrm>
+              <a:off x="-25174" y="9025668"/>
+              <a:ext cx="5792470" cy="1737031"/>
+              <a:chOff x="-25174" y="4272937"/>
+              <a:chExt cx="5792470" cy="1737031"/>
+            </a:xfrm>
+          </p:grpSpPr>
+          <p:sp>
+            <p:nvSpPr>
+              <p:cNvPr id="98" name="object 98"/>
+              <p:cNvSpPr/>
+              <p:nvPr/>
+            </p:nvSpPr>
+            <p:spPr>
+              <a:xfrm>
+                <a:off x="0" y="5002858"/>
+                <a:ext cx="5568950" cy="1007110"/>
+              </a:xfrm>
+              <a:custGeom>
+                <a:avLst/>
+                <a:gdLst/>
+                <a:ahLst/>
+                <a:cxnLst/>
+                <a:rect l="l" t="t" r="r" b="b"/>
+                <a:pathLst>
+                  <a:path w="5568950" h="1007110">
+                    <a:moveTo>
+                      <a:pt x="5568340" y="503504"/>
+                    </a:moveTo>
+                    <a:lnTo>
+                      <a:pt x="5559907" y="429094"/>
+                    </a:lnTo>
+                    <a:lnTo>
+                      <a:pt x="5535384" y="358089"/>
+                    </a:lnTo>
+                    <a:lnTo>
+                      <a:pt x="5517477" y="324091"/>
+                    </a:lnTo>
+                    <a:lnTo>
+                      <a:pt x="5496001" y="291236"/>
+                    </a:lnTo>
+                    <a:lnTo>
+                      <a:pt x="5471109" y="259626"/>
+                    </a:lnTo>
+                    <a:lnTo>
+                      <a:pt x="5442940" y="229336"/>
+                    </a:lnTo>
+                    <a:lnTo>
+                      <a:pt x="5411660" y="200482"/>
+                    </a:lnTo>
+                    <a:lnTo>
+                      <a:pt x="5377421" y="173164"/>
+                    </a:lnTo>
+                    <a:lnTo>
+                      <a:pt x="5340362" y="147472"/>
+                    </a:lnTo>
+                    <a:lnTo>
+                      <a:pt x="5300637" y="123494"/>
+                    </a:lnTo>
+                    <a:lnTo>
+                      <a:pt x="5258409" y="101346"/>
+                    </a:lnTo>
+                    <a:lnTo>
+                      <a:pt x="5213807" y="81114"/>
+                    </a:lnTo>
+                    <a:lnTo>
+                      <a:pt x="5166995" y="62890"/>
+                    </a:lnTo>
+                    <a:lnTo>
+                      <a:pt x="5118112" y="46786"/>
+                    </a:lnTo>
+                    <a:lnTo>
+                      <a:pt x="5067325" y="32893"/>
+                    </a:lnTo>
+                    <a:lnTo>
+                      <a:pt x="5014785" y="21310"/>
+                    </a:lnTo>
+                    <a:lnTo>
+                      <a:pt x="4960620" y="12128"/>
+                    </a:lnTo>
+                    <a:lnTo>
+                      <a:pt x="4904994" y="5448"/>
+                    </a:lnTo>
+                    <a:lnTo>
+                      <a:pt x="4848072" y="1371"/>
+                    </a:lnTo>
+                    <a:lnTo>
+                      <a:pt x="4789983" y="0"/>
+                    </a:lnTo>
+                    <a:lnTo>
+                      <a:pt x="4731893" y="1371"/>
+                    </a:lnTo>
+                    <a:lnTo>
+                      <a:pt x="4703572" y="3403"/>
+                    </a:lnTo>
+                    <a:lnTo>
+                      <a:pt x="4703572" y="0"/>
+                    </a:lnTo>
+                    <a:lnTo>
+                      <a:pt x="0" y="0"/>
+                    </a:lnTo>
+                    <a:lnTo>
+                      <a:pt x="0" y="1007021"/>
+                    </a:lnTo>
+                    <a:lnTo>
+                      <a:pt x="4703572" y="1007021"/>
+                    </a:lnTo>
+                    <a:lnTo>
+                      <a:pt x="4703572" y="1003617"/>
+                    </a:lnTo>
+                    <a:lnTo>
+                      <a:pt x="4731893" y="1005636"/>
+                    </a:lnTo>
+                    <a:lnTo>
+                      <a:pt x="4789983" y="1007021"/>
+                    </a:lnTo>
+                    <a:lnTo>
+                      <a:pt x="4848072" y="1005636"/>
+                    </a:lnTo>
+                    <a:lnTo>
+                      <a:pt x="4904994" y="1001560"/>
+                    </a:lnTo>
+                    <a:lnTo>
+                      <a:pt x="4960620" y="994879"/>
+                    </a:lnTo>
+                    <a:lnTo>
+                      <a:pt x="5014785" y="985697"/>
+                    </a:lnTo>
+                    <a:lnTo>
+                      <a:pt x="5067325" y="974115"/>
+                    </a:lnTo>
+                    <a:lnTo>
+                      <a:pt x="5118112" y="960221"/>
+                    </a:lnTo>
+                    <a:lnTo>
+                      <a:pt x="5166995" y="944118"/>
+                    </a:lnTo>
+                    <a:lnTo>
+                      <a:pt x="5213807" y="925893"/>
+                    </a:lnTo>
+                    <a:lnTo>
+                      <a:pt x="5258409" y="905662"/>
+                    </a:lnTo>
+                    <a:lnTo>
+                      <a:pt x="5300637" y="883513"/>
+                    </a:lnTo>
+                    <a:lnTo>
+                      <a:pt x="5340362" y="859548"/>
+                    </a:lnTo>
+                    <a:lnTo>
+                      <a:pt x="5377421" y="833843"/>
+                    </a:lnTo>
+                    <a:lnTo>
+                      <a:pt x="5411660" y="806526"/>
+                    </a:lnTo>
+                    <a:lnTo>
+                      <a:pt x="5442940" y="777671"/>
+                    </a:lnTo>
+                    <a:lnTo>
+                      <a:pt x="5471109" y="747395"/>
+                    </a:lnTo>
+                    <a:lnTo>
+                      <a:pt x="5496001" y="715772"/>
+                    </a:lnTo>
+                    <a:lnTo>
+                      <a:pt x="5517477" y="682917"/>
+                    </a:lnTo>
+                    <a:lnTo>
+                      <a:pt x="5535384" y="648931"/>
+                    </a:lnTo>
+                    <a:lnTo>
+                      <a:pt x="5559907" y="577913"/>
+                    </a:lnTo>
+                    <a:lnTo>
+                      <a:pt x="5566207" y="541083"/>
+                    </a:lnTo>
+                    <a:lnTo>
+                      <a:pt x="5568340" y="503504"/>
+                    </a:lnTo>
+                    <a:close/>
+                  </a:path>
+                </a:pathLst>
+              </a:custGeom>
+              <a:solidFill>
+                <a:schemeClr val="bg2">
+                  <a:lumMod val="10000"/>
+                </a:schemeClr>
+              </a:solidFill>
+            </p:spPr>
+            <p:txBody>
+              <a:bodyPr wrap="square" lIns="0" tIns="0" rIns="0" bIns="0" rtlCol="0"/>
+              <a:lstStyle/>
+              <a:p>
+                <a:endParaRPr/>
+              </a:p>
+            </p:txBody>
+          </p:sp>
+          <p:sp>
+            <p:nvSpPr>
+              <p:cNvPr id="99" name="object 99"/>
+              <p:cNvSpPr/>
+              <p:nvPr/>
+            </p:nvSpPr>
+            <p:spPr>
+              <a:xfrm>
+                <a:off x="-25174" y="4272937"/>
+                <a:ext cx="5792470" cy="1557020"/>
+              </a:xfrm>
+              <a:custGeom>
+                <a:avLst/>
+                <a:gdLst/>
+                <a:ahLst/>
+                <a:cxnLst/>
+                <a:rect l="l" t="t" r="r" b="b"/>
+                <a:pathLst>
+                  <a:path w="5792470" h="1557020">
+                    <a:moveTo>
+                      <a:pt x="5791962" y="778357"/>
+                    </a:moveTo>
+                    <a:lnTo>
+                      <a:pt x="5790552" y="730948"/>
+                    </a:lnTo>
+                    <a:lnTo>
+                      <a:pt x="5786336" y="684288"/>
+                    </a:lnTo>
+                    <a:lnTo>
+                      <a:pt x="5779427" y="638454"/>
+                    </a:lnTo>
+                    <a:lnTo>
+                      <a:pt x="5769889" y="593534"/>
+                    </a:lnTo>
+                    <a:lnTo>
+                      <a:pt x="5757811" y="549617"/>
+                    </a:lnTo>
+                    <a:lnTo>
+                      <a:pt x="5743270" y="506768"/>
+                    </a:lnTo>
+                    <a:lnTo>
+                      <a:pt x="5726354" y="465086"/>
+                    </a:lnTo>
+                    <a:lnTo>
+                      <a:pt x="5707138" y="424637"/>
+                    </a:lnTo>
+                    <a:lnTo>
+                      <a:pt x="5685701" y="385508"/>
+                    </a:lnTo>
+                    <a:lnTo>
+                      <a:pt x="5662130" y="347789"/>
+                    </a:lnTo>
+                    <a:lnTo>
+                      <a:pt x="5636501" y="311543"/>
+                    </a:lnTo>
+                    <a:lnTo>
+                      <a:pt x="5608904" y="276872"/>
+                    </a:lnTo>
+                    <a:lnTo>
+                      <a:pt x="5579415" y="243852"/>
+                    </a:lnTo>
+                    <a:lnTo>
+                      <a:pt x="5548122" y="212547"/>
+                    </a:lnTo>
+                    <a:lnTo>
+                      <a:pt x="5515089" y="183057"/>
+                    </a:lnTo>
+                    <a:lnTo>
+                      <a:pt x="5480418" y="155460"/>
+                    </a:lnTo>
+                    <a:lnTo>
+                      <a:pt x="5444185" y="129844"/>
+                    </a:lnTo>
+                    <a:lnTo>
+                      <a:pt x="5406453" y="106273"/>
+                    </a:lnTo>
+                    <a:lnTo>
+                      <a:pt x="5367337" y="84836"/>
+                    </a:lnTo>
+                    <a:lnTo>
+                      <a:pt x="5326888" y="65620"/>
+                    </a:lnTo>
+                    <a:lnTo>
+                      <a:pt x="5285194" y="48691"/>
+                    </a:lnTo>
+                    <a:lnTo>
+                      <a:pt x="5242357" y="34150"/>
+                    </a:lnTo>
+                    <a:lnTo>
+                      <a:pt x="5198427" y="22072"/>
+                    </a:lnTo>
+                    <a:lnTo>
+                      <a:pt x="5153520" y="12534"/>
+                    </a:lnTo>
+                    <a:lnTo>
+                      <a:pt x="5107686" y="5626"/>
+                    </a:lnTo>
+                    <a:lnTo>
+                      <a:pt x="5061013" y="1422"/>
+                    </a:lnTo>
+                    <a:lnTo>
+                      <a:pt x="5013604" y="0"/>
+                    </a:lnTo>
+                    <a:lnTo>
+                      <a:pt x="4966182" y="1422"/>
+                    </a:lnTo>
+                    <a:lnTo>
+                      <a:pt x="4925580" y="5092"/>
+                    </a:lnTo>
+                    <a:lnTo>
+                      <a:pt x="4925580" y="0"/>
+                    </a:lnTo>
+                    <a:lnTo>
+                      <a:pt x="0" y="0"/>
+                    </a:lnTo>
+                    <a:lnTo>
+                      <a:pt x="0" y="1556727"/>
+                    </a:lnTo>
+                    <a:lnTo>
+                      <a:pt x="4925580" y="1556727"/>
+                    </a:lnTo>
+                    <a:lnTo>
+                      <a:pt x="4925580" y="1551647"/>
+                    </a:lnTo>
+                    <a:lnTo>
+                      <a:pt x="4966182" y="1555305"/>
+                    </a:lnTo>
+                    <a:lnTo>
+                      <a:pt x="5013604" y="1556727"/>
+                    </a:lnTo>
+                    <a:lnTo>
+                      <a:pt x="5061013" y="1555305"/>
+                    </a:lnTo>
+                    <a:lnTo>
+                      <a:pt x="5107686" y="1551101"/>
+                    </a:lnTo>
+                    <a:lnTo>
+                      <a:pt x="5153520" y="1544193"/>
+                    </a:lnTo>
+                    <a:lnTo>
+                      <a:pt x="5198427" y="1534655"/>
+                    </a:lnTo>
+                    <a:lnTo>
+                      <a:pt x="5242357" y="1522577"/>
+                    </a:lnTo>
+                    <a:lnTo>
+                      <a:pt x="5285194" y="1508036"/>
+                    </a:lnTo>
+                    <a:lnTo>
+                      <a:pt x="5326888" y="1491107"/>
+                    </a:lnTo>
+                    <a:lnTo>
+                      <a:pt x="5367337" y="1471891"/>
+                    </a:lnTo>
+                    <a:lnTo>
+                      <a:pt x="5406453" y="1450454"/>
+                    </a:lnTo>
+                    <a:lnTo>
+                      <a:pt x="5444185" y="1426883"/>
+                    </a:lnTo>
+                    <a:lnTo>
+                      <a:pt x="5480418" y="1401267"/>
+                    </a:lnTo>
+                    <a:lnTo>
+                      <a:pt x="5515089" y="1373670"/>
+                    </a:lnTo>
+                    <a:lnTo>
+                      <a:pt x="5548122" y="1344180"/>
+                    </a:lnTo>
+                    <a:lnTo>
+                      <a:pt x="5579415" y="1312875"/>
+                    </a:lnTo>
+                    <a:lnTo>
+                      <a:pt x="5608904" y="1279855"/>
+                    </a:lnTo>
+                    <a:lnTo>
+                      <a:pt x="5636501" y="1245184"/>
+                    </a:lnTo>
+                    <a:lnTo>
+                      <a:pt x="5662130" y="1208938"/>
+                    </a:lnTo>
+                    <a:lnTo>
+                      <a:pt x="5685701" y="1171219"/>
+                    </a:lnTo>
+                    <a:lnTo>
+                      <a:pt x="5707138" y="1132090"/>
+                    </a:lnTo>
+                    <a:lnTo>
+                      <a:pt x="5726354" y="1091641"/>
+                    </a:lnTo>
+                    <a:lnTo>
+                      <a:pt x="5743270" y="1049959"/>
+                    </a:lnTo>
+                    <a:lnTo>
+                      <a:pt x="5757811" y="1007110"/>
+                    </a:lnTo>
+                    <a:lnTo>
+                      <a:pt x="5769889" y="963193"/>
+                    </a:lnTo>
+                    <a:lnTo>
+                      <a:pt x="5779427" y="918273"/>
+                    </a:lnTo>
+                    <a:lnTo>
+                      <a:pt x="5786336" y="872439"/>
+                    </a:lnTo>
+                    <a:lnTo>
+                      <a:pt x="5790552" y="825779"/>
+                    </a:lnTo>
+                    <a:lnTo>
+                      <a:pt x="5791962" y="778357"/>
+                    </a:lnTo>
+                    <a:close/>
+                  </a:path>
+                </a:pathLst>
+              </a:custGeom>
+              <a:solidFill>
+                <a:schemeClr val="accent2">
+                  <a:lumMod val="50000"/>
+                </a:schemeClr>
+              </a:solidFill>
+            </p:spPr>
+            <p:txBody>
+              <a:bodyPr wrap="square" lIns="0" tIns="0" rIns="0" bIns="0" rtlCol="0"/>
+              <a:lstStyle/>
+              <a:p>
+                <a:endParaRPr dirty="0"/>
+              </a:p>
+            </p:txBody>
+          </p:sp>
+        </p:grpSp>
+        <p:grpSp>
+          <p:nvGrpSpPr>
+            <p:cNvPr id="108" name="object 97">
+              <a:extLst>
+                <a:ext uri="{FF2B5EF4-FFF2-40B4-BE49-F238E27FC236}">
+                  <a16:creationId xmlns:a16="http://schemas.microsoft.com/office/drawing/2014/main" id="{9B89E3AA-CD79-06FB-9BD4-4DF446CD73B4}"/>
+                </a:ext>
+              </a:extLst>
+            </p:cNvPr>
+            <p:cNvGrpSpPr/>
+            <p:nvPr/>
+          </p:nvGrpSpPr>
+          <p:grpSpPr>
+            <a:xfrm flipH="1">
+              <a:off x="1813379" y="11477825"/>
+              <a:ext cx="5792470" cy="1785480"/>
+              <a:chOff x="0" y="4224488"/>
+              <a:chExt cx="5792470" cy="1785480"/>
+            </a:xfrm>
+          </p:grpSpPr>
+          <p:sp>
+            <p:nvSpPr>
+              <p:cNvPr id="109" name="object 98">
+                <a:extLst>
+                  <a:ext uri="{FF2B5EF4-FFF2-40B4-BE49-F238E27FC236}">
+                    <a16:creationId xmlns:a16="http://schemas.microsoft.com/office/drawing/2014/main" id="{C8355593-5D8E-C89A-BAFB-82EF525D1E84}"/>
+                  </a:ext>
+                </a:extLst>
+              </p:cNvPr>
+              <p:cNvSpPr/>
+              <p:nvPr/>
+            </p:nvSpPr>
+            <p:spPr>
+              <a:xfrm>
+                <a:off x="0" y="5002858"/>
+                <a:ext cx="5568950" cy="1007110"/>
+              </a:xfrm>
+              <a:custGeom>
+                <a:avLst/>
+                <a:gdLst/>
+                <a:ahLst/>
+                <a:cxnLst/>
+                <a:rect l="l" t="t" r="r" b="b"/>
+                <a:pathLst>
+                  <a:path w="5568950" h="1007110">
+                    <a:moveTo>
+                      <a:pt x="5568340" y="503504"/>
+                    </a:moveTo>
+                    <a:lnTo>
+                      <a:pt x="5559907" y="429094"/>
+                    </a:lnTo>
+                    <a:lnTo>
+                      <a:pt x="5535384" y="358089"/>
+                    </a:lnTo>
+                    <a:lnTo>
+                      <a:pt x="5517477" y="324091"/>
+                    </a:lnTo>
+                    <a:lnTo>
+                      <a:pt x="5496001" y="291236"/>
+                    </a:lnTo>
+                    <a:lnTo>
+                      <a:pt x="5471109" y="259626"/>
+                    </a:lnTo>
+                    <a:lnTo>
+                      <a:pt x="5442940" y="229336"/>
+                    </a:lnTo>
+                    <a:lnTo>
+                      <a:pt x="5411660" y="200482"/>
+                    </a:lnTo>
+                    <a:lnTo>
+                      <a:pt x="5377421" y="173164"/>
+                    </a:lnTo>
+                    <a:lnTo>
+                      <a:pt x="5340362" y="147472"/>
+                    </a:lnTo>
+                    <a:lnTo>
+                      <a:pt x="5300637" y="123494"/>
+                    </a:lnTo>
+                    <a:lnTo>
+                      <a:pt x="5258409" y="101346"/>
+                    </a:lnTo>
+                    <a:lnTo>
+                      <a:pt x="5213807" y="81114"/>
+                    </a:lnTo>
+                    <a:lnTo>
+                      <a:pt x="5166995" y="62890"/>
+                    </a:lnTo>
+                    <a:lnTo>
+                      <a:pt x="5118112" y="46786"/>
+                    </a:lnTo>
+                    <a:lnTo>
+                      <a:pt x="5067325" y="32893"/>
+                    </a:lnTo>
+                    <a:lnTo>
+                      <a:pt x="5014785" y="21310"/>
+                    </a:lnTo>
+                    <a:lnTo>
+                      <a:pt x="4960620" y="12128"/>
+                    </a:lnTo>
+                    <a:lnTo>
+                      <a:pt x="4904994" y="5448"/>
+                    </a:lnTo>
+                    <a:lnTo>
+                      <a:pt x="4848072" y="1371"/>
+                    </a:lnTo>
+                    <a:lnTo>
+                      <a:pt x="4789983" y="0"/>
+                    </a:lnTo>
+                    <a:lnTo>
+                      <a:pt x="4731893" y="1371"/>
+                    </a:lnTo>
+                    <a:lnTo>
+                      <a:pt x="4703572" y="3403"/>
+                    </a:lnTo>
+                    <a:lnTo>
+                      <a:pt x="4703572" y="0"/>
+                    </a:lnTo>
+                    <a:lnTo>
+                      <a:pt x="0" y="0"/>
+                    </a:lnTo>
+                    <a:lnTo>
+                      <a:pt x="0" y="1007021"/>
+                    </a:lnTo>
+                    <a:lnTo>
+                      <a:pt x="4703572" y="1007021"/>
+                    </a:lnTo>
+                    <a:lnTo>
+                      <a:pt x="4703572" y="1003617"/>
+                    </a:lnTo>
+                    <a:lnTo>
+                      <a:pt x="4731893" y="1005636"/>
+                    </a:lnTo>
+                    <a:lnTo>
+                      <a:pt x="4789983" y="1007021"/>
+                    </a:lnTo>
+                    <a:lnTo>
+                      <a:pt x="4848072" y="1005636"/>
+                    </a:lnTo>
+                    <a:lnTo>
+                      <a:pt x="4904994" y="1001560"/>
+                    </a:lnTo>
+                    <a:lnTo>
+                      <a:pt x="4960620" y="994879"/>
+                    </a:lnTo>
+                    <a:lnTo>
+                      <a:pt x="5014785" y="985697"/>
+                    </a:lnTo>
+                    <a:lnTo>
+                      <a:pt x="5067325" y="974115"/>
+                    </a:lnTo>
+                    <a:lnTo>
+                      <a:pt x="5118112" y="960221"/>
+                    </a:lnTo>
+                    <a:lnTo>
+                      <a:pt x="5166995" y="944118"/>
+                    </a:lnTo>
+                    <a:lnTo>
+                      <a:pt x="5213807" y="925893"/>
+                    </a:lnTo>
+                    <a:lnTo>
+                      <a:pt x="5258409" y="905662"/>
+                    </a:lnTo>
+                    <a:lnTo>
+                      <a:pt x="5300637" y="883513"/>
+                    </a:lnTo>
+                    <a:lnTo>
+                      <a:pt x="5340362" y="859548"/>
+                    </a:lnTo>
+                    <a:lnTo>
+                      <a:pt x="5377421" y="833843"/>
+                    </a:lnTo>
+                    <a:lnTo>
+                      <a:pt x="5411660" y="806526"/>
+                    </a:lnTo>
+                    <a:lnTo>
+                      <a:pt x="5442940" y="777671"/>
+                    </a:lnTo>
+                    <a:lnTo>
+                      <a:pt x="5471109" y="747395"/>
+                    </a:lnTo>
+                    <a:lnTo>
+                      <a:pt x="5496001" y="715772"/>
+                    </a:lnTo>
+                    <a:lnTo>
+                      <a:pt x="5517477" y="682917"/>
+                    </a:lnTo>
+                    <a:lnTo>
+                      <a:pt x="5535384" y="648931"/>
+                    </a:lnTo>
+                    <a:lnTo>
+                      <a:pt x="5559907" y="577913"/>
+                    </a:lnTo>
+                    <a:lnTo>
+                      <a:pt x="5566207" y="541083"/>
+                    </a:lnTo>
+                    <a:lnTo>
+                      <a:pt x="5568340" y="503504"/>
+                    </a:lnTo>
+                    <a:close/>
+                  </a:path>
+                </a:pathLst>
+              </a:custGeom>
+              <a:solidFill>
+                <a:schemeClr val="tx1">
+                  <a:lumMod val="95000"/>
+                  <a:lumOff val="5000"/>
+                </a:schemeClr>
+              </a:solidFill>
+            </p:spPr>
+            <p:txBody>
+              <a:bodyPr wrap="square" lIns="0" tIns="0" rIns="0" bIns="0" rtlCol="0"/>
+              <a:lstStyle/>
+              <a:p>
+                <a:endParaRPr/>
+              </a:p>
+            </p:txBody>
+          </p:sp>
+          <p:sp>
+            <p:nvSpPr>
+              <p:cNvPr id="110" name="object 99">
+                <a:extLst>
+                  <a:ext uri="{FF2B5EF4-FFF2-40B4-BE49-F238E27FC236}">
+                    <a16:creationId xmlns:a16="http://schemas.microsoft.com/office/drawing/2014/main" id="{2A78A21F-6FD0-444E-89FE-A982071511D1}"/>
+                  </a:ext>
+                </a:extLst>
+              </p:cNvPr>
+              <p:cNvSpPr/>
+              <p:nvPr/>
+            </p:nvSpPr>
+            <p:spPr>
+              <a:xfrm>
+                <a:off x="0" y="4224488"/>
+                <a:ext cx="5792470" cy="1557020"/>
+              </a:xfrm>
+              <a:custGeom>
+                <a:avLst/>
+                <a:gdLst/>
+                <a:ahLst/>
+                <a:cxnLst/>
+                <a:rect l="l" t="t" r="r" b="b"/>
+                <a:pathLst>
+                  <a:path w="5792470" h="1557020">
+                    <a:moveTo>
+                      <a:pt x="5791962" y="778357"/>
+                    </a:moveTo>
+                    <a:lnTo>
+                      <a:pt x="5790552" y="730948"/>
+                    </a:lnTo>
+                    <a:lnTo>
+                      <a:pt x="5786336" y="684288"/>
+                    </a:lnTo>
+                    <a:lnTo>
+                      <a:pt x="5779427" y="638454"/>
+                    </a:lnTo>
+                    <a:lnTo>
+                      <a:pt x="5769889" y="593534"/>
+                    </a:lnTo>
+                    <a:lnTo>
+                      <a:pt x="5757811" y="549617"/>
+                    </a:lnTo>
+                    <a:lnTo>
+                      <a:pt x="5743270" y="506768"/>
+                    </a:lnTo>
+                    <a:lnTo>
+                      <a:pt x="5726354" y="465086"/>
+                    </a:lnTo>
+                    <a:lnTo>
+                      <a:pt x="5707138" y="424637"/>
+                    </a:lnTo>
+                    <a:lnTo>
+                      <a:pt x="5685701" y="385508"/>
+                    </a:lnTo>
+                    <a:lnTo>
+                      <a:pt x="5662130" y="347789"/>
+                    </a:lnTo>
+                    <a:lnTo>
+                      <a:pt x="5636501" y="311543"/>
+                    </a:lnTo>
+                    <a:lnTo>
+                      <a:pt x="5608904" y="276872"/>
+                    </a:lnTo>
+                    <a:lnTo>
+                      <a:pt x="5579415" y="243852"/>
+                    </a:lnTo>
+                    <a:lnTo>
+                      <a:pt x="5548122" y="212547"/>
+                    </a:lnTo>
+                    <a:lnTo>
+                      <a:pt x="5515089" y="183057"/>
+                    </a:lnTo>
+                    <a:lnTo>
+                      <a:pt x="5480418" y="155460"/>
+                    </a:lnTo>
+                    <a:lnTo>
+                      <a:pt x="5444185" y="129844"/>
+                    </a:lnTo>
+                    <a:lnTo>
+                      <a:pt x="5406453" y="106273"/>
+                    </a:lnTo>
+                    <a:lnTo>
+                      <a:pt x="5367337" y="84836"/>
+                    </a:lnTo>
+                    <a:lnTo>
+                      <a:pt x="5326888" y="65620"/>
+                    </a:lnTo>
+                    <a:lnTo>
+                      <a:pt x="5285194" y="48691"/>
+                    </a:lnTo>
+                    <a:lnTo>
+                      <a:pt x="5242357" y="34150"/>
+                    </a:lnTo>
+                    <a:lnTo>
+                      <a:pt x="5198427" y="22072"/>
+                    </a:lnTo>
+                    <a:lnTo>
+                      <a:pt x="5153520" y="12534"/>
+                    </a:lnTo>
+                    <a:lnTo>
+                      <a:pt x="5107686" y="5626"/>
+                    </a:lnTo>
+                    <a:lnTo>
+                      <a:pt x="5061013" y="1422"/>
+                    </a:lnTo>
+                    <a:lnTo>
+                      <a:pt x="5013604" y="0"/>
+                    </a:lnTo>
+                    <a:lnTo>
+                      <a:pt x="4966182" y="1422"/>
+                    </a:lnTo>
+                    <a:lnTo>
+                      <a:pt x="4925580" y="5092"/>
+                    </a:lnTo>
+                    <a:lnTo>
+                      <a:pt x="4925580" y="0"/>
+                    </a:lnTo>
+                    <a:lnTo>
+                      <a:pt x="0" y="0"/>
+                    </a:lnTo>
+                    <a:lnTo>
+                      <a:pt x="0" y="1556727"/>
+                    </a:lnTo>
+                    <a:lnTo>
+                      <a:pt x="4925580" y="1556727"/>
+                    </a:lnTo>
+                    <a:lnTo>
+                      <a:pt x="4925580" y="1551647"/>
+                    </a:lnTo>
+                    <a:lnTo>
+                      <a:pt x="4966182" y="1555305"/>
+                    </a:lnTo>
+                    <a:lnTo>
+                      <a:pt x="5013604" y="1556727"/>
+                    </a:lnTo>
+                    <a:lnTo>
+                      <a:pt x="5061013" y="1555305"/>
+                    </a:lnTo>
+                    <a:lnTo>
+                      <a:pt x="5107686" y="1551101"/>
+                    </a:lnTo>
+                    <a:lnTo>
+                      <a:pt x="5153520" y="1544193"/>
+                    </a:lnTo>
+                    <a:lnTo>
+                      <a:pt x="5198427" y="1534655"/>
+                    </a:lnTo>
+                    <a:lnTo>
+                      <a:pt x="5242357" y="1522577"/>
+                    </a:lnTo>
+                    <a:lnTo>
+                      <a:pt x="5285194" y="1508036"/>
+                    </a:lnTo>
+                    <a:lnTo>
+                      <a:pt x="5326888" y="1491107"/>
+                    </a:lnTo>
+                    <a:lnTo>
+                      <a:pt x="5367337" y="1471891"/>
+                    </a:lnTo>
+                    <a:lnTo>
+                      <a:pt x="5406453" y="1450454"/>
+                    </a:lnTo>
+                    <a:lnTo>
+                      <a:pt x="5444185" y="1426883"/>
+                    </a:lnTo>
+                    <a:lnTo>
+                      <a:pt x="5480418" y="1401267"/>
+                    </a:lnTo>
+                    <a:lnTo>
+                      <a:pt x="5515089" y="1373670"/>
+                    </a:lnTo>
+                    <a:lnTo>
+                      <a:pt x="5548122" y="1344180"/>
+                    </a:lnTo>
+                    <a:lnTo>
+                      <a:pt x="5579415" y="1312875"/>
+                    </a:lnTo>
+                    <a:lnTo>
+                      <a:pt x="5608904" y="1279855"/>
+                    </a:lnTo>
+                    <a:lnTo>
+                      <a:pt x="5636501" y="1245184"/>
+                    </a:lnTo>
+                    <a:lnTo>
+                      <a:pt x="5662130" y="1208938"/>
+                    </a:lnTo>
+                    <a:lnTo>
+                      <a:pt x="5685701" y="1171219"/>
+                    </a:lnTo>
+                    <a:lnTo>
+                      <a:pt x="5707138" y="1132090"/>
+                    </a:lnTo>
+                    <a:lnTo>
+                      <a:pt x="5726354" y="1091641"/>
+                    </a:lnTo>
+                    <a:lnTo>
+                      <a:pt x="5743270" y="1049959"/>
+                    </a:lnTo>
+                    <a:lnTo>
+                      <a:pt x="5757811" y="1007110"/>
+                    </a:lnTo>
+                    <a:lnTo>
+                      <a:pt x="5769889" y="963193"/>
+                    </a:lnTo>
+                    <a:lnTo>
+                      <a:pt x="5779427" y="918273"/>
+                    </a:lnTo>
+                    <a:lnTo>
+                      <a:pt x="5786336" y="872439"/>
+                    </a:lnTo>
+                    <a:lnTo>
+                      <a:pt x="5790552" y="825779"/>
+                    </a:lnTo>
+                    <a:lnTo>
+                      <a:pt x="5791962" y="778357"/>
+                    </a:lnTo>
+                    <a:close/>
+                  </a:path>
+                </a:pathLst>
+              </a:custGeom>
+              <a:solidFill>
+                <a:schemeClr val="accent2">
+                  <a:lumMod val="50000"/>
+                </a:schemeClr>
+              </a:solidFill>
+            </p:spPr>
+            <p:txBody>
+              <a:bodyPr wrap="square" lIns="0" tIns="0" rIns="0" bIns="0" rtlCol="0"/>
+              <a:lstStyle/>
+              <a:p>
+                <a:endParaRPr dirty="0"/>
+              </a:p>
+            </p:txBody>
+          </p:sp>
+        </p:grpSp>
+        <p:grpSp>
+          <p:nvGrpSpPr>
+            <p:cNvPr id="111" name="object 97">
+              <a:extLst>
+                <a:ext uri="{FF2B5EF4-FFF2-40B4-BE49-F238E27FC236}">
+                  <a16:creationId xmlns:a16="http://schemas.microsoft.com/office/drawing/2014/main" id="{26D05A86-3FF1-8B62-AA2B-1D96EB9BD4BE}"/>
+                </a:ext>
+              </a:extLst>
+            </p:cNvPr>
+            <p:cNvGrpSpPr/>
+            <p:nvPr/>
+          </p:nvGrpSpPr>
+          <p:grpSpPr>
+            <a:xfrm>
+              <a:off x="0" y="13945857"/>
+              <a:ext cx="5792470" cy="1785620"/>
+              <a:chOff x="0" y="4224482"/>
+              <a:chExt cx="5792470" cy="1785620"/>
+            </a:xfrm>
+          </p:grpSpPr>
+          <p:sp>
+            <p:nvSpPr>
+              <p:cNvPr id="112" name="object 98">
+                <a:extLst>
+                  <a:ext uri="{FF2B5EF4-FFF2-40B4-BE49-F238E27FC236}">
+                    <a16:creationId xmlns:a16="http://schemas.microsoft.com/office/drawing/2014/main" id="{EA1AB595-D33F-AE60-2471-F6CA593E2DCA}"/>
+                  </a:ext>
+                </a:extLst>
+              </p:cNvPr>
+              <p:cNvSpPr/>
+              <p:nvPr/>
+            </p:nvSpPr>
+            <p:spPr>
+              <a:xfrm>
+                <a:off x="0" y="5002858"/>
+                <a:ext cx="5568950" cy="1007110"/>
+              </a:xfrm>
+              <a:custGeom>
+                <a:avLst/>
+                <a:gdLst/>
+                <a:ahLst/>
+                <a:cxnLst/>
+                <a:rect l="l" t="t" r="r" b="b"/>
+                <a:pathLst>
+                  <a:path w="5568950" h="1007110">
+                    <a:moveTo>
+                      <a:pt x="5568340" y="503504"/>
+                    </a:moveTo>
+                    <a:lnTo>
+                      <a:pt x="5559907" y="429094"/>
+                    </a:lnTo>
+                    <a:lnTo>
+                      <a:pt x="5535384" y="358089"/>
+                    </a:lnTo>
+                    <a:lnTo>
+                      <a:pt x="5517477" y="324091"/>
+                    </a:lnTo>
+                    <a:lnTo>
+                      <a:pt x="5496001" y="291236"/>
+                    </a:lnTo>
+                    <a:lnTo>
+                      <a:pt x="5471109" y="259626"/>
+                    </a:lnTo>
+                    <a:lnTo>
+                      <a:pt x="5442940" y="229336"/>
+                    </a:lnTo>
+                    <a:lnTo>
+                      <a:pt x="5411660" y="200482"/>
+                    </a:lnTo>
+                    <a:lnTo>
+                      <a:pt x="5377421" y="173164"/>
+                    </a:lnTo>
+                    <a:lnTo>
+                      <a:pt x="5340362" y="147472"/>
+                    </a:lnTo>
+                    <a:lnTo>
+                      <a:pt x="5300637" y="123494"/>
+                    </a:lnTo>
+                    <a:lnTo>
+                      <a:pt x="5258409" y="101346"/>
+                    </a:lnTo>
+                    <a:lnTo>
+                      <a:pt x="5213807" y="81114"/>
+                    </a:lnTo>
+                    <a:lnTo>
+                      <a:pt x="5166995" y="62890"/>
+                    </a:lnTo>
+                    <a:lnTo>
+                      <a:pt x="5118112" y="46786"/>
+                    </a:lnTo>
+                    <a:lnTo>
+                      <a:pt x="5067325" y="32893"/>
+                    </a:lnTo>
+                    <a:lnTo>
+                      <a:pt x="5014785" y="21310"/>
+                    </a:lnTo>
+                    <a:lnTo>
+                      <a:pt x="4960620" y="12128"/>
+                    </a:lnTo>
+                    <a:lnTo>
+                      <a:pt x="4904994" y="5448"/>
+                    </a:lnTo>
+                    <a:lnTo>
+                      <a:pt x="4848072" y="1371"/>
+                    </a:lnTo>
+                    <a:lnTo>
+                      <a:pt x="4789983" y="0"/>
+                    </a:lnTo>
+                    <a:lnTo>
+                      <a:pt x="4731893" y="1371"/>
+                    </a:lnTo>
+                    <a:lnTo>
+                      <a:pt x="4703572" y="3403"/>
+                    </a:lnTo>
+                    <a:lnTo>
+                      <a:pt x="4703572" y="0"/>
+                    </a:lnTo>
+                    <a:lnTo>
+                      <a:pt x="0" y="0"/>
+                    </a:lnTo>
+                    <a:lnTo>
+                      <a:pt x="0" y="1007021"/>
+                    </a:lnTo>
+                    <a:lnTo>
+                      <a:pt x="4703572" y="1007021"/>
+                    </a:lnTo>
+                    <a:lnTo>
+                      <a:pt x="4703572" y="1003617"/>
+                    </a:lnTo>
+                    <a:lnTo>
+                      <a:pt x="4731893" y="1005636"/>
+                    </a:lnTo>
+                    <a:lnTo>
+                      <a:pt x="4789983" y="1007021"/>
+                    </a:lnTo>
+                    <a:lnTo>
+                      <a:pt x="4848072" y="1005636"/>
+                    </a:lnTo>
+                    <a:lnTo>
+                      <a:pt x="4904994" y="1001560"/>
+                    </a:lnTo>
+                    <a:lnTo>
+                      <a:pt x="4960620" y="994879"/>
+                    </a:lnTo>
+                    <a:lnTo>
+                      <a:pt x="5014785" y="985697"/>
+                    </a:lnTo>
+                    <a:lnTo>
+                      <a:pt x="5067325" y="974115"/>
+                    </a:lnTo>
+                    <a:lnTo>
+                      <a:pt x="5118112" y="960221"/>
+                    </a:lnTo>
+                    <a:lnTo>
+                      <a:pt x="5166995" y="944118"/>
+                    </a:lnTo>
+                    <a:lnTo>
+                      <a:pt x="5213807" y="925893"/>
+                    </a:lnTo>
+                    <a:lnTo>
+                      <a:pt x="5258409" y="905662"/>
+                    </a:lnTo>
+                    <a:lnTo>
+                      <a:pt x="5300637" y="883513"/>
+                    </a:lnTo>
+                    <a:lnTo>
+                      <a:pt x="5340362" y="859548"/>
+                    </a:lnTo>
+                    <a:lnTo>
+                      <a:pt x="5377421" y="833843"/>
+                    </a:lnTo>
+                    <a:lnTo>
+                      <a:pt x="5411660" y="806526"/>
+                    </a:lnTo>
+                    <a:lnTo>
+                      <a:pt x="5442940" y="777671"/>
+                    </a:lnTo>
+                    <a:lnTo>
+                      <a:pt x="5471109" y="747395"/>
+                    </a:lnTo>
+                    <a:lnTo>
+                      <a:pt x="5496001" y="715772"/>
+                    </a:lnTo>
+                    <a:lnTo>
+                      <a:pt x="5517477" y="682917"/>
+                    </a:lnTo>
+                    <a:lnTo>
+                      <a:pt x="5535384" y="648931"/>
+                    </a:lnTo>
+                    <a:lnTo>
+                      <a:pt x="5559907" y="577913"/>
+                    </a:lnTo>
+                    <a:lnTo>
+                      <a:pt x="5566207" y="541083"/>
+                    </a:lnTo>
+                    <a:lnTo>
+                      <a:pt x="5568340" y="503504"/>
+                    </a:lnTo>
+                    <a:close/>
+                  </a:path>
+                </a:pathLst>
+              </a:custGeom>
+              <a:solidFill>
+                <a:schemeClr val="tx1">
+                  <a:lumMod val="95000"/>
+                  <a:lumOff val="5000"/>
+                </a:schemeClr>
+              </a:solidFill>
+            </p:spPr>
+            <p:txBody>
+              <a:bodyPr wrap="square" lIns="0" tIns="0" rIns="0" bIns="0" rtlCol="0"/>
+              <a:lstStyle/>
+              <a:p>
+                <a:endParaRPr/>
+              </a:p>
+            </p:txBody>
+          </p:sp>
+          <p:sp>
+            <p:nvSpPr>
+              <p:cNvPr id="113" name="object 99">
+                <a:extLst>
+                  <a:ext uri="{FF2B5EF4-FFF2-40B4-BE49-F238E27FC236}">
+                    <a16:creationId xmlns:a16="http://schemas.microsoft.com/office/drawing/2014/main" id="{0556C4B2-383B-22E5-8593-E2F1A3823F2A}"/>
+                  </a:ext>
+                </a:extLst>
+              </p:cNvPr>
+              <p:cNvSpPr/>
+              <p:nvPr/>
+            </p:nvSpPr>
+            <p:spPr>
+              <a:xfrm>
+                <a:off x="0" y="4224488"/>
+                <a:ext cx="5792470" cy="1557020"/>
+              </a:xfrm>
+              <a:custGeom>
+                <a:avLst/>
+                <a:gdLst/>
+                <a:ahLst/>
+                <a:cxnLst/>
+                <a:rect l="l" t="t" r="r" b="b"/>
+                <a:pathLst>
+                  <a:path w="5792470" h="1557020">
+                    <a:moveTo>
+                      <a:pt x="5791962" y="778357"/>
+                    </a:moveTo>
+                    <a:lnTo>
+                      <a:pt x="5790552" y="730948"/>
+                    </a:lnTo>
+                    <a:lnTo>
+                      <a:pt x="5786336" y="684288"/>
+                    </a:lnTo>
+                    <a:lnTo>
+                      <a:pt x="5779427" y="638454"/>
+                    </a:lnTo>
+                    <a:lnTo>
+                      <a:pt x="5769889" y="593534"/>
+                    </a:lnTo>
+                    <a:lnTo>
+                      <a:pt x="5757811" y="549617"/>
+                    </a:lnTo>
+                    <a:lnTo>
+                      <a:pt x="5743270" y="506768"/>
+                    </a:lnTo>
+                    <a:lnTo>
+                      <a:pt x="5726354" y="465086"/>
+                    </a:lnTo>
+                    <a:lnTo>
+                      <a:pt x="5707138" y="424637"/>
+                    </a:lnTo>
+                    <a:lnTo>
+                      <a:pt x="5685701" y="385508"/>
+                    </a:lnTo>
+                    <a:lnTo>
+                      <a:pt x="5662130" y="347789"/>
+                    </a:lnTo>
+                    <a:lnTo>
+                      <a:pt x="5636501" y="311543"/>
+                    </a:lnTo>
+                    <a:lnTo>
+                      <a:pt x="5608904" y="276872"/>
+                    </a:lnTo>
+                    <a:lnTo>
+                      <a:pt x="5579415" y="243852"/>
+                    </a:lnTo>
+                    <a:lnTo>
+                      <a:pt x="5548122" y="212547"/>
+                    </a:lnTo>
+                    <a:lnTo>
+                      <a:pt x="5515089" y="183057"/>
+                    </a:lnTo>
+                    <a:lnTo>
+                      <a:pt x="5480418" y="155460"/>
+                    </a:lnTo>
+                    <a:lnTo>
+                      <a:pt x="5444185" y="129844"/>
+                    </a:lnTo>
+                    <a:lnTo>
+                      <a:pt x="5406453" y="106273"/>
+                    </a:lnTo>
+                    <a:lnTo>
+                      <a:pt x="5367337" y="84836"/>
+                    </a:lnTo>
+                    <a:lnTo>
+                      <a:pt x="5326888" y="65620"/>
+                    </a:lnTo>
+                    <a:lnTo>
+                      <a:pt x="5285194" y="48691"/>
+                    </a:lnTo>
+                    <a:lnTo>
+                      <a:pt x="5242357" y="34150"/>
+                    </a:lnTo>
+                    <a:lnTo>
+                      <a:pt x="5198427" y="22072"/>
+                    </a:lnTo>
+                    <a:lnTo>
+                      <a:pt x="5153520" y="12534"/>
+                    </a:lnTo>
+                    <a:lnTo>
+                      <a:pt x="5107686" y="5626"/>
+                    </a:lnTo>
+                    <a:lnTo>
+                      <a:pt x="5061013" y="1422"/>
+                    </a:lnTo>
+                    <a:lnTo>
+                      <a:pt x="5013604" y="0"/>
+                    </a:lnTo>
+                    <a:lnTo>
+                      <a:pt x="4966182" y="1422"/>
+                    </a:lnTo>
+                    <a:lnTo>
+                      <a:pt x="4925580" y="5092"/>
+                    </a:lnTo>
+                    <a:lnTo>
+                      <a:pt x="4925580" y="0"/>
+                    </a:lnTo>
+                    <a:lnTo>
+                      <a:pt x="0" y="0"/>
+                    </a:lnTo>
+                    <a:lnTo>
+                      <a:pt x="0" y="1556727"/>
+                    </a:lnTo>
+                    <a:lnTo>
+                      <a:pt x="4925580" y="1556727"/>
+                    </a:lnTo>
+                    <a:lnTo>
+                      <a:pt x="4925580" y="1551647"/>
+                    </a:lnTo>
+                    <a:lnTo>
+                      <a:pt x="4966182" y="1555305"/>
+                    </a:lnTo>
+                    <a:lnTo>
+                      <a:pt x="5013604" y="1556727"/>
+                    </a:lnTo>
+                    <a:lnTo>
+                      <a:pt x="5061013" y="1555305"/>
+                    </a:lnTo>
+                    <a:lnTo>
+                      <a:pt x="5107686" y="1551101"/>
+                    </a:lnTo>
+                    <a:lnTo>
+                      <a:pt x="5153520" y="1544193"/>
+                    </a:lnTo>
+                    <a:lnTo>
+                      <a:pt x="5198427" y="1534655"/>
+                    </a:lnTo>
+                    <a:lnTo>
+                      <a:pt x="5242357" y="1522577"/>
+                    </a:lnTo>
+                    <a:lnTo>
+                      <a:pt x="5285194" y="1508036"/>
+                    </a:lnTo>
+                    <a:lnTo>
+                      <a:pt x="5326888" y="1491107"/>
+                    </a:lnTo>
+                    <a:lnTo>
+                      <a:pt x="5367337" y="1471891"/>
+                    </a:lnTo>
+                    <a:lnTo>
+                      <a:pt x="5406453" y="1450454"/>
+                    </a:lnTo>
+                    <a:lnTo>
+                      <a:pt x="5444185" y="1426883"/>
+                    </a:lnTo>
+                    <a:lnTo>
+                      <a:pt x="5480418" y="1401267"/>
+                    </a:lnTo>
+                    <a:lnTo>
+                      <a:pt x="5515089" y="1373670"/>
+                    </a:lnTo>
+                    <a:lnTo>
+                      <a:pt x="5548122" y="1344180"/>
+                    </a:lnTo>
+                    <a:lnTo>
+                      <a:pt x="5579415" y="1312875"/>
+                    </a:lnTo>
+                    <a:lnTo>
+                      <a:pt x="5608904" y="1279855"/>
+                    </a:lnTo>
+                    <a:lnTo>
+                      <a:pt x="5636501" y="1245184"/>
+                    </a:lnTo>
+                    <a:lnTo>
+                      <a:pt x="5662130" y="1208938"/>
+                    </a:lnTo>
+                    <a:lnTo>
+                      <a:pt x="5685701" y="1171219"/>
+                    </a:lnTo>
+                    <a:lnTo>
+                      <a:pt x="5707138" y="1132090"/>
+                    </a:lnTo>
+                    <a:lnTo>
+                      <a:pt x="5726354" y="1091641"/>
+                    </a:lnTo>
+                    <a:lnTo>
+                      <a:pt x="5743270" y="1049959"/>
+                    </a:lnTo>
+                    <a:lnTo>
+                      <a:pt x="5757811" y="1007110"/>
+                    </a:lnTo>
+                    <a:lnTo>
+                      <a:pt x="5769889" y="963193"/>
+                    </a:lnTo>
+                    <a:lnTo>
+                      <a:pt x="5779427" y="918273"/>
+                    </a:lnTo>
+                    <a:lnTo>
+                      <a:pt x="5786336" y="872439"/>
+                    </a:lnTo>
+                    <a:lnTo>
+                      <a:pt x="5790552" y="825779"/>
+                    </a:lnTo>
+                    <a:lnTo>
+                      <a:pt x="5791962" y="778357"/>
+                    </a:lnTo>
+                    <a:close/>
+                  </a:path>
+                </a:pathLst>
+              </a:custGeom>
+              <a:solidFill>
+                <a:schemeClr val="accent2">
+                  <a:lumMod val="50000"/>
+                </a:schemeClr>
+              </a:solidFill>
+            </p:spPr>
+            <p:txBody>
+              <a:bodyPr wrap="square" lIns="0" tIns="0" rIns="0" bIns="0" rtlCol="0"/>
+              <a:lstStyle/>
+              <a:p>
+                <a:endParaRPr dirty="0"/>
+              </a:p>
+            </p:txBody>
+          </p:sp>
+        </p:grpSp>
+        <p:grpSp>
+          <p:nvGrpSpPr>
+            <p:cNvPr id="114" name="object 97">
+              <a:extLst>
+                <a:ext uri="{FF2B5EF4-FFF2-40B4-BE49-F238E27FC236}">
+                  <a16:creationId xmlns:a16="http://schemas.microsoft.com/office/drawing/2014/main" id="{1843F729-C95D-A3C3-CED1-A4BD328763EF}"/>
+                </a:ext>
+              </a:extLst>
+            </p:cNvPr>
+            <p:cNvGrpSpPr/>
+            <p:nvPr/>
+          </p:nvGrpSpPr>
+          <p:grpSpPr>
+            <a:xfrm flipH="1">
+              <a:off x="1860732" y="16467652"/>
+              <a:ext cx="5792470" cy="1785480"/>
+              <a:chOff x="0" y="4224488"/>
+              <a:chExt cx="5792470" cy="1785480"/>
+            </a:xfrm>
+          </p:grpSpPr>
+          <p:sp>
+            <p:nvSpPr>
+              <p:cNvPr id="115" name="object 98">
+                <a:extLst>
+                  <a:ext uri="{FF2B5EF4-FFF2-40B4-BE49-F238E27FC236}">
+                    <a16:creationId xmlns:a16="http://schemas.microsoft.com/office/drawing/2014/main" id="{D8008B3F-FB8C-35E4-ADA3-A70A2E63BD9D}"/>
+                  </a:ext>
+                </a:extLst>
+              </p:cNvPr>
+              <p:cNvSpPr/>
+              <p:nvPr/>
+            </p:nvSpPr>
+            <p:spPr>
+              <a:xfrm>
+                <a:off x="0" y="5002858"/>
+                <a:ext cx="5568950" cy="1007110"/>
+              </a:xfrm>
+              <a:custGeom>
+                <a:avLst/>
+                <a:gdLst/>
+                <a:ahLst/>
+                <a:cxnLst/>
+                <a:rect l="l" t="t" r="r" b="b"/>
+                <a:pathLst>
+                  <a:path w="5568950" h="1007110">
+                    <a:moveTo>
+                      <a:pt x="5568340" y="503504"/>
+                    </a:moveTo>
+                    <a:lnTo>
+                      <a:pt x="5559907" y="429094"/>
+                    </a:lnTo>
+                    <a:lnTo>
+                      <a:pt x="5535384" y="358089"/>
+                    </a:lnTo>
+                    <a:lnTo>
+                      <a:pt x="5517477" y="324091"/>
+                    </a:lnTo>
+                    <a:lnTo>
+                      <a:pt x="5496001" y="291236"/>
+                    </a:lnTo>
+                    <a:lnTo>
+                      <a:pt x="5471109" y="259626"/>
+                    </a:lnTo>
+                    <a:lnTo>
+                      <a:pt x="5442940" y="229336"/>
+                    </a:lnTo>
+                    <a:lnTo>
+                      <a:pt x="5411660" y="200482"/>
+                    </a:lnTo>
+                    <a:lnTo>
+                      <a:pt x="5377421" y="173164"/>
+                    </a:lnTo>
+                    <a:lnTo>
+                      <a:pt x="5340362" y="147472"/>
+                    </a:lnTo>
+                    <a:lnTo>
+                      <a:pt x="5300637" y="123494"/>
+                    </a:lnTo>
+                    <a:lnTo>
+                      <a:pt x="5258409" y="101346"/>
+                    </a:lnTo>
+                    <a:lnTo>
+                      <a:pt x="5213807" y="81114"/>
+                    </a:lnTo>
+                    <a:lnTo>
+                      <a:pt x="5166995" y="62890"/>
+                    </a:lnTo>
+                    <a:lnTo>
+                      <a:pt x="5118112" y="46786"/>
+                    </a:lnTo>
+                    <a:lnTo>
+                      <a:pt x="5067325" y="32893"/>
+                    </a:lnTo>
+                    <a:lnTo>
+                      <a:pt x="5014785" y="21310"/>
+                    </a:lnTo>
+                    <a:lnTo>
+                      <a:pt x="4960620" y="12128"/>
+                    </a:lnTo>
+                    <a:lnTo>
+                      <a:pt x="4904994" y="5448"/>
+                    </a:lnTo>
+                    <a:lnTo>
+                      <a:pt x="4848072" y="1371"/>
+                    </a:lnTo>
+                    <a:lnTo>
+                      <a:pt x="4789983" y="0"/>
+                    </a:lnTo>
+                    <a:lnTo>
+                      <a:pt x="4731893" y="1371"/>
+                    </a:lnTo>
+                    <a:lnTo>
+                      <a:pt x="4703572" y="3403"/>
+                    </a:lnTo>
+                    <a:lnTo>
+                      <a:pt x="4703572" y="0"/>
+                    </a:lnTo>
+                    <a:lnTo>
+                      <a:pt x="0" y="0"/>
+                    </a:lnTo>
+                    <a:lnTo>
+                      <a:pt x="0" y="1007021"/>
+                    </a:lnTo>
+                    <a:lnTo>
+                      <a:pt x="4703572" y="1007021"/>
+                    </a:lnTo>
+                    <a:lnTo>
+                      <a:pt x="4703572" y="1003617"/>
+                    </a:lnTo>
+                    <a:lnTo>
+                      <a:pt x="4731893" y="1005636"/>
+                    </a:lnTo>
+                    <a:lnTo>
+                      <a:pt x="4789983" y="1007021"/>
+                    </a:lnTo>
+                    <a:lnTo>
+                      <a:pt x="4848072" y="1005636"/>
+                    </a:lnTo>
+                    <a:lnTo>
+                      <a:pt x="4904994" y="1001560"/>
+                    </a:lnTo>
+                    <a:lnTo>
+                      <a:pt x="4960620" y="994879"/>
+                    </a:lnTo>
+                    <a:lnTo>
+                      <a:pt x="5014785" y="985697"/>
+                    </a:lnTo>
+                    <a:lnTo>
+                      <a:pt x="5067325" y="974115"/>
+                    </a:lnTo>
+                    <a:lnTo>
+                      <a:pt x="5118112" y="960221"/>
+                    </a:lnTo>
+                    <a:lnTo>
+                      <a:pt x="5166995" y="944118"/>
+                    </a:lnTo>
+                    <a:lnTo>
+                      <a:pt x="5213807" y="925893"/>
+                    </a:lnTo>
+                    <a:lnTo>
+                      <a:pt x="5258409" y="905662"/>
+                    </a:lnTo>
+                    <a:lnTo>
+                      <a:pt x="5300637" y="883513"/>
+                    </a:lnTo>
+                    <a:lnTo>
+                      <a:pt x="5340362" y="859548"/>
+                    </a:lnTo>
+                    <a:lnTo>
+                      <a:pt x="5377421" y="833843"/>
+                    </a:lnTo>
+                    <a:lnTo>
+                      <a:pt x="5411660" y="806526"/>
+                    </a:lnTo>
+                    <a:lnTo>
+                      <a:pt x="5442940" y="777671"/>
+                    </a:lnTo>
+                    <a:lnTo>
+                      <a:pt x="5471109" y="747395"/>
+                    </a:lnTo>
+                    <a:lnTo>
+                      <a:pt x="5496001" y="715772"/>
+                    </a:lnTo>
+                    <a:lnTo>
+                      <a:pt x="5517477" y="682917"/>
+                    </a:lnTo>
+                    <a:lnTo>
+                      <a:pt x="5535384" y="648931"/>
+                    </a:lnTo>
+                    <a:lnTo>
+                      <a:pt x="5559907" y="577913"/>
+                    </a:lnTo>
+                    <a:lnTo>
+                      <a:pt x="5566207" y="541083"/>
+                    </a:lnTo>
+                    <a:lnTo>
+                      <a:pt x="5568340" y="503504"/>
+                    </a:lnTo>
+                    <a:close/>
+                  </a:path>
+                </a:pathLst>
+              </a:custGeom>
+              <a:solidFill>
+                <a:schemeClr val="tx1">
+                  <a:lumMod val="95000"/>
+                  <a:lumOff val="5000"/>
+                </a:schemeClr>
+              </a:solidFill>
+            </p:spPr>
+            <p:txBody>
+              <a:bodyPr wrap="square" lIns="0" tIns="0" rIns="0" bIns="0" rtlCol="0"/>
+              <a:lstStyle/>
+              <a:p>
+                <a:endParaRPr/>
+              </a:p>
+            </p:txBody>
+          </p:sp>
+          <p:sp>
+            <p:nvSpPr>
+              <p:cNvPr id="116" name="object 99">
+                <a:extLst>
+                  <a:ext uri="{FF2B5EF4-FFF2-40B4-BE49-F238E27FC236}">
+                    <a16:creationId xmlns:a16="http://schemas.microsoft.com/office/drawing/2014/main" id="{E2C60ECC-26BA-84C9-7E80-30C59633C5AC}"/>
+                  </a:ext>
+                </a:extLst>
+              </p:cNvPr>
+              <p:cNvSpPr/>
+              <p:nvPr/>
+            </p:nvSpPr>
+            <p:spPr>
+              <a:xfrm>
+                <a:off x="0" y="4224488"/>
+                <a:ext cx="5792470" cy="1557020"/>
+              </a:xfrm>
+              <a:custGeom>
+                <a:avLst/>
+                <a:gdLst/>
+                <a:ahLst/>
+                <a:cxnLst/>
+                <a:rect l="l" t="t" r="r" b="b"/>
+                <a:pathLst>
+                  <a:path w="5792470" h="1557020">
+                    <a:moveTo>
+                      <a:pt x="5791962" y="778357"/>
+                    </a:moveTo>
+                    <a:lnTo>
+                      <a:pt x="5790552" y="730948"/>
+                    </a:lnTo>
+                    <a:lnTo>
+                      <a:pt x="5786336" y="684288"/>
+                    </a:lnTo>
+                    <a:lnTo>
+                      <a:pt x="5779427" y="638454"/>
+                    </a:lnTo>
+                    <a:lnTo>
+                      <a:pt x="5769889" y="593534"/>
+                    </a:lnTo>
+                    <a:lnTo>
+                      <a:pt x="5757811" y="549617"/>
+                    </a:lnTo>
+                    <a:lnTo>
+                      <a:pt x="5743270" y="506768"/>
+                    </a:lnTo>
+                    <a:lnTo>
+                      <a:pt x="5726354" y="465086"/>
+                    </a:lnTo>
+                    <a:lnTo>
+                      <a:pt x="5707138" y="424637"/>
+                    </a:lnTo>
+                    <a:lnTo>
+                      <a:pt x="5685701" y="385508"/>
+                    </a:lnTo>
+                    <a:lnTo>
+                      <a:pt x="5662130" y="347789"/>
+                    </a:lnTo>
+                    <a:lnTo>
+                      <a:pt x="5636501" y="311543"/>
+                    </a:lnTo>
+                    <a:lnTo>
+                      <a:pt x="5608904" y="276872"/>
+                    </a:lnTo>
+                    <a:lnTo>
+                      <a:pt x="5579415" y="243852"/>
+                    </a:lnTo>
+                    <a:lnTo>
+                      <a:pt x="5548122" y="212547"/>
+                    </a:lnTo>
+                    <a:lnTo>
+                      <a:pt x="5515089" y="183057"/>
+                    </a:lnTo>
+                    <a:lnTo>
+                      <a:pt x="5480418" y="155460"/>
+                    </a:lnTo>
+                    <a:lnTo>
+                      <a:pt x="5444185" y="129844"/>
+                    </a:lnTo>
+                    <a:lnTo>
+                      <a:pt x="5406453" y="106273"/>
+                    </a:lnTo>
+                    <a:lnTo>
+                      <a:pt x="5367337" y="84836"/>
+                    </a:lnTo>
+                    <a:lnTo>
+                      <a:pt x="5326888" y="65620"/>
+                    </a:lnTo>
+                    <a:lnTo>
+                      <a:pt x="5285194" y="48691"/>
+                    </a:lnTo>
+                    <a:lnTo>
+                      <a:pt x="5242357" y="34150"/>
+                    </a:lnTo>
+                    <a:lnTo>
+                      <a:pt x="5198427" y="22072"/>
+                    </a:lnTo>
+                    <a:lnTo>
+                      <a:pt x="5153520" y="12534"/>
+                    </a:lnTo>
+                    <a:lnTo>
+                      <a:pt x="5107686" y="5626"/>
+                    </a:lnTo>
+                    <a:lnTo>
+                      <a:pt x="5061013" y="1422"/>
+                    </a:lnTo>
+                    <a:lnTo>
+                      <a:pt x="5013604" y="0"/>
+                    </a:lnTo>
+                    <a:lnTo>
+                      <a:pt x="4966182" y="1422"/>
+                    </a:lnTo>
+                    <a:lnTo>
+                      <a:pt x="4925580" y="5092"/>
+                    </a:lnTo>
+                    <a:lnTo>
+                      <a:pt x="4925580" y="0"/>
+                    </a:lnTo>
+                    <a:lnTo>
+                      <a:pt x="0" y="0"/>
+                    </a:lnTo>
+                    <a:lnTo>
+                      <a:pt x="0" y="1556727"/>
+                    </a:lnTo>
+                    <a:lnTo>
+                      <a:pt x="4925580" y="1556727"/>
+                    </a:lnTo>
+                    <a:lnTo>
+                      <a:pt x="4925580" y="1551647"/>
+                    </a:lnTo>
+                    <a:lnTo>
+                      <a:pt x="4966182" y="1555305"/>
+                    </a:lnTo>
+                    <a:lnTo>
+                      <a:pt x="5013604" y="1556727"/>
+                    </a:lnTo>
+                    <a:lnTo>
+                      <a:pt x="5061013" y="1555305"/>
+                    </a:lnTo>
+                    <a:lnTo>
+                      <a:pt x="5107686" y="1551101"/>
+                    </a:lnTo>
+                    <a:lnTo>
+                      <a:pt x="5153520" y="1544193"/>
+                    </a:lnTo>
+                    <a:lnTo>
+                      <a:pt x="5198427" y="1534655"/>
+                    </a:lnTo>
+                    <a:lnTo>
+                      <a:pt x="5242357" y="1522577"/>
+                    </a:lnTo>
+                    <a:lnTo>
+                      <a:pt x="5285194" y="1508036"/>
+                    </a:lnTo>
+                    <a:lnTo>
+                      <a:pt x="5326888" y="1491107"/>
+                    </a:lnTo>
+                    <a:lnTo>
+                      <a:pt x="5367337" y="1471891"/>
+                    </a:lnTo>
+                    <a:lnTo>
+                      <a:pt x="5406453" y="1450454"/>
+                    </a:lnTo>
+                    <a:lnTo>
+                      <a:pt x="5444185" y="1426883"/>
+                    </a:lnTo>
+                    <a:lnTo>
+                      <a:pt x="5480418" y="1401267"/>
+                    </a:lnTo>
+                    <a:lnTo>
+                      <a:pt x="5515089" y="1373670"/>
+                    </a:lnTo>
+                    <a:lnTo>
+                      <a:pt x="5548122" y="1344180"/>
+                    </a:lnTo>
+                    <a:lnTo>
+                      <a:pt x="5579415" y="1312875"/>
+                    </a:lnTo>
+                    <a:lnTo>
+                      <a:pt x="5608904" y="1279855"/>
+                    </a:lnTo>
+                    <a:lnTo>
+                      <a:pt x="5636501" y="1245184"/>
+                    </a:lnTo>
+                    <a:lnTo>
+                      <a:pt x="5662130" y="1208938"/>
+                    </a:lnTo>
+                    <a:lnTo>
+                      <a:pt x="5685701" y="1171219"/>
+                    </a:lnTo>
+                    <a:lnTo>
+                      <a:pt x="5707138" y="1132090"/>
+                    </a:lnTo>
+                    <a:lnTo>
+                      <a:pt x="5726354" y="1091641"/>
+                    </a:lnTo>
+                    <a:lnTo>
+                      <a:pt x="5743270" y="1049959"/>
+                    </a:lnTo>
+                    <a:lnTo>
+                      <a:pt x="5757811" y="1007110"/>
+                    </a:lnTo>
+                    <a:lnTo>
+                      <a:pt x="5769889" y="963193"/>
+                    </a:lnTo>
+                    <a:lnTo>
+                      <a:pt x="5779427" y="918273"/>
+                    </a:lnTo>
+                    <a:lnTo>
+                      <a:pt x="5786336" y="872439"/>
+                    </a:lnTo>
+                    <a:lnTo>
+                      <a:pt x="5790552" y="825779"/>
+                    </a:lnTo>
+                    <a:lnTo>
+                      <a:pt x="5791962" y="778357"/>
+                    </a:lnTo>
+                    <a:close/>
+                  </a:path>
+                </a:pathLst>
+              </a:custGeom>
+              <a:solidFill>
+                <a:schemeClr val="accent2">
+                  <a:lumMod val="50000"/>
+                </a:schemeClr>
+              </a:solidFill>
+            </p:spPr>
+            <p:txBody>
+              <a:bodyPr wrap="square" lIns="0" tIns="0" rIns="0" bIns="0" rtlCol="0"/>
+              <a:lstStyle/>
+              <a:p>
+                <a:endParaRPr dirty="0"/>
+              </a:p>
+            </p:txBody>
+          </p:sp>
+        </p:grpSp>
+        <p:sp>
+          <p:nvSpPr>
+            <p:cNvPr id="117" name="Retângulo: Cantos Arredondados 116">
+              <a:extLst>
+                <a:ext uri="{FF2B5EF4-FFF2-40B4-BE49-F238E27FC236}">
+                  <a16:creationId xmlns:a16="http://schemas.microsoft.com/office/drawing/2014/main" id="{C06504CE-C186-2E65-A152-AAAE97EBCE52}"/>
+                </a:ext>
+              </a:extLst>
+            </p:cNvPr>
+            <p:cNvSpPr/>
+            <p:nvPr/>
+          </p:nvSpPr>
+          <p:spPr>
+            <a:xfrm>
+              <a:off x="771060" y="3995998"/>
+              <a:ext cx="6133515" cy="3874979"/>
+            </a:xfrm>
+            <a:prstGeom prst="roundRect">
+              <a:avLst>
+                <a:gd name="adj" fmla="val 11947"/>
+              </a:avLst>
+            </a:prstGeom>
+            <a:solidFill>
+              <a:schemeClr val="accent2">
+                <a:lumMod val="50000"/>
+              </a:schemeClr>
+            </a:solidFill>
+            <a:ln w="76200">
+              <a:solidFill>
+                <a:schemeClr val="tx1">
+                  <a:lumMod val="95000"/>
+                  <a:lumOff val="5000"/>
+                </a:schemeClr>
+              </a:solidFill>
+            </a:ln>
+          </p:spPr>
+          <p:style>
+            <a:lnRef idx="2">
+              <a:schemeClr val="accent1">
+                <a:shade val="15000"/>
+              </a:schemeClr>
+            </a:lnRef>
+            <a:fillRef idx="1">
+              <a:schemeClr val="accent1"/>
+            </a:fillRef>
+            <a:effectRef idx="0">
+              <a:schemeClr val="accent1"/>
+            </a:effectRef>
+            <a:fontRef idx="minor">
+              <a:schemeClr val="lt1"/>
+            </a:fontRef>
+          </p:style>
+          <p:txBody>
+            <a:bodyPr rtlCol="0" anchor="ctr"/>
+            <a:lstStyle/>
+            <a:p>
+              <a:pPr algn="ctr"/>
+              <a:endParaRPr lang="pt-BR"/>
+            </a:p>
+          </p:txBody>
+        </p:sp>
+        <p:pic>
+          <p:nvPicPr>
+            <p:cNvPr id="120" name="Gráfico 119" descr="Sala de reuniões estrutura de tópicos">
+              <a:extLst>
+                <a:ext uri="{FF2B5EF4-FFF2-40B4-BE49-F238E27FC236}">
+                  <a16:creationId xmlns:a16="http://schemas.microsoft.com/office/drawing/2014/main" id="{A112068E-6F17-4B47-0AA8-D41FAF82CCB6}"/>
+                </a:ext>
+              </a:extLst>
+            </p:cNvPr>
+            <p:cNvPicPr>
+              <a:picLocks noChangeAspect="1"/>
+            </p:cNvPicPr>
+            <p:nvPr/>
+          </p:nvPicPr>
+          <p:blipFill>
+            <a:blip r:embed="rId82">
+              <a:extLst>
+                <a:ext uri="{28A0092B-C50C-407E-A947-70E740481C1C}">
+                  <a14:useLocalDpi xmlns:a14="http://schemas.microsoft.com/office/drawing/2010/main" val="0"/>
+                </a:ext>
+                <a:ext uri="{96DAC541-7B7A-43D3-8B79-37D633B846F1}">
+                  <asvg:svgBlip xmlns:asvg="http://schemas.microsoft.com/office/drawing/2016/SVG/main" r:embed="rId83"/>
+                </a:ext>
+              </a:extLst>
+            </a:blip>
+            <a:stretch>
+              <a:fillRect/>
+            </a:stretch>
+          </p:blipFill>
+          <p:spPr>
+            <a:xfrm>
+              <a:off x="4325246" y="9445248"/>
+              <a:ext cx="1324529" cy="1324529"/>
+            </a:xfrm>
+            <a:prstGeom prst="rect">
+              <a:avLst/>
+            </a:prstGeom>
+          </p:spPr>
+        </p:pic>
+        <p:pic>
+          <p:nvPicPr>
+            <p:cNvPr id="124" name="Gráfico 123" descr="Área de Transferência Marcada estrutura de tópicos">
+              <a:extLst>
+                <a:ext uri="{FF2B5EF4-FFF2-40B4-BE49-F238E27FC236}">
+                  <a16:creationId xmlns:a16="http://schemas.microsoft.com/office/drawing/2014/main" id="{664D0EA0-96BA-F7F7-57C7-7CC0130923E9}"/>
+                </a:ext>
+              </a:extLst>
+            </p:cNvPr>
+            <p:cNvPicPr>
+              <a:picLocks noChangeAspect="1"/>
+            </p:cNvPicPr>
+            <p:nvPr/>
+          </p:nvPicPr>
+          <p:blipFill>
+            <a:blip r:embed="rId84">
+              <a:extLst>
+                <a:ext uri="{28A0092B-C50C-407E-A947-70E740481C1C}">
+                  <a14:useLocalDpi xmlns:a14="http://schemas.microsoft.com/office/drawing/2010/main" val="0"/>
+                </a:ext>
+                <a:ext uri="{96DAC541-7B7A-43D3-8B79-37D633B846F1}">
+                  <asvg:svgBlip xmlns:asvg="http://schemas.microsoft.com/office/drawing/2016/SVG/main" r:embed="rId85"/>
+                </a:ext>
+              </a:extLst>
+            </a:blip>
+            <a:stretch>
+              <a:fillRect/>
+            </a:stretch>
+          </p:blipFill>
+          <p:spPr>
+            <a:xfrm>
+              <a:off x="2058140" y="11645281"/>
+              <a:ext cx="1175140" cy="1175140"/>
+            </a:xfrm>
+            <a:prstGeom prst="rect">
+              <a:avLst/>
+            </a:prstGeom>
+          </p:spPr>
+        </p:pic>
+        <p:pic>
+          <p:nvPicPr>
+            <p:cNvPr id="126" name="Gráfico 125" descr="Conexões estrutura de tópicos">
+              <a:extLst>
+                <a:ext uri="{FF2B5EF4-FFF2-40B4-BE49-F238E27FC236}">
+                  <a16:creationId xmlns:a16="http://schemas.microsoft.com/office/drawing/2014/main" id="{2DA84668-506D-F4A4-00AB-67C06C14A762}"/>
+                </a:ext>
+              </a:extLst>
+            </p:cNvPr>
+            <p:cNvPicPr>
+              <a:picLocks noChangeAspect="1"/>
+            </p:cNvPicPr>
+            <p:nvPr/>
+          </p:nvPicPr>
+          <p:blipFill>
+            <a:blip r:embed="rId86">
+              <a:extLst>
+                <a:ext uri="{28A0092B-C50C-407E-A947-70E740481C1C}">
+                  <a14:useLocalDpi xmlns:a14="http://schemas.microsoft.com/office/drawing/2010/main" val="0"/>
+                </a:ext>
+                <a:ext uri="{96DAC541-7B7A-43D3-8B79-37D633B846F1}">
+                  <asvg:svgBlip xmlns:asvg="http://schemas.microsoft.com/office/drawing/2016/SVG/main" r:embed="rId87"/>
+                </a:ext>
+              </a:extLst>
+            </a:blip>
+            <a:stretch>
+              <a:fillRect/>
+            </a:stretch>
+          </p:blipFill>
+          <p:spPr>
+            <a:xfrm>
+              <a:off x="4422566" y="14176166"/>
+              <a:ext cx="1292434" cy="1292434"/>
+            </a:xfrm>
+            <a:prstGeom prst="rect">
+              <a:avLst/>
+            </a:prstGeom>
+          </p:spPr>
+        </p:pic>
+        <p:pic>
+          <p:nvPicPr>
+            <p:cNvPr id="100" name="Gráfico 99" descr="Envelope estrutura de tópicos">
+              <a:extLst>
+                <a:ext uri="{FF2B5EF4-FFF2-40B4-BE49-F238E27FC236}">
+                  <a16:creationId xmlns:a16="http://schemas.microsoft.com/office/drawing/2014/main" id="{AE1284A0-7CAC-F9A4-2DE1-4FA968345DCD}"/>
+                </a:ext>
+              </a:extLst>
+            </p:cNvPr>
+            <p:cNvPicPr>
+              <a:picLocks noChangeAspect="1"/>
+            </p:cNvPicPr>
+            <p:nvPr/>
+          </p:nvPicPr>
+          <p:blipFill>
+            <a:blip r:embed="rId88">
+              <a:extLst>
+                <a:ext uri="{28A0092B-C50C-407E-A947-70E740481C1C}">
+                  <a14:useLocalDpi xmlns:a14="http://schemas.microsoft.com/office/drawing/2010/main" val="0"/>
+                </a:ext>
+                <a:ext uri="{96DAC541-7B7A-43D3-8B79-37D633B846F1}">
+                  <asvg:svgBlip xmlns:asvg="http://schemas.microsoft.com/office/drawing/2016/SVG/main" r:embed="rId89"/>
+                </a:ext>
+              </a:extLst>
+            </a:blip>
+            <a:stretch>
+              <a:fillRect/>
+            </a:stretch>
+          </p:blipFill>
+          <p:spPr>
+            <a:xfrm>
+              <a:off x="1979513" y="16806792"/>
+              <a:ext cx="914400" cy="914400"/>
+            </a:xfrm>
+            <a:prstGeom prst="rect">
+              <a:avLst/>
+            </a:prstGeom>
+          </p:spPr>
+        </p:pic>
+      </p:grpSp>
       <p:sp>
         <p:nvSpPr>
-          <p:cNvPr id="106" name="TextBox 105">
+          <p:cNvPr id="103" name="Rectangle: Diagonal Corners Rounded 102">
             <a:extLst>
               <a:ext uri="{FF2B5EF4-FFF2-40B4-BE49-F238E27FC236}">
-                <a16:creationId xmlns:a16="http://schemas.microsoft.com/office/drawing/2014/main" id="{B9F7EE64-A670-801F-61DF-47A8950D7714}"/>
+                <a16:creationId xmlns:a16="http://schemas.microsoft.com/office/drawing/2014/main" id="{4702FF2B-FBC6-85D2-D434-A0C586C9D640}"/>
               </a:ext>
             </a:extLst>
           </p:cNvPr>
-          <p:cNvSpPr txBox="1"/>
+          <p:cNvSpPr/>
           <p:nvPr/>
         </p:nvSpPr>
         <p:spPr>
           <a:xfrm>
-            <a:off x="582214" y="247211"/>
-            <a:ext cx="6455569" cy="1938992"/>
+            <a:off x="583719" y="42068"/>
+            <a:ext cx="6464778" cy="2586158"/>
           </a:xfrm>
-          <a:prstGeom prst="rect">
+          <a:prstGeom prst="round2DiagRect">
             <a:avLst/>
           </a:prstGeom>
-          <a:noFill/>
+          <a:solidFill>
+            <a:schemeClr val="accent2">
+              <a:lumMod val="50000"/>
+            </a:schemeClr>
+          </a:solidFill>
+          <a:ln w="76200">
+            <a:solidFill>
+              <a:schemeClr val="tx1">
+                <a:lumMod val="95000"/>
+                <a:lumOff val="5000"/>
+              </a:schemeClr>
+            </a:solidFill>
+          </a:ln>
         </p:spPr>
+        <p:style>
+          <a:lnRef idx="2">
+            <a:schemeClr val="accent3">
+              <a:shade val="15000"/>
+            </a:schemeClr>
+          </a:lnRef>
+          <a:fillRef idx="1">
+            <a:schemeClr val="accent3"/>
+          </a:fillRef>
+          <a:effectRef idx="0">
+            <a:schemeClr val="accent3"/>
+          </a:effectRef>
+          <a:fontRef idx="minor">
+            <a:schemeClr val="lt1"/>
+          </a:fontRef>
+        </p:style>
         <p:txBody>
-          <a:bodyPr wrap="square">
-            <a:spAutoFit/>
-          </a:bodyPr>
+          <a:bodyPr rtlCol="0" anchor="ctr"/>
           <a:lstStyle/>
           <a:p>
             <a:pPr algn="ctr"/>
-            <a:r>
-              <a:rPr sz="4000" b="1" dirty="0">
-                <a:solidFill>
-                  <a:srgbClr val="FFFFFF"/>
-                </a:solidFill>
-                <a:latin typeface="League Spartan"/>
-              </a:rPr>
-              <a:t>João Silva</a:t>
-            </a:r>
-            <a:r>
-              <a:rPr lang="en-US" sz="4000" b="1" dirty="0">
-                <a:solidFill>
-                  <a:srgbClr val="FFFFFF"/>
-                </a:solidFill>
-                <a:latin typeface="League Spartan"/>
-              </a:rPr>
-              <a:t>, </a:t>
-            </a:r>
-            <a:r>
-              <a:rPr sz="4000" b="1" dirty="0">
-                <a:solidFill>
-                  <a:srgbClr val="FFFFFF"/>
-                </a:solidFill>
-                <a:latin typeface="League Spartan"/>
-              </a:rPr>
-              <a:t>TEM UM CLIENTE NOVO ESPERANDO O SEU BOAS VINDAS!!!</a:t>
-            </a:r>
-          </a:p>
-        </p:txBody>
-      </p:sp>
-      <p:sp>
-        <p:nvSpPr>
-          <p:cNvPr id="3" name="TextBox 2">
-            <a:extLst>
-              <a:ext uri="{FF2B5EF4-FFF2-40B4-BE49-F238E27FC236}">
-                <a16:creationId xmlns:a16="http://schemas.microsoft.com/office/drawing/2014/main" id="{B5DA2809-AF20-9F78-3879-1095AC87C567}"/>
-              </a:ext>
-            </a:extLst>
-          </p:cNvPr>
-          <p:cNvSpPr txBox="1"/>
-          <p:nvPr/>
-        </p:nvSpPr>
-        <p:spPr>
-          <a:xfrm>
-            <a:off x="914399" y="4137532"/>
-            <a:ext cx="5791200" cy="1077218"/>
-          </a:xfrm>
-          <a:prstGeom prst="rect">
-            <a:avLst/>
-          </a:prstGeom>
-          <a:noFill/>
-        </p:spPr>
-        <p:txBody>
-          <a:bodyPr wrap="square">
-            <a:spAutoFit/>
-          </a:bodyPr>
-          <a:lstStyle/>
-          <a:p>
-            <a:r>
-              <a:rPr lang="pt-BR" sz="3200" dirty="0">
-                <a:solidFill>
-                  <a:schemeClr val="bg1"/>
-                </a:solidFill>
-                <a:latin typeface="Aptos Display" panose="020B0004020202020204" pitchFamily="34" charset="0"/>
-              </a:rPr>
-              <a:t>Informações sobre seu </a:t>
-            </a:r>
-            <a:r>
-              <a:rPr lang="pt-BR" sz="3200" b="1" dirty="0">
-                <a:solidFill>
-                  <a:schemeClr val="bg1"/>
-                </a:solidFill>
-                <a:effectLst>
-                  <a:outerShdw blurRad="38100" dist="38100" dir="2700000" algn="tl">
-                    <a:srgbClr val="000000">
-                      <a:alpha val="43137"/>
-                    </a:srgbClr>
-                  </a:outerShdw>
-                </a:effectLst>
-                <a:latin typeface="Aptos Display" panose="020B0004020202020204" pitchFamily="34" charset="0"/>
-              </a:rPr>
-              <a:t>cliente</a:t>
-            </a:r>
-            <a:r>
-              <a:rPr lang="pt-BR" sz="3200" dirty="0">
-                <a:solidFill>
-                  <a:schemeClr val="bg1"/>
-                </a:solidFill>
-                <a:latin typeface="Aptos Display" panose="020B0004020202020204" pitchFamily="34" charset="0"/>
-              </a:rPr>
-              <a:t>:</a:t>
-            </a:r>
-            <a:br>
-              <a:rPr lang="pt-BR" sz="3200" dirty="0">
-                <a:solidFill>
-                  <a:schemeClr val="bg1"/>
-                </a:solidFill>
-                <a:latin typeface="Aptos Display" panose="020B0004020202020204" pitchFamily="34" charset="0"/>
-              </a:rPr>
-            </a:br>
-            <a:endParaRPr lang="pt-BR" sz="3200" dirty="0"/>
-          </a:p>
-        </p:txBody>
-      </p:sp>
-      <p:sp>
-        <p:nvSpPr>
-          <p:cNvPr id="5" name="TextBox 4">
-            <a:extLst>
-              <a:ext uri="{FF2B5EF4-FFF2-40B4-BE49-F238E27FC236}">
-                <a16:creationId xmlns:a16="http://schemas.microsoft.com/office/drawing/2014/main" id="{340A91BA-4F34-19DF-8A22-D1158192B21E}"/>
-              </a:ext>
-            </a:extLst>
-          </p:cNvPr>
-          <p:cNvSpPr txBox="1"/>
-          <p:nvPr/>
-        </p:nvSpPr>
-        <p:spPr>
-          <a:xfrm>
-            <a:off x="876295" y="4769454"/>
-            <a:ext cx="5842003" cy="584775"/>
-          </a:xfrm>
-          <a:prstGeom prst="rect">
-            <a:avLst/>
-          </a:prstGeom>
-          <a:noFill/>
-        </p:spPr>
-        <p:txBody>
-          <a:bodyPr wrap="square">
-            <a:spAutoFit/>
-          </a:bodyPr>
-          <a:lstStyle/>
-          <a:p>
-            <a:r>
-              <a:rPr lang="pt-BR" sz="3200" dirty="0">
-                <a:solidFill>
-                  <a:srgbClr val="FFFFFF"/>
-                </a:solidFill>
-                <a:latin typeface="Aptos Display"/>
-              </a:rPr>
-              <a:t>Empresa: Natura</a:t>
-            </a:r>
-            <a:endParaRPr lang="pt-BR" sz="3200" dirty="0"/>
-          </a:p>
-        </p:txBody>
-      </p:sp>
-      <p:sp>
-        <p:nvSpPr>
-          <p:cNvPr id="7" name="TextBox 6">
-            <a:extLst>
-              <a:ext uri="{FF2B5EF4-FFF2-40B4-BE49-F238E27FC236}">
-                <a16:creationId xmlns:a16="http://schemas.microsoft.com/office/drawing/2014/main" id="{0E6005B7-B7E9-FF7F-08AC-AB72DCFA9301}"/>
-              </a:ext>
-            </a:extLst>
-          </p:cNvPr>
-          <p:cNvSpPr txBox="1"/>
-          <p:nvPr/>
-        </p:nvSpPr>
-        <p:spPr>
-          <a:xfrm>
-            <a:off x="888997" y="5481387"/>
-            <a:ext cx="5791200" cy="523220"/>
-          </a:xfrm>
-          <a:prstGeom prst="rect">
-            <a:avLst/>
-          </a:prstGeom>
-          <a:noFill/>
-        </p:spPr>
-        <p:txBody>
-          <a:bodyPr wrap="square">
-            <a:spAutoFit/>
-          </a:bodyPr>
-          <a:lstStyle/>
-          <a:p>
-            <a:pPr lvl="3" algn="l"/>
-            <a:r>
-              <a:rPr sz="2800" dirty="0">
-                <a:solidFill>
-                  <a:srgbClr val="FFFFFF"/>
-                </a:solidFill>
-                <a:latin typeface="Aptos Display"/>
-              </a:rPr>
-              <a:t>CNPJ:</a:t>
-            </a:r>
-            <a:r>
-              <a:rPr lang="pt-BR" sz="2800" dirty="0">
-                <a:solidFill>
-                  <a:srgbClr val="FFFFFF"/>
-                </a:solidFill>
-                <a:latin typeface="Aptos Display"/>
-              </a:rPr>
-              <a:t> </a:t>
-            </a:r>
-            <a:r>
-              <a:rPr sz="2800" dirty="0">
-                <a:solidFill>
-                  <a:srgbClr val="FFFFFF"/>
-                </a:solidFill>
-                <a:latin typeface="Aptos Display"/>
-              </a:rPr>
-              <a:t>12.345.678/0001-90</a:t>
-            </a:r>
-          </a:p>
-        </p:txBody>
-      </p:sp>
-      <p:sp>
-        <p:nvSpPr>
-          <p:cNvPr id="9" name="TextBox 8">
-            <a:extLst>
-              <a:ext uri="{FF2B5EF4-FFF2-40B4-BE49-F238E27FC236}">
-                <a16:creationId xmlns:a16="http://schemas.microsoft.com/office/drawing/2014/main" id="{62B89494-2516-9BDE-D321-97851D029B22}"/>
-              </a:ext>
-            </a:extLst>
-          </p:cNvPr>
-          <p:cNvSpPr txBox="1"/>
-          <p:nvPr/>
-        </p:nvSpPr>
-        <p:spPr>
-          <a:xfrm>
-            <a:off x="888997" y="6053841"/>
-            <a:ext cx="5816600" cy="523220"/>
-          </a:xfrm>
-          <a:prstGeom prst="rect">
-            <a:avLst/>
-          </a:prstGeom>
-          <a:noFill/>
-        </p:spPr>
-        <p:txBody>
-          <a:bodyPr wrap="square">
-            <a:spAutoFit/>
-          </a:bodyPr>
-          <a:lstStyle/>
-          <a:p>
-            <a:pPr lvl="3" algn="l"/>
-            <a:r>
-              <a:rPr sz="2800" dirty="0" err="1">
-                <a:solidFill>
-                  <a:srgbClr val="FFFFFF"/>
-                </a:solidFill>
-                <a:latin typeface="Aptos Display"/>
-              </a:rPr>
-              <a:t>Telefone</a:t>
-            </a:r>
-            <a:r>
-              <a:rPr sz="2800" dirty="0">
-                <a:solidFill>
-                  <a:srgbClr val="FFFFFF"/>
-                </a:solidFill>
-                <a:latin typeface="Aptos Display"/>
-              </a:rPr>
-              <a:t>: (11) 98765-4321</a:t>
-            </a:r>
-          </a:p>
-        </p:txBody>
-      </p:sp>
-      <p:sp>
-        <p:nvSpPr>
-          <p:cNvPr id="11" name="TextBox 10">
-            <a:extLst>
-              <a:ext uri="{FF2B5EF4-FFF2-40B4-BE49-F238E27FC236}">
-                <a16:creationId xmlns:a16="http://schemas.microsoft.com/office/drawing/2014/main" id="{8DE8FD0C-EAEC-D717-F56A-AAB8AB7D8B8F}"/>
-              </a:ext>
-            </a:extLst>
-          </p:cNvPr>
-          <p:cNvSpPr txBox="1"/>
-          <p:nvPr/>
-        </p:nvSpPr>
-        <p:spPr>
-          <a:xfrm>
-            <a:off x="888999" y="6620938"/>
-            <a:ext cx="6148784" cy="523220"/>
-          </a:xfrm>
-          <a:prstGeom prst="rect">
-            <a:avLst/>
-          </a:prstGeom>
-          <a:noFill/>
-        </p:spPr>
-        <p:txBody>
-          <a:bodyPr wrap="square">
-            <a:spAutoFit/>
-          </a:bodyPr>
-          <a:lstStyle/>
-          <a:p>
-            <a:pPr lvl="3" algn="l"/>
-            <a:r>
-              <a:rPr sz="2800" dirty="0">
-                <a:solidFill>
-                  <a:srgbClr val="FFFFFF"/>
-                </a:solidFill>
-                <a:latin typeface="Aptos Display"/>
-              </a:rPr>
-              <a:t>Email</a:t>
-            </a:r>
-            <a:r>
-              <a:rPr lang="pt-BR" sz="2800" dirty="0">
-                <a:solidFill>
-                  <a:srgbClr val="FFFFFF"/>
-                </a:solidFill>
-                <a:latin typeface="Aptos Display"/>
-              </a:rPr>
-              <a:t>:</a:t>
-            </a:r>
-            <a:r>
-              <a:rPr sz="2800" dirty="0">
-                <a:solidFill>
-                  <a:srgbClr val="FFFFFF"/>
-                </a:solidFill>
-                <a:latin typeface="Aptos Display"/>
-              </a:rPr>
-              <a:t> </a:t>
-            </a:r>
-            <a:r>
-              <a:rPr lang="en-US" sz="2800" dirty="0">
-                <a:solidFill>
-                  <a:srgbClr val="FFFFFF"/>
-                </a:solidFill>
-                <a:latin typeface="Aptos Display"/>
-              </a:rPr>
-              <a:t>joaovitorpiccolo015</a:t>
-            </a:r>
-            <a:r>
-              <a:rPr sz="2800" dirty="0">
-                <a:solidFill>
-                  <a:srgbClr val="FFFFFF"/>
-                </a:solidFill>
-                <a:latin typeface="Aptos Display"/>
-              </a:rPr>
-              <a:t>@natura.com</a:t>
-            </a:r>
-          </a:p>
-        </p:txBody>
-      </p:sp>
-      <p:sp>
-        <p:nvSpPr>
-          <p:cNvPr id="13" name="TextBox 12">
-            <a:extLst>
-              <a:ext uri="{FF2B5EF4-FFF2-40B4-BE49-F238E27FC236}">
-                <a16:creationId xmlns:a16="http://schemas.microsoft.com/office/drawing/2014/main" id="{20017D92-7553-4214-1750-88ED54D734F3}"/>
-              </a:ext>
-            </a:extLst>
-          </p:cNvPr>
-          <p:cNvSpPr txBox="1"/>
-          <p:nvPr/>
-        </p:nvSpPr>
-        <p:spPr>
-          <a:xfrm>
-            <a:off x="888997" y="7128813"/>
-            <a:ext cx="5664203" cy="523220"/>
-          </a:xfrm>
-          <a:prstGeom prst="rect">
-            <a:avLst/>
-          </a:prstGeom>
-          <a:noFill/>
-        </p:spPr>
-        <p:txBody>
-          <a:bodyPr wrap="square">
-            <a:spAutoFit/>
-          </a:bodyPr>
-          <a:lstStyle/>
-          <a:p>
-            <a:pPr lvl="3" algn="l"/>
-            <a:r>
-              <a:rPr sz="2800" dirty="0">
-                <a:solidFill>
-                  <a:srgbClr val="FFFFFF"/>
-                </a:solidFill>
-                <a:latin typeface="Aptos Display"/>
-              </a:rPr>
-              <a:t>Nome dos </a:t>
-            </a:r>
-            <a:r>
-              <a:rPr sz="2800" dirty="0" err="1">
-                <a:solidFill>
-                  <a:srgbClr val="FFFFFF"/>
-                </a:solidFill>
-                <a:latin typeface="Aptos Display"/>
-              </a:rPr>
-              <a:t>sócios</a:t>
-            </a:r>
-            <a:r>
-              <a:rPr sz="2800" dirty="0">
-                <a:solidFill>
-                  <a:srgbClr val="FFFFFF"/>
-                </a:solidFill>
-                <a:latin typeface="Aptos Display"/>
-              </a:rPr>
-              <a:t>: </a:t>
-            </a:r>
-            <a:r>
-              <a:rPr sz="2800" dirty="0" err="1">
-                <a:solidFill>
-                  <a:srgbClr val="FFFFFF"/>
-                </a:solidFill>
-                <a:latin typeface="Aptos Display"/>
-              </a:rPr>
-              <a:t>Pedrão</a:t>
-            </a:r>
-            <a:endParaRPr sz="2800" dirty="0">
-              <a:solidFill>
-                <a:srgbClr val="FFFFFF"/>
-              </a:solidFill>
-              <a:latin typeface="Aptos Display"/>
-            </a:endParaRPr>
-          </a:p>
-        </p:txBody>
-      </p:sp>
-      <p:sp>
-        <p:nvSpPr>
-          <p:cNvPr id="8" name="TextBox 7">
-            <a:extLst>
-              <a:ext uri="{FF2B5EF4-FFF2-40B4-BE49-F238E27FC236}">
-                <a16:creationId xmlns:a16="http://schemas.microsoft.com/office/drawing/2014/main" id="{B628B058-573C-6580-DFA1-99ACA772C229}"/>
-              </a:ext>
-            </a:extLst>
-          </p:cNvPr>
-          <p:cNvSpPr txBox="1"/>
-          <p:nvPr/>
-        </p:nvSpPr>
-        <p:spPr>
-          <a:xfrm>
-            <a:off x="0" y="9077962"/>
-            <a:ext cx="4460873" cy="1323439"/>
-          </a:xfrm>
-          <a:prstGeom prst="rect">
-            <a:avLst/>
-          </a:prstGeom>
-          <a:noFill/>
-        </p:spPr>
-        <p:txBody>
-          <a:bodyPr wrap="square">
-            <a:spAutoFit/>
-          </a:bodyPr>
-          <a:lstStyle/>
-          <a:p>
-            <a:r>
-              <a:rPr lang="pt-BR" sz="4000" dirty="0">
-                <a:solidFill>
-                  <a:schemeClr val="bg1"/>
-                </a:solidFill>
-                <a:latin typeface="League Spartan" pitchFamily="2" charset="0"/>
-              </a:rPr>
-              <a:t>Se apresente e agende uma </a:t>
-            </a:r>
-            <a:r>
-              <a:rPr lang="pt-BR" sz="4000" b="1" dirty="0">
-                <a:solidFill>
-                  <a:schemeClr val="bg1"/>
-                </a:solidFill>
-                <a:effectLst>
-                  <a:outerShdw blurRad="38100" dist="38100" dir="2700000" algn="tl">
-                    <a:srgbClr val="000000">
-                      <a:alpha val="43137"/>
-                    </a:srgbClr>
-                  </a:outerShdw>
-                </a:effectLst>
-                <a:latin typeface="League Spartan" pitchFamily="2" charset="0"/>
-              </a:rPr>
-              <a:t>visita</a:t>
-            </a:r>
-          </a:p>
-        </p:txBody>
-      </p:sp>
-      <p:sp>
-        <p:nvSpPr>
-          <p:cNvPr id="14" name="TextBox 13">
-            <a:extLst>
-              <a:ext uri="{FF2B5EF4-FFF2-40B4-BE49-F238E27FC236}">
-                <a16:creationId xmlns:a16="http://schemas.microsoft.com/office/drawing/2014/main" id="{FBB95618-0BDC-6C88-8172-B5EEDEE139D9}"/>
-              </a:ext>
-            </a:extLst>
-          </p:cNvPr>
-          <p:cNvSpPr txBox="1"/>
-          <p:nvPr/>
-        </p:nvSpPr>
-        <p:spPr>
-          <a:xfrm>
-            <a:off x="3276600" y="11660233"/>
-            <a:ext cx="4460873" cy="1323439"/>
-          </a:xfrm>
-          <a:prstGeom prst="rect">
-            <a:avLst/>
-          </a:prstGeom>
-          <a:noFill/>
-        </p:spPr>
-        <p:txBody>
-          <a:bodyPr wrap="square">
-            <a:spAutoFit/>
-          </a:bodyPr>
-          <a:lstStyle/>
-          <a:p>
-            <a:r>
-              <a:rPr lang="pt-BR" sz="4000" dirty="0">
-                <a:solidFill>
-                  <a:schemeClr val="bg1"/>
-                </a:solidFill>
-                <a:latin typeface="League Spartan" pitchFamily="2" charset="0"/>
-              </a:rPr>
-              <a:t>Reforce a </a:t>
-            </a:r>
-            <a:r>
-              <a:rPr lang="pt-BR" sz="4000" b="1" dirty="0">
-                <a:solidFill>
-                  <a:schemeClr val="bg1"/>
-                </a:solidFill>
-                <a:effectLst>
-                  <a:outerShdw blurRad="38100" dist="38100" dir="2700000" algn="tl">
-                    <a:srgbClr val="000000">
-                      <a:alpha val="43137"/>
-                    </a:srgbClr>
-                  </a:outerShdw>
-                </a:effectLst>
-                <a:latin typeface="League Spartan" pitchFamily="2" charset="0"/>
-              </a:rPr>
-              <a:t>oferta de valor da empresa</a:t>
-            </a:r>
-          </a:p>
-        </p:txBody>
-      </p:sp>
-      <p:sp>
-        <p:nvSpPr>
-          <p:cNvPr id="16" name="TextBox 15">
-            <a:extLst>
-              <a:ext uri="{FF2B5EF4-FFF2-40B4-BE49-F238E27FC236}">
-                <a16:creationId xmlns:a16="http://schemas.microsoft.com/office/drawing/2014/main" id="{68247706-3AE7-593F-3F87-DAFC3C813042}"/>
-              </a:ext>
-            </a:extLst>
-          </p:cNvPr>
-          <p:cNvSpPr txBox="1"/>
-          <p:nvPr/>
-        </p:nvSpPr>
-        <p:spPr>
-          <a:xfrm>
-            <a:off x="-1" y="14109053"/>
-            <a:ext cx="4765673" cy="1323439"/>
-          </a:xfrm>
-          <a:prstGeom prst="rect">
-            <a:avLst/>
-          </a:prstGeom>
-          <a:noFill/>
-        </p:spPr>
-        <p:txBody>
-          <a:bodyPr wrap="square">
-            <a:spAutoFit/>
-          </a:bodyPr>
-          <a:lstStyle/>
-          <a:p>
-            <a:r>
-              <a:rPr lang="pt-BR" sz="4000" dirty="0">
-                <a:solidFill>
-                  <a:schemeClr val="bg1"/>
-                </a:solidFill>
-                <a:latin typeface="League Spartan" pitchFamily="2" charset="0"/>
-              </a:rPr>
-              <a:t>Entenda o </a:t>
-            </a:r>
-            <a:r>
-              <a:rPr lang="pt-BR" sz="4000" b="1" dirty="0">
-                <a:solidFill>
-                  <a:schemeClr val="bg1"/>
-                </a:solidFill>
-                <a:effectLst>
-                  <a:outerShdw blurRad="38100" dist="38100" dir="2700000" algn="tl">
-                    <a:srgbClr val="000000">
-                      <a:alpha val="43137"/>
-                    </a:srgbClr>
-                  </a:outerShdw>
-                </a:effectLst>
-                <a:latin typeface="League Spartan" pitchFamily="2" charset="0"/>
-              </a:rPr>
-              <a:t>momento</a:t>
-            </a:r>
-            <a:r>
-              <a:rPr lang="pt-BR" sz="4000" dirty="0">
-                <a:solidFill>
-                  <a:schemeClr val="bg1"/>
-                </a:solidFill>
-                <a:latin typeface="League Spartan" pitchFamily="2" charset="0"/>
-              </a:rPr>
-              <a:t> do seu negócio</a:t>
-            </a:r>
-          </a:p>
-        </p:txBody>
-      </p:sp>
-      <p:sp>
-        <p:nvSpPr>
-          <p:cNvPr id="18" name="TextBox 17">
-            <a:extLst>
-              <a:ext uri="{FF2B5EF4-FFF2-40B4-BE49-F238E27FC236}">
-                <a16:creationId xmlns:a16="http://schemas.microsoft.com/office/drawing/2014/main" id="{78F889C0-B248-49BE-FA39-6FC16C8C7EBF}"/>
-              </a:ext>
-            </a:extLst>
-          </p:cNvPr>
-          <p:cNvSpPr txBox="1"/>
-          <p:nvPr/>
-        </p:nvSpPr>
-        <p:spPr>
-          <a:xfrm>
-            <a:off x="2827336" y="16678300"/>
-            <a:ext cx="5070474" cy="1323439"/>
-          </a:xfrm>
-          <a:prstGeom prst="rect">
-            <a:avLst/>
-          </a:prstGeom>
-          <a:noFill/>
-        </p:spPr>
-        <p:txBody>
-          <a:bodyPr wrap="square">
-            <a:spAutoFit/>
-          </a:bodyPr>
-          <a:lstStyle/>
-          <a:p>
-            <a:r>
-              <a:rPr lang="pt-BR" sz="4000" dirty="0">
-                <a:solidFill>
-                  <a:schemeClr val="bg1"/>
-                </a:solidFill>
-                <a:latin typeface="League Spartan" pitchFamily="2" charset="0"/>
-              </a:rPr>
-              <a:t>Envie nosso </a:t>
-            </a:r>
-            <a:r>
-              <a:rPr lang="pt-BR" sz="4000" b="1" dirty="0">
-                <a:solidFill>
-                  <a:schemeClr val="bg1"/>
-                </a:solidFill>
-                <a:effectLst>
-                  <a:outerShdw blurRad="38100" dist="38100" dir="2700000" algn="tl">
-                    <a:srgbClr val="000000">
-                      <a:alpha val="43137"/>
-                    </a:srgbClr>
-                  </a:outerShdw>
-                </a:effectLst>
-                <a:latin typeface="League Spartan" pitchFamily="2" charset="0"/>
-              </a:rPr>
-              <a:t>informativo</a:t>
-            </a:r>
-            <a:r>
-              <a:rPr lang="pt-BR" sz="4000" dirty="0">
-                <a:solidFill>
-                  <a:schemeClr val="bg1"/>
-                </a:solidFill>
-                <a:latin typeface="League Spartan" pitchFamily="2" charset="0"/>
-              </a:rPr>
-              <a:t> anexado</a:t>
-            </a:r>
+            <a:endParaRPr lang="pt-BR"/>
           </a:p>
         </p:txBody>
       </p:sp>
